--- a/labs/Курсовая_работа/Презентация.pptx
+++ b/labs/Курсовая_работа/Презентация.pptx
@@ -66,7 +66,7 @@
         <p:txBody>
           <a:bodyPr/>
           <a:p>
-            <a:fld id="{E43A5303-A435-480A-A061-5DACCCBA382A}" type="slidenum">
+            <a:fld id="{4D2A9C5F-6FB9-488F-A1BA-57BA33268309}" type="slidenum">
               <a:t>&lt;#&gt;</a:t>
             </a:fld>
           </a:p>
@@ -213,7 +213,7 @@
         <p:txBody>
           <a:bodyPr/>
           <a:p>
-            <a:fld id="{68AE7CF3-09A8-497D-B0BA-A0AE869413BE}" type="slidenum">
+            <a:fld id="{E3B87D7A-BC34-4B91-AFCF-D874F8D99E41}" type="slidenum">
               <a:t>&lt;#&gt;</a:t>
             </a:fld>
           </a:p>
@@ -428,7 +428,7 @@
         <p:txBody>
           <a:bodyPr/>
           <a:p>
-            <a:fld id="{E7D2A95C-A3D3-46F9-B92F-A7E3158B3AF3}" type="slidenum">
+            <a:fld id="{5C8AE147-325B-4DF3-8CB4-C67BCE622948}" type="slidenum">
               <a:t>&lt;#&gt;</a:t>
             </a:fld>
           </a:p>
@@ -711,7 +711,7 @@
         <p:txBody>
           <a:bodyPr/>
           <a:p>
-            <a:fld id="{3DD6CA79-2176-48F4-8A90-D0DF91246264}" type="slidenum">
+            <a:fld id="{F9ADD968-8CCA-49E6-AF10-89C5E84105BC}" type="slidenum">
               <a:t>&lt;#&gt;</a:t>
             </a:fld>
           </a:p>
@@ -753,7 +753,7 @@
         <p:txBody>
           <a:bodyPr/>
           <a:p>
-            <a:fld id="{0D4BD7C7-729C-4D78-957D-9E0107CBE614}" type="slidenum">
+            <a:fld id="{3F11BCDB-767E-4F62-A732-177BE2913C57}" type="slidenum">
               <a:t>&lt;#&gt;</a:t>
             </a:fld>
           </a:p>
@@ -869,7 +869,7 @@
         <p:txBody>
           <a:bodyPr/>
           <a:p>
-            <a:fld id="{601F29D4-D1CF-4E95-9128-E6467B847442}" type="slidenum">
+            <a:fld id="{DEA772C5-C9C8-42C6-A0A6-E57AABADD477}" type="slidenum">
               <a:t>&lt;#&gt;</a:t>
             </a:fld>
           </a:p>
@@ -982,7 +982,7 @@
         <p:txBody>
           <a:bodyPr/>
           <a:p>
-            <a:fld id="{33A34105-E51D-4826-9D06-22FAE5D8B704}" type="slidenum">
+            <a:fld id="{51D733BC-779E-487A-9720-53DC9278ED6F}" type="slidenum">
               <a:t>&lt;#&gt;</a:t>
             </a:fld>
           </a:p>
@@ -1129,7 +1129,7 @@
         <p:txBody>
           <a:bodyPr/>
           <a:p>
-            <a:fld id="{376F8CDE-D08D-43E8-BC9B-EA6E9295DFD0}" type="slidenum">
+            <a:fld id="{A383F03E-669C-4FBB-940E-8F2EB56DD063}" type="slidenum">
               <a:t>&lt;#&gt;</a:t>
             </a:fld>
           </a:p>
@@ -1208,7 +1208,7 @@
         <p:txBody>
           <a:bodyPr/>
           <a:p>
-            <a:fld id="{6911192A-F501-4EBE-96CE-CB764CB252D2}" type="slidenum">
+            <a:fld id="{0569273F-9CEC-4179-9FF6-1D3FE5150BBA}" type="slidenum">
               <a:t>&lt;#&gt;</a:t>
             </a:fld>
           </a:p>
@@ -1287,7 +1287,7 @@
         <p:txBody>
           <a:bodyPr/>
           <a:p>
-            <a:fld id="{CEAA91E4-80C1-4101-969A-B2D3B7BABACA}" type="slidenum">
+            <a:fld id="{B8CE3717-F87E-44E9-98A8-B9BD8924A3E4}" type="slidenum">
               <a:t>&lt;#&gt;</a:t>
             </a:fld>
           </a:p>
@@ -1468,7 +1468,7 @@
         <p:txBody>
           <a:bodyPr/>
           <a:p>
-            <a:fld id="{565C2CDD-C70F-4C8D-B530-B306124B1B3D}" type="slidenum">
+            <a:fld id="{E6A0D39B-A3B3-4E1C-AAAC-244BCF2387E2}" type="slidenum">
               <a:t>&lt;#&gt;</a:t>
             </a:fld>
           </a:p>
@@ -1584,7 +1584,7 @@
         <p:txBody>
           <a:bodyPr/>
           <a:p>
-            <a:fld id="{3DD9AA4A-2B1D-4ED4-9EE6-C025D0FD1D5F}" type="slidenum">
+            <a:fld id="{1EE61902-706F-4B0C-A72C-726B3D629822}" type="slidenum">
               <a:t>&lt;#&gt;</a:t>
             </a:fld>
           </a:p>
@@ -1765,7 +1765,7 @@
         <p:txBody>
           <a:bodyPr/>
           <a:p>
-            <a:fld id="{7E3B8211-D68F-4E30-A266-982D8F49DE70}" type="slidenum">
+            <a:fld id="{C306D70F-2D38-46E1-8F27-F08DAC0C055D}" type="slidenum">
               <a:t>&lt;#&gt;</a:t>
             </a:fld>
           </a:p>
@@ -1946,7 +1946,7 @@
         <p:txBody>
           <a:bodyPr/>
           <a:p>
-            <a:fld id="{AAF59A2A-0227-44AD-8296-E9A78AC7086E}" type="slidenum">
+            <a:fld id="{548FEF3A-EA95-485E-B767-21426EEA4B9D}" type="slidenum">
               <a:t>&lt;#&gt;</a:t>
             </a:fld>
           </a:p>
@@ -2093,7 +2093,7 @@
         <p:txBody>
           <a:bodyPr/>
           <a:p>
-            <a:fld id="{252E263B-0C11-443B-9F13-B46D158F876B}" type="slidenum">
+            <a:fld id="{22A06B98-BE7B-4DDB-9D85-5418804DE351}" type="slidenum">
               <a:t>&lt;#&gt;</a:t>
             </a:fld>
           </a:p>
@@ -2308,7 +2308,7 @@
         <p:txBody>
           <a:bodyPr/>
           <a:p>
-            <a:fld id="{BDB1173C-C1A0-4F83-B486-B05332A920E7}" type="slidenum">
+            <a:fld id="{2AB41E16-F48F-48CA-A3A7-442B9DD182A4}" type="slidenum">
               <a:t>&lt;#&gt;</a:t>
             </a:fld>
           </a:p>
@@ -2591,7 +2591,7 @@
         <p:txBody>
           <a:bodyPr/>
           <a:p>
-            <a:fld id="{CD4F6421-57FE-4DF5-BF1B-9B0AB2648B1E}" type="slidenum">
+            <a:fld id="{86E0F843-D6F1-4B18-B4CE-2F93BCE3D893}" type="slidenum">
               <a:t>&lt;#&gt;</a:t>
             </a:fld>
           </a:p>
@@ -2633,7 +2633,7 @@
         <p:txBody>
           <a:bodyPr/>
           <a:p>
-            <a:fld id="{1C5BFF41-AC78-4B59-9912-5CF0B86F03E6}" type="slidenum">
+            <a:fld id="{D126B39F-FDB6-4AA6-9A36-722EC512FC33}" type="slidenum">
               <a:t>&lt;#&gt;</a:t>
             </a:fld>
           </a:p>
@@ -2749,7 +2749,7 @@
         <p:txBody>
           <a:bodyPr/>
           <a:p>
-            <a:fld id="{89F3D529-040F-4DD9-924A-96DEC75BA416}" type="slidenum">
+            <a:fld id="{095ACB1E-DAD9-496A-836E-0AAC8B73470F}" type="slidenum">
               <a:t>&lt;#&gt;</a:t>
             </a:fld>
           </a:p>
@@ -2862,7 +2862,7 @@
         <p:txBody>
           <a:bodyPr/>
           <a:p>
-            <a:fld id="{73CF1BC2-BA9C-4BC5-9F18-5AAA29657727}" type="slidenum">
+            <a:fld id="{1159CDB6-81F0-448F-8578-CFA4C017C373}" type="slidenum">
               <a:t>&lt;#&gt;</a:t>
             </a:fld>
           </a:p>
@@ -3009,7 +3009,7 @@
         <p:txBody>
           <a:bodyPr/>
           <a:p>
-            <a:fld id="{476E9F28-DDE3-4AC6-B1F3-8ADBA43F1248}" type="slidenum">
+            <a:fld id="{6E5C6663-5D1E-4AA6-8432-3B0C2596F177}" type="slidenum">
               <a:t>&lt;#&gt;</a:t>
             </a:fld>
           </a:p>
@@ -3088,7 +3088,7 @@
         <p:txBody>
           <a:bodyPr/>
           <a:p>
-            <a:fld id="{92EA7167-2382-44A9-9586-B6D35109853C}" type="slidenum">
+            <a:fld id="{B33FD5B3-7231-4154-9209-C244AED523D8}" type="slidenum">
               <a:t>&lt;#&gt;</a:t>
             </a:fld>
           </a:p>
@@ -3201,7 +3201,7 @@
         <p:txBody>
           <a:bodyPr/>
           <a:p>
-            <a:fld id="{3B7032EC-E68B-40CD-B1AA-34911D13ED41}" type="slidenum">
+            <a:fld id="{65853616-BE22-43C2-97B6-7B2946A4E5C5}" type="slidenum">
               <a:t>&lt;#&gt;</a:t>
             </a:fld>
           </a:p>
@@ -3280,7 +3280,7 @@
         <p:txBody>
           <a:bodyPr/>
           <a:p>
-            <a:fld id="{86C1481C-2050-4CFF-939D-3714DDFE1313}" type="slidenum">
+            <a:fld id="{E1F93BB8-7E93-410E-A4FF-D3E947F2710F}" type="slidenum">
               <a:t>&lt;#&gt;</a:t>
             </a:fld>
           </a:p>
@@ -3461,7 +3461,7 @@
         <p:txBody>
           <a:bodyPr/>
           <a:p>
-            <a:fld id="{713804A6-4769-4E3E-B9E1-B9D490AAD32A}" type="slidenum">
+            <a:fld id="{5F47ECB9-4157-44EB-A3C0-B0639EA44651}" type="slidenum">
               <a:t>&lt;#&gt;</a:t>
             </a:fld>
           </a:p>
@@ -3642,7 +3642,7 @@
         <p:txBody>
           <a:bodyPr/>
           <a:p>
-            <a:fld id="{D92C765F-A87F-4BF1-80CA-42781DB6ACB6}" type="slidenum">
+            <a:fld id="{CAD1E563-042E-48D0-BFDF-3C00669386FE}" type="slidenum">
               <a:t>&lt;#&gt;</a:t>
             </a:fld>
           </a:p>
@@ -3823,7 +3823,7 @@
         <p:txBody>
           <a:bodyPr/>
           <a:p>
-            <a:fld id="{10777AD6-768C-4B12-BE56-E69A3C3F30BD}" type="slidenum">
+            <a:fld id="{E754573A-916A-4E77-9BCA-B9193AE91EE8}" type="slidenum">
               <a:t>&lt;#&gt;</a:t>
             </a:fld>
           </a:p>
@@ -3970,7 +3970,7 @@
         <p:txBody>
           <a:bodyPr/>
           <a:p>
-            <a:fld id="{EA83E4CD-FA09-49D2-AAE4-EBAC0B6D43FA}" type="slidenum">
+            <a:fld id="{D9EDDBA1-0D03-4BD0-916C-D230F47C05D4}" type="slidenum">
               <a:t>&lt;#&gt;</a:t>
             </a:fld>
           </a:p>
@@ -4185,7 +4185,7 @@
         <p:txBody>
           <a:bodyPr/>
           <a:p>
-            <a:fld id="{C8B52558-0E4F-47B3-AADE-7570E973D13C}" type="slidenum">
+            <a:fld id="{72B553FD-3A55-4E5A-A034-34E36571091B}" type="slidenum">
               <a:t>&lt;#&gt;</a:t>
             </a:fld>
           </a:p>
@@ -4468,7 +4468,7 @@
         <p:txBody>
           <a:bodyPr/>
           <a:p>
-            <a:fld id="{EDFC40E8-5021-48C2-84F6-3B6A166B411F}" type="slidenum">
+            <a:fld id="{A23056DE-CE30-4314-96B6-C65ADF85A354}" type="slidenum">
               <a:t>&lt;#&gt;</a:t>
             </a:fld>
           </a:p>
@@ -4826,7 +4826,7 @@
         <p:txBody>
           <a:bodyPr/>
           <a:p>
-            <a:fld id="{12467D01-D1F4-4FAE-BC83-57FDED2B07C9}" type="slidenum">
+            <a:fld id="{88E12502-4E28-4D67-9889-AD5D45B9917F}" type="slidenum">
               <a:t>&lt;#&gt;</a:t>
             </a:fld>
           </a:p>
@@ -6240,7 +6240,7 @@
         <p:txBody>
           <a:bodyPr/>
           <a:p>
-            <a:fld id="{F3348E27-CCC0-4DA6-8CEA-FDD2C3DA2E47}" type="slidenum">
+            <a:fld id="{4DC624E4-05B0-442B-A56D-5853450A5388}" type="slidenum">
               <a:t>&lt;#&gt;</a:t>
             </a:fld>
           </a:p>
@@ -7558,7 +7558,7 @@
         <p:txBody>
           <a:bodyPr/>
           <a:p>
-            <a:fld id="{77675412-985F-4270-B4D6-20F614C4C063}" type="slidenum">
+            <a:fld id="{574EA887-4DB2-4E03-84E9-EB560615E3F2}" type="slidenum">
               <a:t>&lt;#&gt;</a:t>
             </a:fld>
           </a:p>
@@ -7863,7 +7863,7 @@
         <p:txBody>
           <a:bodyPr/>
           <a:p>
-            <a:fld id="{6F52CFEF-9A88-4DD5-BEF3-BF27DC61125E}" type="slidenum">
+            <a:fld id="{2270F27F-D44D-42A6-B332-5DAD76AAC0F3}" type="slidenum">
               <a:t>&lt;#&gt;</a:t>
             </a:fld>
           </a:p>
@@ -7979,7 +7979,7 @@
         <p:txBody>
           <a:bodyPr/>
           <a:p>
-            <a:fld id="{B87C7E87-8A70-481E-9E5B-83AF542D22AE}" type="slidenum">
+            <a:fld id="{06CBF8D8-A1EB-4F32-8B10-E6554C80337E}" type="slidenum">
               <a:t>&lt;#&gt;</a:t>
             </a:fld>
           </a:p>
@@ -8092,7 +8092,7 @@
         <p:txBody>
           <a:bodyPr/>
           <a:p>
-            <a:fld id="{044B29C1-FB7B-46C3-A583-B82028965B4B}" type="slidenum">
+            <a:fld id="{D22F170E-26D5-439F-B29C-AE2E6D3AB52B}" type="slidenum">
               <a:t>&lt;#&gt;</a:t>
             </a:fld>
           </a:p>
@@ -8239,7 +8239,7 @@
         <p:txBody>
           <a:bodyPr/>
           <a:p>
-            <a:fld id="{1EF23FF6-B560-45CD-950D-F674AF6BFB51}" type="slidenum">
+            <a:fld id="{51A79804-DF52-4916-9A06-A0CC76016766}" type="slidenum">
               <a:t>&lt;#&gt;</a:t>
             </a:fld>
           </a:p>
@@ -8318,7 +8318,7 @@
         <p:txBody>
           <a:bodyPr/>
           <a:p>
-            <a:fld id="{22C178F7-5650-4946-B742-60EF4DE14AD2}" type="slidenum">
+            <a:fld id="{2A80390B-E921-4864-A21B-7A83271E6DF3}" type="slidenum">
               <a:t>&lt;#&gt;</a:t>
             </a:fld>
           </a:p>
@@ -8397,7 +8397,7 @@
         <p:txBody>
           <a:bodyPr/>
           <a:p>
-            <a:fld id="{401C9B85-8292-4401-89F8-A96E12BFBB1D}" type="slidenum">
+            <a:fld id="{9057E94A-B074-4B0E-B6A2-3F647B5ACBF4}" type="slidenum">
               <a:t>&lt;#&gt;</a:t>
             </a:fld>
           </a:p>
@@ -8578,7 +8578,7 @@
         <p:txBody>
           <a:bodyPr/>
           <a:p>
-            <a:fld id="{B857B901-1A9B-4560-ACE0-8D5680370BD7}" type="slidenum">
+            <a:fld id="{D8445E58-57B4-47B9-A873-C36723D36884}" type="slidenum">
               <a:t>&lt;#&gt;</a:t>
             </a:fld>
           </a:p>
@@ -8759,7 +8759,7 @@
         <p:txBody>
           <a:bodyPr/>
           <a:p>
-            <a:fld id="{154E5B62-E669-4026-9B34-04CCF9B811AE}" type="slidenum">
+            <a:fld id="{1CD602CD-F4C1-4A32-A84C-B63CB7E25F6F}" type="slidenum">
               <a:t>&lt;#&gt;</a:t>
             </a:fld>
           </a:p>
@@ -8940,7 +8940,7 @@
         <p:txBody>
           <a:bodyPr/>
           <a:p>
-            <a:fld id="{F8102B2E-CF13-4111-B15D-8282C180A6A1}" type="slidenum">
+            <a:fld id="{7E21D741-6D9B-47B2-9915-87A3973D1ECE}" type="slidenum">
               <a:t>&lt;#&gt;</a:t>
             </a:fld>
           </a:p>
@@ -9121,7 +9121,7 @@
         <p:txBody>
           <a:bodyPr/>
           <a:p>
-            <a:fld id="{86A753D8-ACAA-4F8D-8154-68DDB474FA44}" type="slidenum">
+            <a:fld id="{1FB71399-3CA7-4642-B0C2-3AA445242E65}" type="slidenum">
               <a:t>&lt;#&gt;</a:t>
             </a:fld>
           </a:p>
@@ -9268,7 +9268,7 @@
         <p:txBody>
           <a:bodyPr/>
           <a:p>
-            <a:fld id="{2035F166-2684-415F-B54C-C0DB2D153379}" type="slidenum">
+            <a:fld id="{979355F7-787D-4BDB-8EF7-EEFB6EEE57CC}" type="slidenum">
               <a:t>&lt;#&gt;</a:t>
             </a:fld>
           </a:p>
@@ -9483,7 +9483,7 @@
         <p:txBody>
           <a:bodyPr/>
           <a:p>
-            <a:fld id="{7056390E-959F-4C03-9886-E9883FA152F0}" type="slidenum">
+            <a:fld id="{601CFA1C-7C87-41A7-B95E-66F49BC95CCE}" type="slidenum">
               <a:t>&lt;#&gt;</a:t>
             </a:fld>
           </a:p>
@@ -9766,7 +9766,7 @@
         <p:txBody>
           <a:bodyPr/>
           <a:p>
-            <a:fld id="{A8DF7F61-250D-49D7-92A0-86C16F42223E}" type="slidenum">
+            <a:fld id="{A74C4512-9834-4C07-9544-DFDEA9B5A0E9}" type="slidenum">
               <a:t>&lt;#&gt;</a:t>
             </a:fld>
           </a:p>
@@ -9808,7 +9808,7 @@
         <p:txBody>
           <a:bodyPr/>
           <a:p>
-            <a:fld id="{657968DB-7CC9-44FD-AF89-43DD462FFD40}" type="slidenum">
+            <a:fld id="{98ACA385-A455-4680-8284-EC85160B2C92}" type="slidenum">
               <a:t>&lt;#&gt;</a:t>
             </a:fld>
           </a:p>
@@ -9924,7 +9924,7 @@
         <p:txBody>
           <a:bodyPr/>
           <a:p>
-            <a:fld id="{7E0FC22A-D7F6-4817-AB42-D9BCD988BEA1}" type="slidenum">
+            <a:fld id="{77C28558-BF3E-43FE-9E9C-80EB65573A01}" type="slidenum">
               <a:t>&lt;#&gt;</a:t>
             </a:fld>
           </a:p>
@@ -10037,7 +10037,7 @@
         <p:txBody>
           <a:bodyPr/>
           <a:p>
-            <a:fld id="{A643B915-7B10-4E86-AB3A-71F829C2B4F7}" type="slidenum">
+            <a:fld id="{1DF6B76C-1162-4AF9-A30B-9862A33B0A8A}" type="slidenum">
               <a:t>&lt;#&gt;</a:t>
             </a:fld>
           </a:p>
@@ -10184,7 +10184,7 @@
         <p:txBody>
           <a:bodyPr/>
           <a:p>
-            <a:fld id="{90B136DC-895F-47E4-BEDC-87E733BD33AA}" type="slidenum">
+            <a:fld id="{BD8B3A35-E791-4664-9112-37B40ADED1EA}" type="slidenum">
               <a:t>&lt;#&gt;</a:t>
             </a:fld>
           </a:p>
@@ -10263,7 +10263,7 @@
         <p:txBody>
           <a:bodyPr/>
           <a:p>
-            <a:fld id="{E07EB0E5-3B9C-40C7-910F-7B175820E10C}" type="slidenum">
+            <a:fld id="{F8B5975F-1B46-4C09-BC00-74F98798B146}" type="slidenum">
               <a:t>&lt;#&gt;</a:t>
             </a:fld>
           </a:p>
@@ -10342,7 +10342,7 @@
         <p:txBody>
           <a:bodyPr/>
           <a:p>
-            <a:fld id="{31E98B12-7A24-43F7-AFF9-359A03731799}" type="slidenum">
+            <a:fld id="{6DAEA74D-15D3-4F70-9BC6-090054E2B957}" type="slidenum">
               <a:t>&lt;#&gt;</a:t>
             </a:fld>
           </a:p>
@@ -10523,7 +10523,7 @@
         <p:txBody>
           <a:bodyPr/>
           <a:p>
-            <a:fld id="{7755227D-7EDC-49AF-9CD3-B7CAAC883FE8}" type="slidenum">
+            <a:fld id="{E4656014-9416-4240-9F9A-D5822112F60F}" type="slidenum">
               <a:t>&lt;#&gt;</a:t>
             </a:fld>
           </a:p>
@@ -10704,7 +10704,7 @@
         <p:txBody>
           <a:bodyPr/>
           <a:p>
-            <a:fld id="{8113F605-B0F4-47C9-B8E6-C7F11EF3ECC2}" type="slidenum">
+            <a:fld id="{BA088C62-0471-482D-AAF0-9225B101A5D3}" type="slidenum">
               <a:t>&lt;#&gt;</a:t>
             </a:fld>
           </a:p>
@@ -10885,7 +10885,7 @@
         <p:txBody>
           <a:bodyPr/>
           <a:p>
-            <a:fld id="{EADB843A-6721-44EF-886F-2F90D19E5A08}" type="slidenum">
+            <a:fld id="{C0B47F09-23F9-4CB6-B91C-79B8DC22BCD8}" type="slidenum">
               <a:t>&lt;#&gt;</a:t>
             </a:fld>
           </a:p>
@@ -11066,7 +11066,7 @@
         <p:txBody>
           <a:bodyPr/>
           <a:p>
-            <a:fld id="{D9747CC7-41B5-46E0-A415-525EB4776F95}" type="slidenum">
+            <a:fld id="{D4AAF1B8-5ED0-4B0B-8BEB-7091F3149C72}" type="slidenum">
               <a:t>&lt;#&gt;</a:t>
             </a:fld>
           </a:p>
@@ -11213,7 +11213,7 @@
         <p:txBody>
           <a:bodyPr/>
           <a:p>
-            <a:fld id="{74E42A54-555B-4E2C-8CD1-DBC349BD1C12}" type="slidenum">
+            <a:fld id="{997A9CE5-2E61-45D4-B931-44388EA5CA6B}" type="slidenum">
               <a:t>&lt;#&gt;</a:t>
             </a:fld>
           </a:p>
@@ -11428,7 +11428,7 @@
         <p:txBody>
           <a:bodyPr/>
           <a:p>
-            <a:fld id="{A3F5257F-A31E-48B0-B343-75F910FBC573}" type="slidenum">
+            <a:fld id="{650BD6AD-C08D-42E7-94C2-1C313DE519FA}" type="slidenum">
               <a:t>&lt;#&gt;</a:t>
             </a:fld>
           </a:p>
@@ -11711,7 +11711,7 @@
         <p:txBody>
           <a:bodyPr/>
           <a:p>
-            <a:fld id="{CAB77410-285B-47E5-80E2-1A8A0FAE7E3E}" type="slidenum">
+            <a:fld id="{23AC316E-B5FA-47A0-A867-4949D87592F2}" type="slidenum">
               <a:t>&lt;#&gt;</a:t>
             </a:fld>
           </a:p>
@@ -11753,7 +11753,7 @@
         <p:txBody>
           <a:bodyPr/>
           <a:p>
-            <a:fld id="{0A18C36A-506F-46A2-8FE1-78E0A27F9083}" type="slidenum">
+            <a:fld id="{80746CBF-2680-44A3-9099-62D5FCCBDD8B}" type="slidenum">
               <a:t>&lt;#&gt;</a:t>
             </a:fld>
           </a:p>
@@ -11869,7 +11869,7 @@
         <p:txBody>
           <a:bodyPr/>
           <a:p>
-            <a:fld id="{C01D31E9-E811-4A93-9ADF-D0369D935891}" type="slidenum">
+            <a:fld id="{EB1FCBD8-E410-4713-A342-4A9241DC528B}" type="slidenum">
               <a:t>&lt;#&gt;</a:t>
             </a:fld>
           </a:p>
@@ -11982,7 +11982,7 @@
         <p:txBody>
           <a:bodyPr/>
           <a:p>
-            <a:fld id="{0AEB979B-84D1-4F89-9B3E-3C180A676B32}" type="slidenum">
+            <a:fld id="{3E3B7C3D-79B2-434D-AA59-221FB4D4187E}" type="slidenum">
               <a:t>&lt;#&gt;</a:t>
             </a:fld>
           </a:p>
@@ -12129,7 +12129,7 @@
         <p:txBody>
           <a:bodyPr/>
           <a:p>
-            <a:fld id="{5C0E2DAB-4CF5-449C-9615-305AB0AFB4ED}" type="slidenum">
+            <a:fld id="{29CEC559-81A1-407D-9ECA-51563A833E7F}" type="slidenum">
               <a:t>&lt;#&gt;</a:t>
             </a:fld>
           </a:p>
@@ -12208,7 +12208,7 @@
         <p:txBody>
           <a:bodyPr/>
           <a:p>
-            <a:fld id="{A1574522-FA05-4263-AECC-88C344DD5ACE}" type="slidenum">
+            <a:fld id="{71A3A3F2-BEAC-482C-96D7-5334CA4B1C53}" type="slidenum">
               <a:t>&lt;#&gt;</a:t>
             </a:fld>
           </a:p>
@@ -12389,7 +12389,7 @@
         <p:txBody>
           <a:bodyPr/>
           <a:p>
-            <a:fld id="{E8CEE996-24CE-47E4-BD5D-7D840A0A6EBF}" type="slidenum">
+            <a:fld id="{8FB7702D-2C48-4792-A0BD-1453C947B0FF}" type="slidenum">
               <a:t>&lt;#&gt;</a:t>
             </a:fld>
           </a:p>
@@ -12468,7 +12468,7 @@
         <p:txBody>
           <a:bodyPr/>
           <a:p>
-            <a:fld id="{FE702AE3-C266-4CFD-87F4-29363604DF27}" type="slidenum">
+            <a:fld id="{B4EEFE81-952B-4694-B32D-9A4AE3A7E40A}" type="slidenum">
               <a:t>&lt;#&gt;</a:t>
             </a:fld>
           </a:p>
@@ -12649,7 +12649,7 @@
         <p:txBody>
           <a:bodyPr/>
           <a:p>
-            <a:fld id="{869413C8-4FF3-4B0B-9551-1FABCC484DE5}" type="slidenum">
+            <a:fld id="{F4C5679E-5C64-4EA1-8664-DA461BD24483}" type="slidenum">
               <a:t>&lt;#&gt;</a:t>
             </a:fld>
           </a:p>
@@ -12830,7 +12830,7 @@
         <p:txBody>
           <a:bodyPr/>
           <a:p>
-            <a:fld id="{09957E4E-1B78-46ED-9ADC-1D974C6DB573}" type="slidenum">
+            <a:fld id="{447D456A-9964-4481-8FA3-A01F9D2F0967}" type="slidenum">
               <a:t>&lt;#&gt;</a:t>
             </a:fld>
           </a:p>
@@ -13011,7 +13011,7 @@
         <p:txBody>
           <a:bodyPr/>
           <a:p>
-            <a:fld id="{B4D58E6D-C279-493D-9405-45C49198FE78}" type="slidenum">
+            <a:fld id="{5097FEBD-23CD-4DAD-B47E-EAEBFAAE45B4}" type="slidenum">
               <a:t>&lt;#&gt;</a:t>
             </a:fld>
           </a:p>
@@ -13158,7 +13158,7 @@
         <p:txBody>
           <a:bodyPr/>
           <a:p>
-            <a:fld id="{B0A1A29D-93E8-43B9-858B-CD07E50DE00D}" type="slidenum">
+            <a:fld id="{E65A64F0-3914-4189-A4B8-F6F0619DFCEF}" type="slidenum">
               <a:t>&lt;#&gt;</a:t>
             </a:fld>
           </a:p>
@@ -13373,7 +13373,7 @@
         <p:txBody>
           <a:bodyPr/>
           <a:p>
-            <a:fld id="{FF230711-DD78-41EB-A839-C320EBA00C1A}" type="slidenum">
+            <a:fld id="{FA1378E3-7069-48D4-9ADC-85E8D74822AA}" type="slidenum">
               <a:t>&lt;#&gt;</a:t>
             </a:fld>
           </a:p>
@@ -13656,7 +13656,7 @@
         <p:txBody>
           <a:bodyPr/>
           <a:p>
-            <a:fld id="{75187A19-756D-4B58-9244-54CE3FCD4972}" type="slidenum">
+            <a:fld id="{E43CA3F5-6D75-4A7F-892B-A752667F021D}" type="slidenum">
               <a:t>&lt;#&gt;</a:t>
             </a:fld>
           </a:p>
@@ -13705,7 +13705,7 @@
         <p:spPr>
           <a:xfrm>
             <a:off x="8472600" y="4663080"/>
-            <a:ext cx="547200" cy="392040"/>
+            <a:ext cx="546840" cy="391680"/>
           </a:xfrm>
           <a:prstGeom prst="rect">
             <a:avLst/>
@@ -13747,7 +13747,7 @@
                 <a:tab algn="l" pos="0"/>
               </a:tabLst>
             </a:pPr>
-            <a:fld id="{47245583-4D31-464C-B4B0-BDDB503E8288}" type="slidenum">
+            <a:fld id="{01AAD743-B876-4EEE-98C3-F78E5ADD3D37}" type="slidenum">
               <a:rPr b="0" lang="ru" sz="1000" spc="-1" strike="noStrike">
                 <a:solidFill>
                   <a:srgbClr val="595959"/>
@@ -13755,7 +13755,7 @@
                 <a:latin typeface="Arial"/>
                 <a:ea typeface="Arial"/>
               </a:rPr>
-              <a:t>&lt;number&gt;</a:t>
+              <a:t>3</a:t>
             </a:fld>
             <a:endParaRPr b="0" lang="en-NZ" sz="1000" spc="-1" strike="noStrike">
               <a:latin typeface="Times New Roman"/>
@@ -14059,7 +14059,7 @@
         <p:spPr>
           <a:xfrm>
             <a:off x="8472600" y="4663080"/>
-            <a:ext cx="547200" cy="392040"/>
+            <a:ext cx="546840" cy="391680"/>
           </a:xfrm>
           <a:prstGeom prst="rect">
             <a:avLst/>
@@ -14101,7 +14101,7 @@
                 <a:tab algn="l" pos="0"/>
               </a:tabLst>
             </a:pPr>
-            <a:fld id="{B25AD35D-8568-4A53-9C67-A1569EAD7299}" type="slidenum">
+            <a:fld id="{4153F0A2-113F-4A1D-A584-BBD3047F5168}" type="slidenum">
               <a:rPr b="0" lang="ru" sz="1000" spc="-1" strike="noStrike">
                 <a:solidFill>
                   <a:srgbClr val="6402ba"/>
@@ -14807,7 +14807,7 @@
         <p:spPr>
           <a:xfrm>
             <a:off x="8472600" y="4663080"/>
-            <a:ext cx="547200" cy="392040"/>
+            <a:ext cx="546840" cy="391680"/>
           </a:xfrm>
           <a:prstGeom prst="rect">
             <a:avLst/>
@@ -14849,7 +14849,7 @@
                 <a:tab algn="l" pos="0"/>
               </a:tabLst>
             </a:pPr>
-            <a:fld id="{EBF6B9C4-9887-4C3C-9EE2-6903078F3A29}" type="slidenum">
+            <a:fld id="{6ACE0534-F1C1-47F5-B0BC-57949415FBAA}" type="slidenum">
               <a:rPr b="0" lang="ru" sz="1000" spc="-1" strike="noStrike">
                 <a:solidFill>
                   <a:srgbClr val="595959"/>
@@ -15465,7 +15465,7 @@
         <p:spPr>
           <a:xfrm>
             <a:off x="8472600" y="4663080"/>
-            <a:ext cx="547200" cy="392040"/>
+            <a:ext cx="546840" cy="391680"/>
           </a:xfrm>
           <a:prstGeom prst="rect">
             <a:avLst/>
@@ -15507,7 +15507,7 @@
                 <a:tab algn="l" pos="0"/>
               </a:tabLst>
             </a:pPr>
-            <a:fld id="{F3094385-39DD-4BD3-9CB5-F98DAFAD54EE}" type="slidenum">
+            <a:fld id="{6F9B090B-58B0-4CA8-BF43-D6A561A20B51}" type="slidenum">
               <a:rPr b="0" lang="ru" sz="1000" spc="-1" strike="noStrike">
                 <a:solidFill>
                   <a:srgbClr val="595959"/>
@@ -15807,7 +15807,7 @@
         <p:spPr>
           <a:xfrm>
             <a:off x="8472600" y="4663080"/>
-            <a:ext cx="547200" cy="392040"/>
+            <a:ext cx="546840" cy="391680"/>
           </a:xfrm>
           <a:prstGeom prst="rect">
             <a:avLst/>
@@ -15849,7 +15849,7 @@
                 <a:tab algn="l" pos="0"/>
               </a:tabLst>
             </a:pPr>
-            <a:fld id="{2F223008-E736-4336-850B-19BB7AB82A94}" type="slidenum">
+            <a:fld id="{0DC7727C-2B3D-473B-AE60-DB765209936F}" type="slidenum">
               <a:rPr b="0" lang="ru" sz="1000" spc="-1" strike="noStrike">
                 <a:solidFill>
                   <a:srgbClr val="595959"/>
@@ -16149,7 +16149,7 @@
         <p:spPr>
           <a:xfrm>
             <a:off x="8472600" y="4663080"/>
-            <a:ext cx="547200" cy="392040"/>
+            <a:ext cx="546840" cy="391680"/>
           </a:xfrm>
           <a:prstGeom prst="rect">
             <a:avLst/>
@@ -16191,7 +16191,7 @@
                 <a:tab algn="l" pos="0"/>
               </a:tabLst>
             </a:pPr>
-            <a:fld id="{28214FEC-B325-473D-8228-322972FF91EC}" type="slidenum">
+            <a:fld id="{D761D3D4-3BF0-4B90-A4F6-54349AB04856}" type="slidenum">
               <a:rPr b="0" lang="ru" sz="1000" spc="-1" strike="noStrike">
                 <a:solidFill>
                   <a:srgbClr val="595959"/>
@@ -16484,7 +16484,7 @@
         <p:spPr>
           <a:xfrm>
             <a:off x="-75240" y="720"/>
-            <a:ext cx="9218520" cy="5142240"/>
+            <a:ext cx="9218160" cy="5141880"/>
           </a:xfrm>
           <a:prstGeom prst="rect">
             <a:avLst/>
@@ -16503,7 +16503,7 @@
         <p:spPr>
           <a:xfrm>
             <a:off x="433080" y="553680"/>
-            <a:ext cx="4160160" cy="414000"/>
+            <a:ext cx="4159800" cy="413640"/>
           </a:xfrm>
           <a:prstGeom prst="roundRect">
             <a:avLst>
@@ -16540,7 +16540,7 @@
         <p:spPr>
           <a:xfrm>
             <a:off x="433080" y="1386720"/>
-            <a:ext cx="7583040" cy="3305520"/>
+            <a:ext cx="7582680" cy="3305520"/>
           </a:xfrm>
           <a:prstGeom prst="rect">
             <a:avLst/>
@@ -16595,7 +16595,7 @@
         <p:spPr>
           <a:xfrm>
             <a:off x="572040" y="553680"/>
-            <a:ext cx="4339800" cy="410760"/>
+            <a:ext cx="4339440" cy="410760"/>
           </a:xfrm>
           <a:prstGeom prst="rect">
             <a:avLst/>
@@ -16654,7 +16654,7 @@
         <p:spPr>
           <a:xfrm>
             <a:off x="7913880" y="268920"/>
-            <a:ext cx="820800" cy="283320"/>
+            <a:ext cx="820440" cy="282960"/>
           </a:xfrm>
           <a:prstGeom prst="rect">
             <a:avLst/>
@@ -16677,7 +16677,7 @@
         <p:spPr>
           <a:xfrm>
             <a:off x="6807960" y="2113200"/>
-            <a:ext cx="1786320" cy="2847960"/>
+            <a:ext cx="1785960" cy="2847600"/>
           </a:xfrm>
           <a:prstGeom prst="rect">
             <a:avLst/>
@@ -16730,7 +16730,7 @@
         <p:spPr>
           <a:xfrm>
             <a:off x="500400" y="36000"/>
-            <a:ext cx="8519040" cy="568440"/>
+            <a:ext cx="8518680" cy="568080"/>
           </a:xfrm>
           <a:prstGeom prst="rect">
             <a:avLst/>
@@ -16779,7 +16779,7 @@
         <p:spPr>
           <a:xfrm>
             <a:off x="972000" y="926280"/>
-            <a:ext cx="5688000" cy="3213720"/>
+            <a:ext cx="5687640" cy="3213360"/>
           </a:xfrm>
           <a:prstGeom prst="rect">
             <a:avLst/>
@@ -16805,7 +16805,7 @@
         <p:spPr>
           <a:xfrm>
             <a:off x="720000" y="791640"/>
-            <a:ext cx="5040000" cy="4366800"/>
+            <a:ext cx="5039640" cy="4366440"/>
           </a:xfrm>
           <a:prstGeom prst="rect">
             <a:avLst/>
@@ -16834,7 +16834,11 @@
             </a:pPr>
             <a:r>
               <a:rPr b="1" lang="en-NZ" sz="1200" spc="-1" strike="noStrike">
-                <a:latin typeface="Arial"/>
+                <a:solidFill>
+                  <a:srgbClr val="000000"/>
+                </a:solidFill>
+                <a:latin typeface="Arial"/>
+                <a:ea typeface="DejaVu Sans"/>
               </a:rPr>
               <a:t>#Spine</a:t>
             </a:r>
@@ -16862,7 +16866,11 @@
             </a:pPr>
             <a:r>
               <a:rPr b="0" lang="en-NZ" sz="1200" spc="-1" strike="noStrike">
-                <a:latin typeface="Arial"/>
+                <a:solidFill>
+                  <a:srgbClr val="000000"/>
+                </a:solidFill>
+                <a:latin typeface="Arial"/>
+                <a:ea typeface="DejaVu Sans"/>
               </a:rPr>
               <a:t>router bgp &lt;ASN&gt;</a:t>
             </a:r>
@@ -16879,13 +16887,21 @@
             </a:pPr>
             <a:r>
               <a:rPr b="0" lang="en-NZ" sz="1200" spc="-1" strike="noStrike">
-                <a:latin typeface="Arial"/>
+                <a:solidFill>
+                  <a:srgbClr val="000000"/>
+                </a:solidFill>
+                <a:latin typeface="Arial"/>
+                <a:ea typeface="DejaVu Sans"/>
               </a:rPr>
               <a:t>   </a:t>
             </a:r>
             <a:r>
               <a:rPr b="0" lang="en-NZ" sz="1200" spc="-1" strike="noStrike">
-                <a:latin typeface="Arial"/>
+                <a:solidFill>
+                  <a:srgbClr val="000000"/>
+                </a:solidFill>
+                <a:latin typeface="Arial"/>
+                <a:ea typeface="DejaVu Sans"/>
               </a:rPr>
               <a:t>router-id &lt;Loopback0&gt;</a:t>
             </a:r>
@@ -16902,13 +16918,21 @@
             </a:pPr>
             <a:r>
               <a:rPr b="0" lang="en-NZ" sz="1200" spc="-1" strike="noStrike">
-                <a:latin typeface="Arial"/>
+                <a:solidFill>
+                  <a:srgbClr val="000000"/>
+                </a:solidFill>
+                <a:latin typeface="Arial"/>
+                <a:ea typeface="DejaVu Sans"/>
               </a:rPr>
               <a:t>   </a:t>
             </a:r>
             <a:r>
               <a:rPr b="0" lang="en-NZ" sz="1200" spc="-1" strike="noStrike">
-                <a:latin typeface="Arial"/>
+                <a:solidFill>
+                  <a:srgbClr val="000000"/>
+                </a:solidFill>
+                <a:latin typeface="Arial"/>
+                <a:ea typeface="DejaVu Sans"/>
               </a:rPr>
               <a:t>maximum-paths 4 ecmp 4</a:t>
             </a:r>
@@ -16925,13 +16949,21 @@
             </a:pPr>
             <a:r>
               <a:rPr b="0" lang="en-NZ" sz="1200" spc="-1" strike="noStrike">
-                <a:latin typeface="Arial"/>
+                <a:solidFill>
+                  <a:srgbClr val="000000"/>
+                </a:solidFill>
+                <a:latin typeface="Arial"/>
+                <a:ea typeface="DejaVu Sans"/>
               </a:rPr>
               <a:t>   </a:t>
             </a:r>
             <a:r>
               <a:rPr b="0" lang="en-NZ" sz="1200" spc="-1" strike="noStrike">
-                <a:latin typeface="Arial"/>
+                <a:solidFill>
+                  <a:srgbClr val="000000"/>
+                </a:solidFill>
+                <a:latin typeface="Arial"/>
+                <a:ea typeface="DejaVu Sans"/>
               </a:rPr>
               <a:t>neighbor evpn peer group</a:t>
             </a:r>
@@ -16948,13 +16980,21 @@
             </a:pPr>
             <a:r>
               <a:rPr b="0" lang="en-NZ" sz="1200" spc="-1" strike="noStrike">
-                <a:latin typeface="Arial"/>
+                <a:solidFill>
+                  <a:srgbClr val="000000"/>
+                </a:solidFill>
+                <a:latin typeface="Arial"/>
+                <a:ea typeface="DejaVu Sans"/>
               </a:rPr>
               <a:t>   </a:t>
             </a:r>
             <a:r>
               <a:rPr b="0" lang="en-NZ" sz="1200" spc="-1" strike="noStrike">
-                <a:latin typeface="Arial"/>
+                <a:solidFill>
+                  <a:srgbClr val="000000"/>
+                </a:solidFill>
+                <a:latin typeface="Arial"/>
+                <a:ea typeface="DejaVu Sans"/>
               </a:rPr>
               <a:t>neighbor evpn remote-as 64512</a:t>
             </a:r>
@@ -16971,13 +17011,21 @@
             </a:pPr>
             <a:r>
               <a:rPr b="0" lang="en-NZ" sz="1200" spc="-1" strike="noStrike">
-                <a:latin typeface="Arial"/>
+                <a:solidFill>
+                  <a:srgbClr val="000000"/>
+                </a:solidFill>
+                <a:latin typeface="Arial"/>
+                <a:ea typeface="DejaVu Sans"/>
               </a:rPr>
               <a:t>   </a:t>
             </a:r>
             <a:r>
               <a:rPr b="0" lang="en-NZ" sz="1200" spc="-1" strike="noStrike">
-                <a:latin typeface="Arial"/>
+                <a:solidFill>
+                  <a:srgbClr val="000000"/>
+                </a:solidFill>
+                <a:latin typeface="Arial"/>
+                <a:ea typeface="DejaVu Sans"/>
               </a:rPr>
               <a:t>neighbor evpn update-source Loopback0</a:t>
             </a:r>
@@ -16994,13 +17042,21 @@
             </a:pPr>
             <a:r>
               <a:rPr b="0" lang="en-NZ" sz="1200" spc="-1" strike="noStrike">
-                <a:latin typeface="Arial"/>
+                <a:solidFill>
+                  <a:srgbClr val="000000"/>
+                </a:solidFill>
+                <a:latin typeface="Arial"/>
+                <a:ea typeface="DejaVu Sans"/>
               </a:rPr>
               <a:t>   </a:t>
             </a:r>
             <a:r>
               <a:rPr b="0" lang="en-NZ" sz="1200" spc="-1" strike="noStrike">
-                <a:latin typeface="Arial"/>
+                <a:solidFill>
+                  <a:srgbClr val="000000"/>
+                </a:solidFill>
+                <a:latin typeface="Arial"/>
+                <a:ea typeface="DejaVu Sans"/>
               </a:rPr>
               <a:t>neighbor evpn route-reflector-client</a:t>
             </a:r>
@@ -17017,13 +17073,21 @@
             </a:pPr>
             <a:r>
               <a:rPr b="0" lang="en-NZ" sz="1200" spc="-1" strike="noStrike">
-                <a:latin typeface="Arial"/>
+                <a:solidFill>
+                  <a:srgbClr val="000000"/>
+                </a:solidFill>
+                <a:latin typeface="Arial"/>
+                <a:ea typeface="DejaVu Sans"/>
               </a:rPr>
               <a:t>   </a:t>
             </a:r>
             <a:r>
               <a:rPr b="0" lang="en-NZ" sz="1200" spc="-1" strike="noStrike">
-                <a:latin typeface="Arial"/>
+                <a:solidFill>
+                  <a:srgbClr val="000000"/>
+                </a:solidFill>
+                <a:latin typeface="Arial"/>
+                <a:ea typeface="DejaVu Sans"/>
               </a:rPr>
               <a:t>neighbor evpn send-community extended</a:t>
             </a:r>
@@ -17040,13 +17104,21 @@
             </a:pPr>
             <a:r>
               <a:rPr b="0" lang="en-NZ" sz="1200" spc="-1" strike="noStrike">
-                <a:latin typeface="Arial"/>
+                <a:solidFill>
+                  <a:srgbClr val="000000"/>
+                </a:solidFill>
+                <a:latin typeface="Arial"/>
+                <a:ea typeface="DejaVu Sans"/>
               </a:rPr>
               <a:t>   </a:t>
             </a:r>
             <a:r>
               <a:rPr b="0" lang="en-NZ" sz="1200" spc="-1" strike="noStrike">
-                <a:latin typeface="Arial"/>
+                <a:solidFill>
+                  <a:srgbClr val="000000"/>
+                </a:solidFill>
+                <a:latin typeface="Arial"/>
+                <a:ea typeface="DejaVu Sans"/>
               </a:rPr>
               <a:t>neighbor &lt;Leaf1 Loopback0&gt; peer group evpn</a:t>
             </a:r>
@@ -17063,13 +17135,21 @@
             </a:pPr>
             <a:r>
               <a:rPr b="0" lang="en-NZ" sz="1200" spc="-1" strike="noStrike">
-                <a:latin typeface="Arial"/>
+                <a:solidFill>
+                  <a:srgbClr val="000000"/>
+                </a:solidFill>
+                <a:latin typeface="Arial"/>
+                <a:ea typeface="DejaVu Sans"/>
               </a:rPr>
               <a:t>   </a:t>
             </a:r>
             <a:r>
               <a:rPr b="0" lang="en-NZ" sz="1200" spc="-1" strike="noStrike">
-                <a:latin typeface="Arial"/>
+                <a:solidFill>
+                  <a:srgbClr val="000000"/>
+                </a:solidFill>
+                <a:latin typeface="Arial"/>
+                <a:ea typeface="DejaVu Sans"/>
               </a:rPr>
               <a:t>...</a:t>
             </a:r>
@@ -17086,13 +17166,21 @@
             </a:pPr>
             <a:r>
               <a:rPr b="0" lang="en-NZ" sz="1200" spc="-1" strike="noStrike">
-                <a:latin typeface="Arial"/>
+                <a:solidFill>
+                  <a:srgbClr val="000000"/>
+                </a:solidFill>
+                <a:latin typeface="Arial"/>
+                <a:ea typeface="DejaVu Sans"/>
               </a:rPr>
               <a:t>   </a:t>
             </a:r>
             <a:r>
               <a:rPr b="0" lang="en-NZ" sz="1200" spc="-1" strike="noStrike">
-                <a:latin typeface="Arial"/>
+                <a:solidFill>
+                  <a:srgbClr val="000000"/>
+                </a:solidFill>
+                <a:latin typeface="Arial"/>
+                <a:ea typeface="DejaVu Sans"/>
               </a:rPr>
               <a:t>neighbor &lt;LeafX Loopback0&gt; peer group evpn</a:t>
             </a:r>
@@ -17109,13 +17197,21 @@
             </a:pPr>
             <a:r>
               <a:rPr b="0" lang="en-NZ" sz="1200" spc="-1" strike="noStrike">
-                <a:latin typeface="Arial"/>
+                <a:solidFill>
+                  <a:srgbClr val="000000"/>
+                </a:solidFill>
+                <a:latin typeface="Arial"/>
+                <a:ea typeface="DejaVu Sans"/>
               </a:rPr>
               <a:t>   </a:t>
             </a:r>
             <a:r>
               <a:rPr b="0" lang="en-NZ" sz="1200" spc="-1" strike="noStrike">
-                <a:latin typeface="Arial"/>
+                <a:solidFill>
+                  <a:srgbClr val="000000"/>
+                </a:solidFill>
+                <a:latin typeface="Arial"/>
+                <a:ea typeface="DejaVu Sans"/>
               </a:rPr>
               <a:t>!</a:t>
             </a:r>
@@ -17132,13 +17228,21 @@
             </a:pPr>
             <a:r>
               <a:rPr b="0" lang="en-NZ" sz="1200" spc="-1" strike="noStrike">
-                <a:latin typeface="Arial"/>
+                <a:solidFill>
+                  <a:srgbClr val="000000"/>
+                </a:solidFill>
+                <a:latin typeface="Arial"/>
+                <a:ea typeface="DejaVu Sans"/>
               </a:rPr>
               <a:t>   </a:t>
             </a:r>
             <a:r>
               <a:rPr b="0" lang="en-NZ" sz="1200" spc="-1" strike="noStrike">
-                <a:latin typeface="Arial"/>
+                <a:solidFill>
+                  <a:srgbClr val="000000"/>
+                </a:solidFill>
+                <a:latin typeface="Arial"/>
+                <a:ea typeface="DejaVu Sans"/>
               </a:rPr>
               <a:t>address-family evpn</a:t>
             </a:r>
@@ -17155,13 +17259,21 @@
             </a:pPr>
             <a:r>
               <a:rPr b="0" lang="en-NZ" sz="1200" spc="-1" strike="noStrike">
-                <a:latin typeface="Arial"/>
+                <a:solidFill>
+                  <a:srgbClr val="000000"/>
+                </a:solidFill>
+                <a:latin typeface="Arial"/>
+                <a:ea typeface="DejaVu Sans"/>
               </a:rPr>
               <a:t>      </a:t>
             </a:r>
             <a:r>
               <a:rPr b="0" lang="en-NZ" sz="1200" spc="-1" strike="noStrike">
-                <a:latin typeface="Arial"/>
+                <a:solidFill>
+                  <a:srgbClr val="000000"/>
+                </a:solidFill>
+                <a:latin typeface="Arial"/>
+                <a:ea typeface="DejaVu Sans"/>
               </a:rPr>
               <a:t>neighbor evpn activate</a:t>
             </a:r>
@@ -17180,7 +17292,7 @@
         <p:spPr>
           <a:xfrm>
             <a:off x="4780440" y="810360"/>
-            <a:ext cx="3643560" cy="4049640"/>
+            <a:ext cx="3643200" cy="4049280"/>
           </a:xfrm>
           <a:prstGeom prst="rect">
             <a:avLst/>
@@ -17209,7 +17321,11 @@
             </a:pPr>
             <a:r>
               <a:rPr b="1" lang="en-NZ" sz="1200" spc="-1" strike="noStrike">
-                <a:latin typeface="Arial"/>
+                <a:solidFill>
+                  <a:srgbClr val="000000"/>
+                </a:solidFill>
+                <a:latin typeface="Arial"/>
+                <a:ea typeface="DejaVu Sans"/>
               </a:rPr>
               <a:t>#Leaf</a:t>
             </a:r>
@@ -17237,7 +17353,11 @@
             </a:pPr>
             <a:r>
               <a:rPr b="0" lang="en-NZ" sz="1200" spc="-1" strike="noStrike">
-                <a:latin typeface="Arial"/>
+                <a:solidFill>
+                  <a:srgbClr val="000000"/>
+                </a:solidFill>
+                <a:latin typeface="Arial"/>
+                <a:ea typeface="DejaVu Sans"/>
               </a:rPr>
               <a:t>router bgp &lt;ASN&gt;</a:t>
             </a:r>
@@ -17254,13 +17374,21 @@
             </a:pPr>
             <a:r>
               <a:rPr b="0" lang="en-NZ" sz="1200" spc="-1" strike="noStrike">
-                <a:latin typeface="Arial"/>
+                <a:solidFill>
+                  <a:srgbClr val="000000"/>
+                </a:solidFill>
+                <a:latin typeface="Arial"/>
+                <a:ea typeface="DejaVu Sans"/>
               </a:rPr>
               <a:t>   </a:t>
             </a:r>
             <a:r>
               <a:rPr b="0" lang="en-NZ" sz="1200" spc="-1" strike="noStrike">
-                <a:latin typeface="Arial"/>
+                <a:solidFill>
+                  <a:srgbClr val="000000"/>
+                </a:solidFill>
+                <a:latin typeface="Arial"/>
+                <a:ea typeface="DejaVu Sans"/>
               </a:rPr>
               <a:t>router-id &lt;Loobpack0&gt;</a:t>
             </a:r>
@@ -17277,13 +17405,21 @@
             </a:pPr>
             <a:r>
               <a:rPr b="0" lang="en-NZ" sz="1200" spc="-1" strike="noStrike">
-                <a:latin typeface="Arial"/>
+                <a:solidFill>
+                  <a:srgbClr val="000000"/>
+                </a:solidFill>
+                <a:latin typeface="Arial"/>
+                <a:ea typeface="DejaVu Sans"/>
               </a:rPr>
               <a:t>   </a:t>
             </a:r>
             <a:r>
               <a:rPr b="0" lang="en-NZ" sz="1200" spc="-1" strike="noStrike">
-                <a:latin typeface="Arial"/>
+                <a:solidFill>
+                  <a:srgbClr val="000000"/>
+                </a:solidFill>
+                <a:latin typeface="Arial"/>
+                <a:ea typeface="DejaVu Sans"/>
               </a:rPr>
               <a:t>maximum-paths 4 ecmp 4</a:t>
             </a:r>
@@ -17300,13 +17436,21 @@
             </a:pPr>
             <a:r>
               <a:rPr b="0" lang="en-NZ" sz="1200" spc="-1" strike="noStrike">
-                <a:latin typeface="Arial"/>
+                <a:solidFill>
+                  <a:srgbClr val="000000"/>
+                </a:solidFill>
+                <a:latin typeface="Arial"/>
+                <a:ea typeface="DejaVu Sans"/>
               </a:rPr>
               <a:t>   </a:t>
             </a:r>
             <a:r>
               <a:rPr b="0" lang="en-NZ" sz="1200" spc="-1" strike="noStrike">
-                <a:latin typeface="Arial"/>
+                <a:solidFill>
+                  <a:srgbClr val="000000"/>
+                </a:solidFill>
+                <a:latin typeface="Arial"/>
+                <a:ea typeface="DejaVu Sans"/>
               </a:rPr>
               <a:t>neighbor evpn peer group</a:t>
             </a:r>
@@ -17323,13 +17467,21 @@
             </a:pPr>
             <a:r>
               <a:rPr b="0" lang="en-NZ" sz="1200" spc="-1" strike="noStrike">
-                <a:latin typeface="Arial"/>
+                <a:solidFill>
+                  <a:srgbClr val="000000"/>
+                </a:solidFill>
+                <a:latin typeface="Arial"/>
+                <a:ea typeface="DejaVu Sans"/>
               </a:rPr>
               <a:t>   </a:t>
             </a:r>
             <a:r>
               <a:rPr b="0" lang="en-NZ" sz="1200" spc="-1" strike="noStrike">
-                <a:latin typeface="Arial"/>
+                <a:solidFill>
+                  <a:srgbClr val="000000"/>
+                </a:solidFill>
+                <a:latin typeface="Arial"/>
+                <a:ea typeface="DejaVu Sans"/>
               </a:rPr>
               <a:t>neighbor evpn remote-as &lt;ASN&gt;</a:t>
             </a:r>
@@ -17346,21 +17498,54 @@
             </a:pPr>
             <a:r>
               <a:rPr b="0" lang="en-NZ" sz="1200" spc="-1" strike="noStrike">
-                <a:latin typeface="Arial"/>
+                <a:solidFill>
+                  <a:srgbClr val="000000"/>
+                </a:solidFill>
+                <a:latin typeface="Arial"/>
+                <a:ea typeface="DejaVu Sans"/>
               </a:rPr>
               <a:t>   </a:t>
             </a:r>
             <a:r>
               <a:rPr b="0" lang="en-NZ" sz="1200" spc="-1" strike="noStrike">
-                <a:latin typeface="Arial"/>
-              </a:rPr>
-              <a:t>neighbor evpn update-source </a:t>
-            </a:r>
+                <a:solidFill>
+                  <a:srgbClr val="000000"/>
+                </a:solidFill>
+                <a:latin typeface="Arial"/>
+                <a:ea typeface="DejaVu Sans"/>
+              </a:rPr>
+              <a:t>neighbor evpn update-source Loopback0</a:t>
+            </a:r>
+            <a:endParaRPr b="0" lang="en-NZ" sz="1200" spc="-1" strike="noStrike">
+              <a:latin typeface="Arial"/>
+            </a:endParaRPr>
+          </a:p>
+          <a:p>
+            <a:pPr>
+              <a:lnSpc>
+                <a:spcPct val="100000"/>
+              </a:lnSpc>
+              <a:buNone/>
+            </a:pPr>
             <a:r>
               <a:rPr b="0" lang="en-NZ" sz="1200" spc="-1" strike="noStrike">
-                <a:latin typeface="Arial"/>
-              </a:rPr>
-              <a:t>Loopback0</a:t>
+                <a:solidFill>
+                  <a:srgbClr val="000000"/>
+                </a:solidFill>
+                <a:latin typeface="Arial"/>
+                <a:ea typeface="DejaVu Sans"/>
+              </a:rPr>
+              <a:t>   </a:t>
+            </a:r>
+            <a:r>
+              <a:rPr b="0" lang="en-NZ" sz="1200" spc="-1" strike="noStrike">
+                <a:solidFill>
+                  <a:srgbClr val="000000"/>
+                </a:solidFill>
+                <a:latin typeface="Arial"/>
+                <a:ea typeface="DejaVu Sans"/>
+              </a:rPr>
+              <a:t>neighbor evpn send-community extended</a:t>
             </a:r>
             <a:endParaRPr b="0" lang="en-NZ" sz="1200" spc="-1" strike="noStrike">
               <a:latin typeface="Arial"/>
@@ -17375,21 +17560,54 @@
             </a:pPr>
             <a:r>
               <a:rPr b="0" lang="en-NZ" sz="1200" spc="-1" strike="noStrike">
-                <a:latin typeface="Arial"/>
+                <a:solidFill>
+                  <a:srgbClr val="000000"/>
+                </a:solidFill>
+                <a:latin typeface="Arial"/>
+                <a:ea typeface="DejaVu Sans"/>
               </a:rPr>
               <a:t>   </a:t>
             </a:r>
             <a:r>
               <a:rPr b="0" lang="en-NZ" sz="1200" spc="-1" strike="noStrike">
-                <a:latin typeface="Arial"/>
-              </a:rPr>
-              <a:t>neighbor evpn send-community </a:t>
-            </a:r>
+                <a:solidFill>
+                  <a:srgbClr val="000000"/>
+                </a:solidFill>
+                <a:latin typeface="Arial"/>
+                <a:ea typeface="DejaVu Sans"/>
+              </a:rPr>
+              <a:t>neighbor &lt;Spine1 Loopback0&gt; peer group evpn</a:t>
+            </a:r>
+            <a:endParaRPr b="0" lang="en-NZ" sz="1200" spc="-1" strike="noStrike">
+              <a:latin typeface="Arial"/>
+            </a:endParaRPr>
+          </a:p>
+          <a:p>
+            <a:pPr>
+              <a:lnSpc>
+                <a:spcPct val="100000"/>
+              </a:lnSpc>
+              <a:buNone/>
+            </a:pPr>
             <a:r>
               <a:rPr b="0" lang="en-NZ" sz="1200" spc="-1" strike="noStrike">
-                <a:latin typeface="Arial"/>
-              </a:rPr>
-              <a:t>extended</a:t>
+                <a:solidFill>
+                  <a:srgbClr val="000000"/>
+                </a:solidFill>
+                <a:latin typeface="Arial"/>
+                <a:ea typeface="DejaVu Sans"/>
+              </a:rPr>
+              <a:t>   </a:t>
+            </a:r>
+            <a:r>
+              <a:rPr b="0" lang="en-NZ" sz="1200" spc="-1" strike="noStrike">
+                <a:solidFill>
+                  <a:srgbClr val="000000"/>
+                </a:solidFill>
+                <a:latin typeface="Arial"/>
+                <a:ea typeface="DejaVu Sans"/>
+              </a:rPr>
+              <a:t>...</a:t>
             </a:r>
             <a:endParaRPr b="0" lang="en-NZ" sz="1200" spc="-1" strike="noStrike">
               <a:latin typeface="Arial"/>
@@ -17404,21 +17622,54 @@
             </a:pPr>
             <a:r>
               <a:rPr b="0" lang="en-NZ" sz="1200" spc="-1" strike="noStrike">
-                <a:latin typeface="Arial"/>
+                <a:solidFill>
+                  <a:srgbClr val="000000"/>
+                </a:solidFill>
+                <a:latin typeface="Arial"/>
+                <a:ea typeface="DejaVu Sans"/>
               </a:rPr>
               <a:t>   </a:t>
             </a:r>
             <a:r>
               <a:rPr b="0" lang="en-NZ" sz="1200" spc="-1" strike="noStrike">
-                <a:latin typeface="Arial"/>
-              </a:rPr>
-              <a:t>neighbor &lt;Spine1 Loopback0&gt; peer </a:t>
-            </a:r>
+                <a:solidFill>
+                  <a:srgbClr val="000000"/>
+                </a:solidFill>
+                <a:latin typeface="Arial"/>
+                <a:ea typeface="DejaVu Sans"/>
+              </a:rPr>
+              <a:t>neighbor &lt;SpineX Loopback0&gt; peer group evpn</a:t>
+            </a:r>
+            <a:endParaRPr b="0" lang="en-NZ" sz="1200" spc="-1" strike="noStrike">
+              <a:latin typeface="Arial"/>
+            </a:endParaRPr>
+          </a:p>
+          <a:p>
+            <a:pPr>
+              <a:lnSpc>
+                <a:spcPct val="100000"/>
+              </a:lnSpc>
+              <a:buNone/>
+            </a:pPr>
             <a:r>
               <a:rPr b="0" lang="en-NZ" sz="1200" spc="-1" strike="noStrike">
-                <a:latin typeface="Arial"/>
-              </a:rPr>
-              <a:t>group evpn</a:t>
+                <a:solidFill>
+                  <a:srgbClr val="000000"/>
+                </a:solidFill>
+                <a:latin typeface="Arial"/>
+                <a:ea typeface="DejaVu Sans"/>
+              </a:rPr>
+              <a:t>   </a:t>
+            </a:r>
+            <a:r>
+              <a:rPr b="0" lang="en-NZ" sz="1200" spc="-1" strike="noStrike">
+                <a:solidFill>
+                  <a:srgbClr val="000000"/>
+                </a:solidFill>
+                <a:latin typeface="Arial"/>
+                <a:ea typeface="DejaVu Sans"/>
+              </a:rPr>
+              <a:t>!</a:t>
             </a:r>
             <a:endParaRPr b="0" lang="en-NZ" sz="1200" spc="-1" strike="noStrike">
               <a:latin typeface="Arial"/>
@@ -17433,15 +17684,23 @@
             </a:pPr>
             <a:r>
               <a:rPr b="0" lang="en-NZ" sz="1200" spc="-1" strike="noStrike">
-                <a:latin typeface="Arial"/>
+                <a:solidFill>
+                  <a:srgbClr val="000000"/>
+                </a:solidFill>
+                <a:latin typeface="Arial"/>
+                <a:ea typeface="DejaVu Sans"/>
               </a:rPr>
               <a:t>   </a:t>
             </a:r>
             <a:r>
               <a:rPr b="0" lang="en-NZ" sz="1200" spc="-1" strike="noStrike">
-                <a:latin typeface="Arial"/>
-              </a:rPr>
-              <a:t>...</a:t>
+                <a:solidFill>
+                  <a:srgbClr val="000000"/>
+                </a:solidFill>
+                <a:latin typeface="Arial"/>
+                <a:ea typeface="DejaVu Sans"/>
+              </a:rPr>
+              <a:t>address-family evpn</a:t>
             </a:r>
             <a:endParaRPr b="0" lang="en-NZ" sz="1200" spc="-1" strike="noStrike">
               <a:latin typeface="Arial"/>
@@ -17456,88 +17715,21 @@
             </a:pPr>
             <a:r>
               <a:rPr b="0" lang="en-NZ" sz="1200" spc="-1" strike="noStrike">
-                <a:latin typeface="Arial"/>
-              </a:rPr>
-              <a:t>   </a:t>
+                <a:solidFill>
+                  <a:srgbClr val="000000"/>
+                </a:solidFill>
+                <a:latin typeface="Arial"/>
+                <a:ea typeface="DejaVu Sans"/>
+              </a:rPr>
+              <a:t>      </a:t>
             </a:r>
             <a:r>
               <a:rPr b="0" lang="en-NZ" sz="1200" spc="-1" strike="noStrike">
-                <a:latin typeface="Arial"/>
-              </a:rPr>
-              <a:t>neighbor &lt;SpineX Loopback0&gt; peer </a:t>
-            </a:r>
-            <a:r>
-              <a:rPr b="0" lang="en-NZ" sz="1200" spc="-1" strike="noStrike">
-                <a:latin typeface="Arial"/>
-              </a:rPr>
-              <a:t>group evpn</a:t>
-            </a:r>
-            <a:endParaRPr b="0" lang="en-NZ" sz="1200" spc="-1" strike="noStrike">
-              <a:latin typeface="Arial"/>
-            </a:endParaRPr>
-          </a:p>
-          <a:p>
-            <a:pPr>
-              <a:lnSpc>
-                <a:spcPct val="100000"/>
-              </a:lnSpc>
-              <a:buNone/>
-            </a:pPr>
-            <a:r>
-              <a:rPr b="0" lang="en-NZ" sz="1200" spc="-1" strike="noStrike">
-                <a:latin typeface="Arial"/>
-              </a:rPr>
-              <a:t>   </a:t>
-            </a:r>
-            <a:r>
-              <a:rPr b="0" lang="en-NZ" sz="1200" spc="-1" strike="noStrike">
-                <a:latin typeface="Arial"/>
-              </a:rPr>
-              <a:t>!</a:t>
-            </a:r>
-            <a:endParaRPr b="0" lang="en-NZ" sz="1200" spc="-1" strike="noStrike">
-              <a:latin typeface="Arial"/>
-            </a:endParaRPr>
-          </a:p>
-          <a:p>
-            <a:pPr>
-              <a:lnSpc>
-                <a:spcPct val="100000"/>
-              </a:lnSpc>
-              <a:buNone/>
-            </a:pPr>
-            <a:r>
-              <a:rPr b="0" lang="en-NZ" sz="1200" spc="-1" strike="noStrike">
-                <a:latin typeface="Arial"/>
-              </a:rPr>
-              <a:t>   </a:t>
-            </a:r>
-            <a:r>
-              <a:rPr b="0" lang="en-NZ" sz="1200" spc="-1" strike="noStrike">
-                <a:latin typeface="Arial"/>
-              </a:rPr>
-              <a:t>address-family evpn</a:t>
-            </a:r>
-            <a:endParaRPr b="0" lang="en-NZ" sz="1200" spc="-1" strike="noStrike">
-              <a:latin typeface="Arial"/>
-            </a:endParaRPr>
-          </a:p>
-          <a:p>
-            <a:pPr>
-              <a:lnSpc>
-                <a:spcPct val="100000"/>
-              </a:lnSpc>
-              <a:buNone/>
-            </a:pPr>
-            <a:r>
-              <a:rPr b="0" lang="en-NZ" sz="1200" spc="-1" strike="noStrike">
-                <a:latin typeface="Arial"/>
-              </a:rPr>
-              <a:t>      </a:t>
-            </a:r>
-            <a:r>
-              <a:rPr b="0" lang="en-NZ" sz="1200" spc="-1" strike="noStrike">
-                <a:latin typeface="Arial"/>
+                <a:solidFill>
+                  <a:srgbClr val="000000"/>
+                </a:solidFill>
+                <a:latin typeface="Arial"/>
+                <a:ea typeface="DejaVu Sans"/>
               </a:rPr>
               <a:t>neighbor evpn activate</a:t>
             </a:r>
@@ -17601,7 +17793,7 @@
         <p:spPr>
           <a:xfrm>
             <a:off x="500400" y="36000"/>
-            <a:ext cx="8519040" cy="568440"/>
+            <a:ext cx="8518680" cy="568080"/>
           </a:xfrm>
           <a:prstGeom prst="rect">
             <a:avLst/>
@@ -17650,7 +17842,7 @@
         <p:spPr>
           <a:xfrm>
             <a:off x="972000" y="926280"/>
-            <a:ext cx="5688000" cy="3213720"/>
+            <a:ext cx="5687640" cy="3213360"/>
           </a:xfrm>
           <a:prstGeom prst="rect">
             <a:avLst/>
@@ -17676,7 +17868,7 @@
         <p:spPr>
           <a:xfrm>
             <a:off x="720000" y="791640"/>
-            <a:ext cx="5040000" cy="4366800"/>
+            <a:ext cx="5039640" cy="4366440"/>
           </a:xfrm>
           <a:prstGeom prst="rect">
             <a:avLst/>
@@ -17705,7 +17897,11 @@
             </a:pPr>
             <a:r>
               <a:rPr b="1" lang="en-NZ" sz="1200" spc="-1" strike="noStrike">
-                <a:latin typeface="Arial"/>
+                <a:solidFill>
+                  <a:srgbClr val="000000"/>
+                </a:solidFill>
+                <a:latin typeface="Arial"/>
+                <a:ea typeface="DejaVu Sans"/>
               </a:rPr>
               <a:t>#Spine</a:t>
             </a:r>
@@ -17733,7 +17929,11 @@
             </a:pPr>
             <a:r>
               <a:rPr b="0" lang="en-NZ" sz="1200" spc="-1" strike="noStrike">
-                <a:latin typeface="Arial"/>
+                <a:solidFill>
+                  <a:srgbClr val="000000"/>
+                </a:solidFill>
+                <a:latin typeface="Arial"/>
+                <a:ea typeface="DejaVu Sans"/>
               </a:rPr>
               <a:t>interface Vxlan1</a:t>
             </a:r>
@@ -17750,13 +17950,21 @@
             </a:pPr>
             <a:r>
               <a:rPr b="0" lang="en-NZ" sz="1200" spc="-1" strike="noStrike">
-                <a:latin typeface="Arial"/>
+                <a:solidFill>
+                  <a:srgbClr val="000000"/>
+                </a:solidFill>
+                <a:latin typeface="Arial"/>
+                <a:ea typeface="DejaVu Sans"/>
               </a:rPr>
               <a:t>   </a:t>
             </a:r>
             <a:r>
               <a:rPr b="0" lang="en-NZ" sz="1200" spc="-1" strike="noStrike">
-                <a:latin typeface="Arial"/>
+                <a:solidFill>
+                  <a:srgbClr val="000000"/>
+                </a:solidFill>
+                <a:latin typeface="Arial"/>
+                <a:ea typeface="DejaVu Sans"/>
               </a:rPr>
               <a:t>vxlan source-interface Loopback100</a:t>
             </a:r>
@@ -17773,13 +17981,21 @@
             </a:pPr>
             <a:r>
               <a:rPr b="0" lang="en-NZ" sz="1200" spc="-1" strike="noStrike">
-                <a:latin typeface="Arial"/>
+                <a:solidFill>
+                  <a:srgbClr val="000000"/>
+                </a:solidFill>
+                <a:latin typeface="Arial"/>
+                <a:ea typeface="DejaVu Sans"/>
               </a:rPr>
               <a:t>   </a:t>
             </a:r>
             <a:r>
               <a:rPr b="0" lang="en-NZ" sz="1200" spc="-1" strike="noStrike">
-                <a:latin typeface="Arial"/>
+                <a:solidFill>
+                  <a:srgbClr val="000000"/>
+                </a:solidFill>
+                <a:latin typeface="Arial"/>
+                <a:ea typeface="DejaVu Sans"/>
               </a:rPr>
               <a:t>vxlan udp-port 4789</a:t>
             </a:r>
@@ -17796,13 +18012,21 @@
             </a:pPr>
             <a:r>
               <a:rPr b="0" lang="en-NZ" sz="1200" spc="-1" strike="noStrike">
-                <a:latin typeface="Arial"/>
+                <a:solidFill>
+                  <a:srgbClr val="000000"/>
+                </a:solidFill>
+                <a:latin typeface="Arial"/>
+                <a:ea typeface="DejaVu Sans"/>
               </a:rPr>
               <a:t>   </a:t>
             </a:r>
             <a:r>
               <a:rPr b="0" lang="en-NZ" sz="1200" spc="-1" strike="noStrike">
-                <a:latin typeface="Arial"/>
+                <a:solidFill>
+                  <a:srgbClr val="000000"/>
+                </a:solidFill>
+                <a:latin typeface="Arial"/>
+                <a:ea typeface="DejaVu Sans"/>
               </a:rPr>
               <a:t>vxlan vlan &lt;VLAN ID&gt; vni &lt;VNI&gt;</a:t>
             </a:r>
@@ -17819,13 +18043,21 @@
             </a:pPr>
             <a:r>
               <a:rPr b="0" lang="en-NZ" sz="1200" spc="-1" strike="noStrike">
-                <a:latin typeface="Arial"/>
+                <a:solidFill>
+                  <a:srgbClr val="000000"/>
+                </a:solidFill>
+                <a:latin typeface="Arial"/>
+                <a:ea typeface="DejaVu Sans"/>
               </a:rPr>
               <a:t>   </a:t>
             </a:r>
             <a:r>
               <a:rPr b="0" lang="en-NZ" sz="1200" spc="-1" strike="noStrike">
-                <a:latin typeface="Arial"/>
+                <a:solidFill>
+                  <a:srgbClr val="000000"/>
+                </a:solidFill>
+                <a:latin typeface="Arial"/>
+                <a:ea typeface="DejaVu Sans"/>
               </a:rPr>
               <a:t>!</a:t>
             </a:r>
@@ -17842,7 +18074,11 @@
             </a:pPr>
             <a:r>
               <a:rPr b="0" lang="en-NZ" sz="1200" spc="-1" strike="noStrike">
-                <a:latin typeface="Arial"/>
+                <a:solidFill>
+                  <a:srgbClr val="000000"/>
+                </a:solidFill>
+                <a:latin typeface="Arial"/>
+                <a:ea typeface="DejaVu Sans"/>
               </a:rPr>
               <a:t>router bgp &lt;ASN&gt;</a:t>
             </a:r>
@@ -17859,13 +18095,21 @@
             </a:pPr>
             <a:r>
               <a:rPr b="0" lang="en-NZ" sz="1200" spc="-1" strike="noStrike">
-                <a:latin typeface="Arial"/>
+                <a:solidFill>
+                  <a:srgbClr val="000000"/>
+                </a:solidFill>
+                <a:latin typeface="Arial"/>
+                <a:ea typeface="DejaVu Sans"/>
               </a:rPr>
               <a:t>   </a:t>
             </a:r>
             <a:r>
               <a:rPr b="0" lang="en-NZ" sz="1200" spc="-1" strike="noStrike">
-                <a:latin typeface="Arial"/>
+                <a:solidFill>
+                  <a:srgbClr val="000000"/>
+                </a:solidFill>
+                <a:latin typeface="Arial"/>
+                <a:ea typeface="DejaVu Sans"/>
               </a:rPr>
               <a:t>vlan &lt;VLAN ID&gt;</a:t>
             </a:r>
@@ -17882,13 +18126,21 @@
             </a:pPr>
             <a:r>
               <a:rPr b="0" lang="en-NZ" sz="1200" spc="-1" strike="noStrike">
-                <a:latin typeface="Arial"/>
+                <a:solidFill>
+                  <a:srgbClr val="000000"/>
+                </a:solidFill>
+                <a:latin typeface="Arial"/>
+                <a:ea typeface="DejaVu Sans"/>
               </a:rPr>
               <a:t>      </a:t>
             </a:r>
             <a:r>
               <a:rPr b="0" lang="en-NZ" sz="1200" spc="-1" strike="noStrike">
-                <a:latin typeface="Arial"/>
+                <a:solidFill>
+                  <a:srgbClr val="000000"/>
+                </a:solidFill>
+                <a:latin typeface="Arial"/>
+                <a:ea typeface="DejaVu Sans"/>
               </a:rPr>
               <a:t>rd &lt;Loopback100&gt;:&lt;VNI&gt;</a:t>
             </a:r>
@@ -17905,13 +18157,21 @@
             </a:pPr>
             <a:r>
               <a:rPr b="0" lang="en-NZ" sz="1200" spc="-1" strike="noStrike">
-                <a:latin typeface="Arial"/>
+                <a:solidFill>
+                  <a:srgbClr val="000000"/>
+                </a:solidFill>
+                <a:latin typeface="Arial"/>
+                <a:ea typeface="DejaVu Sans"/>
               </a:rPr>
               <a:t>      </a:t>
             </a:r>
             <a:r>
               <a:rPr b="0" lang="en-NZ" sz="1200" spc="-1" strike="noStrike">
-                <a:latin typeface="Arial"/>
+                <a:solidFill>
+                  <a:srgbClr val="000000"/>
+                </a:solidFill>
+                <a:latin typeface="Arial"/>
+                <a:ea typeface="DejaVu Sans"/>
               </a:rPr>
               <a:t>route-target both &lt;ASN&gt;:&lt;Rack1-VNI&gt;</a:t>
             </a:r>
@@ -17928,13 +18188,21 @@
             </a:pPr>
             <a:r>
               <a:rPr b="0" lang="en-NZ" sz="1200" spc="-1" strike="noStrike">
-                <a:latin typeface="Arial"/>
+                <a:solidFill>
+                  <a:srgbClr val="000000"/>
+                </a:solidFill>
+                <a:latin typeface="Arial"/>
+                <a:ea typeface="DejaVu Sans"/>
               </a:rPr>
               <a:t>      </a:t>
             </a:r>
             <a:r>
               <a:rPr b="0" lang="en-NZ" sz="1200" spc="-1" strike="noStrike">
-                <a:latin typeface="Arial"/>
+                <a:solidFill>
+                  <a:srgbClr val="000000"/>
+                </a:solidFill>
+                <a:latin typeface="Arial"/>
+                <a:ea typeface="DejaVu Sans"/>
               </a:rPr>
               <a:t>route-target both &lt;ASN&gt;:&lt;Rack2-VNI&gt;</a:t>
             </a:r>
@@ -17951,13 +18219,21 @@
             </a:pPr>
             <a:r>
               <a:rPr b="0" lang="en-NZ" sz="1200" spc="-1" strike="noStrike">
-                <a:latin typeface="Arial"/>
+                <a:solidFill>
+                  <a:srgbClr val="000000"/>
+                </a:solidFill>
+                <a:latin typeface="Arial"/>
+                <a:ea typeface="DejaVu Sans"/>
               </a:rPr>
               <a:t>      </a:t>
             </a:r>
             <a:r>
               <a:rPr b="0" lang="en-NZ" sz="1200" spc="-1" strike="noStrike">
-                <a:latin typeface="Arial"/>
+                <a:solidFill>
+                  <a:srgbClr val="000000"/>
+                </a:solidFill>
+                <a:latin typeface="Arial"/>
+                <a:ea typeface="DejaVu Sans"/>
               </a:rPr>
               <a:t>redistribute learned</a:t>
             </a:r>
@@ -17974,13 +18250,21 @@
             </a:pPr>
             <a:r>
               <a:rPr b="0" lang="en-NZ" sz="1200" spc="-1" strike="noStrike">
-                <a:latin typeface="Arial"/>
+                <a:solidFill>
+                  <a:srgbClr val="000000"/>
+                </a:solidFill>
+                <a:latin typeface="Arial"/>
+                <a:ea typeface="DejaVu Sans"/>
               </a:rPr>
               <a:t>   </a:t>
             </a:r>
             <a:r>
               <a:rPr b="0" lang="en-NZ" sz="1200" spc="-1" strike="noStrike">
-                <a:latin typeface="Arial"/>
+                <a:solidFill>
+                  <a:srgbClr val="000000"/>
+                </a:solidFill>
+                <a:latin typeface="Arial"/>
+                <a:ea typeface="DejaVu Sans"/>
               </a:rPr>
               <a:t>!</a:t>
             </a:r>
@@ -17999,7 +18283,7 @@
         <p:spPr>
           <a:xfrm>
             <a:off x="4780440" y="810360"/>
-            <a:ext cx="3643560" cy="4049640"/>
+            <a:ext cx="3643200" cy="4049280"/>
           </a:xfrm>
           <a:prstGeom prst="rect">
             <a:avLst/>
@@ -18028,7 +18312,11 @@
             </a:pPr>
             <a:r>
               <a:rPr b="1" lang="en-NZ" sz="1200" spc="-1" strike="noStrike">
-                <a:latin typeface="Arial"/>
+                <a:solidFill>
+                  <a:srgbClr val="000000"/>
+                </a:solidFill>
+                <a:latin typeface="Arial"/>
+                <a:ea typeface="DejaVu Sans"/>
               </a:rPr>
               <a:t>#Leaf</a:t>
             </a:r>
@@ -18056,7 +18344,11 @@
             </a:pPr>
             <a:r>
               <a:rPr b="0" lang="en-NZ" sz="1200" spc="-1" strike="noStrike">
-                <a:latin typeface="Arial"/>
+                <a:solidFill>
+                  <a:srgbClr val="000000"/>
+                </a:solidFill>
+                <a:latin typeface="Arial"/>
+                <a:ea typeface="DejaVu Sans"/>
               </a:rPr>
               <a:t>interface Vxlan1</a:t>
             </a:r>
@@ -18073,13 +18365,21 @@
             </a:pPr>
             <a:r>
               <a:rPr b="0" lang="en-NZ" sz="1200" spc="-1" strike="noStrike">
-                <a:latin typeface="Arial"/>
+                <a:solidFill>
+                  <a:srgbClr val="000000"/>
+                </a:solidFill>
+                <a:latin typeface="Arial"/>
+                <a:ea typeface="DejaVu Sans"/>
               </a:rPr>
               <a:t>   </a:t>
             </a:r>
             <a:r>
               <a:rPr b="0" lang="en-NZ" sz="1200" spc="-1" strike="noStrike">
-                <a:latin typeface="Arial"/>
+                <a:solidFill>
+                  <a:srgbClr val="000000"/>
+                </a:solidFill>
+                <a:latin typeface="Arial"/>
+                <a:ea typeface="DejaVu Sans"/>
               </a:rPr>
               <a:t>vxlan source-interface Loopback100</a:t>
             </a:r>
@@ -18096,13 +18396,21 @@
             </a:pPr>
             <a:r>
               <a:rPr b="0" lang="en-NZ" sz="1200" spc="-1" strike="noStrike">
-                <a:latin typeface="Arial"/>
+                <a:solidFill>
+                  <a:srgbClr val="000000"/>
+                </a:solidFill>
+                <a:latin typeface="Arial"/>
+                <a:ea typeface="DejaVu Sans"/>
               </a:rPr>
               <a:t>   </a:t>
             </a:r>
             <a:r>
               <a:rPr b="0" lang="en-NZ" sz="1200" spc="-1" strike="noStrike">
-                <a:latin typeface="Arial"/>
+                <a:solidFill>
+                  <a:srgbClr val="000000"/>
+                </a:solidFill>
+                <a:latin typeface="Arial"/>
+                <a:ea typeface="DejaVu Sans"/>
               </a:rPr>
               <a:t>vxlan udp-port 4789</a:t>
             </a:r>
@@ -18119,13 +18427,21 @@
             </a:pPr>
             <a:r>
               <a:rPr b="0" lang="en-NZ" sz="1200" spc="-1" strike="noStrike">
-                <a:latin typeface="Arial"/>
+                <a:solidFill>
+                  <a:srgbClr val="000000"/>
+                </a:solidFill>
+                <a:latin typeface="Arial"/>
+                <a:ea typeface="DejaVu Sans"/>
               </a:rPr>
               <a:t>   </a:t>
             </a:r>
             <a:r>
               <a:rPr b="0" lang="en-NZ" sz="1200" spc="-1" strike="noStrike">
-                <a:latin typeface="Arial"/>
+                <a:solidFill>
+                  <a:srgbClr val="000000"/>
+                </a:solidFill>
+                <a:latin typeface="Arial"/>
+                <a:ea typeface="DejaVu Sans"/>
               </a:rPr>
               <a:t>vxlan vlan &lt;VLAN ID&gt; vni &lt;VNI&gt;</a:t>
             </a:r>
@@ -18142,13 +18458,21 @@
             </a:pPr>
             <a:r>
               <a:rPr b="0" lang="en-NZ" sz="1200" spc="-1" strike="noStrike">
-                <a:latin typeface="Arial"/>
+                <a:solidFill>
+                  <a:srgbClr val="000000"/>
+                </a:solidFill>
+                <a:latin typeface="Arial"/>
+                <a:ea typeface="DejaVu Sans"/>
               </a:rPr>
               <a:t>   </a:t>
             </a:r>
             <a:r>
               <a:rPr b="0" lang="en-NZ" sz="1200" spc="-1" strike="noStrike">
-                <a:latin typeface="Arial"/>
+                <a:solidFill>
+                  <a:srgbClr val="000000"/>
+                </a:solidFill>
+                <a:latin typeface="Arial"/>
+                <a:ea typeface="DejaVu Sans"/>
               </a:rPr>
               <a:t>!</a:t>
             </a:r>
@@ -18165,7 +18489,11 @@
             </a:pPr>
             <a:r>
               <a:rPr b="0" lang="en-NZ" sz="1200" spc="-1" strike="noStrike">
-                <a:latin typeface="Arial"/>
+                <a:solidFill>
+                  <a:srgbClr val="000000"/>
+                </a:solidFill>
+                <a:latin typeface="Arial"/>
+                <a:ea typeface="DejaVu Sans"/>
               </a:rPr>
               <a:t>router bgp &lt;ASN&gt;</a:t>
             </a:r>
@@ -18182,13 +18510,21 @@
             </a:pPr>
             <a:r>
               <a:rPr b="0" lang="en-NZ" sz="1200" spc="-1" strike="noStrike">
-                <a:latin typeface="Arial"/>
+                <a:solidFill>
+                  <a:srgbClr val="000000"/>
+                </a:solidFill>
+                <a:latin typeface="Arial"/>
+                <a:ea typeface="DejaVu Sans"/>
               </a:rPr>
               <a:t>   </a:t>
             </a:r>
             <a:r>
               <a:rPr b="0" lang="en-NZ" sz="1200" spc="-1" strike="noStrike">
-                <a:latin typeface="Arial"/>
+                <a:solidFill>
+                  <a:srgbClr val="000000"/>
+                </a:solidFill>
+                <a:latin typeface="Arial"/>
+                <a:ea typeface="DejaVu Sans"/>
               </a:rPr>
               <a:t>vlan &lt;VLAN ID&gt;</a:t>
             </a:r>
@@ -18205,13 +18541,21 @@
             </a:pPr>
             <a:r>
               <a:rPr b="0" lang="en-NZ" sz="1200" spc="-1" strike="noStrike">
-                <a:latin typeface="Arial"/>
+                <a:solidFill>
+                  <a:srgbClr val="000000"/>
+                </a:solidFill>
+                <a:latin typeface="Arial"/>
+                <a:ea typeface="DejaVu Sans"/>
               </a:rPr>
               <a:t>      </a:t>
             </a:r>
             <a:r>
               <a:rPr b="0" lang="en-NZ" sz="1200" spc="-1" strike="noStrike">
-                <a:latin typeface="Arial"/>
+                <a:solidFill>
+                  <a:srgbClr val="000000"/>
+                </a:solidFill>
+                <a:latin typeface="Arial"/>
+                <a:ea typeface="DejaVu Sans"/>
               </a:rPr>
               <a:t>rd &lt;Loopback100&gt;:&lt;VNI&gt;</a:t>
             </a:r>
@@ -18228,13 +18572,21 @@
             </a:pPr>
             <a:r>
               <a:rPr b="0" lang="en-NZ" sz="1200" spc="-1" strike="noStrike">
-                <a:latin typeface="Arial"/>
+                <a:solidFill>
+                  <a:srgbClr val="000000"/>
+                </a:solidFill>
+                <a:latin typeface="Arial"/>
+                <a:ea typeface="DejaVu Sans"/>
               </a:rPr>
               <a:t>      </a:t>
             </a:r>
             <a:r>
               <a:rPr b="0" lang="en-NZ" sz="1200" spc="-1" strike="noStrike">
-                <a:latin typeface="Arial"/>
+                <a:solidFill>
+                  <a:srgbClr val="000000"/>
+                </a:solidFill>
+                <a:latin typeface="Arial"/>
+                <a:ea typeface="DejaVu Sans"/>
               </a:rPr>
               <a:t>route-target both &lt;ASN&gt;:&lt;Rack-VNI&gt;</a:t>
             </a:r>
@@ -18251,13 +18603,21 @@
             </a:pPr>
             <a:r>
               <a:rPr b="0" lang="en-NZ" sz="1200" spc="-1" strike="noStrike">
-                <a:latin typeface="Arial"/>
+                <a:solidFill>
+                  <a:srgbClr val="000000"/>
+                </a:solidFill>
+                <a:latin typeface="Arial"/>
+                <a:ea typeface="DejaVu Sans"/>
               </a:rPr>
               <a:t>      </a:t>
             </a:r>
             <a:r>
               <a:rPr b="0" lang="en-NZ" sz="1200" spc="-1" strike="noStrike">
-                <a:latin typeface="Arial"/>
+                <a:solidFill>
+                  <a:srgbClr val="000000"/>
+                </a:solidFill>
+                <a:latin typeface="Arial"/>
+                <a:ea typeface="DejaVu Sans"/>
               </a:rPr>
               <a:t>redistribute learned</a:t>
             </a:r>
@@ -18274,13 +18634,21 @@
             </a:pPr>
             <a:r>
               <a:rPr b="0" lang="en-NZ" sz="1200" spc="-1" strike="noStrike">
-                <a:latin typeface="Arial"/>
+                <a:solidFill>
+                  <a:srgbClr val="000000"/>
+                </a:solidFill>
+                <a:latin typeface="Arial"/>
+                <a:ea typeface="DejaVu Sans"/>
               </a:rPr>
               <a:t>   </a:t>
             </a:r>
             <a:r>
               <a:rPr b="0" lang="en-NZ" sz="1200" spc="-1" strike="noStrike">
-                <a:latin typeface="Arial"/>
+                <a:solidFill>
+                  <a:srgbClr val="000000"/>
+                </a:solidFill>
+                <a:latin typeface="Arial"/>
+                <a:ea typeface="DejaVu Sans"/>
               </a:rPr>
               <a:t>!</a:t>
             </a:r>
@@ -18333,7 +18701,7 @@
         <p:spPr>
           <a:xfrm>
             <a:off x="500400" y="36000"/>
-            <a:ext cx="8519040" cy="568440"/>
+            <a:ext cx="8518680" cy="568080"/>
           </a:xfrm>
           <a:prstGeom prst="rect">
             <a:avLst/>
@@ -18365,17 +18733,7 @@
                 <a:latin typeface="Roboto"/>
                 <a:ea typeface="Roboto"/>
               </a:rPr>
-              <a:t>Состояние VXLAN </a:t>
-            </a:r>
-            <a:r>
-              <a:rPr b="1" lang="ru" sz="2200" spc="-1" strike="noStrike">
-                <a:solidFill>
-                  <a:srgbClr val="000000"/>
-                </a:solidFill>
-                <a:latin typeface="Roboto"/>
-                <a:ea typeface="Roboto"/>
-              </a:rPr>
-              <a:t>на LEAF и Spine</a:t>
+              <a:t>Состояние VXLAN на LEAF и Spine</a:t>
             </a:r>
             <a:endParaRPr b="0" lang="en-NZ" sz="2200" spc="-1" strike="noStrike">
               <a:latin typeface="Arial"/>
@@ -18392,7 +18750,7 @@
         <p:spPr>
           <a:xfrm>
             <a:off x="108000" y="450360"/>
-            <a:ext cx="4572000" cy="5489640"/>
+            <a:ext cx="4571640" cy="5489280"/>
           </a:xfrm>
           <a:prstGeom prst="rect">
             <a:avLst/>
@@ -18421,7 +18779,11 @@
             </a:pPr>
             <a:r>
               <a:rPr b="1" lang="en-NZ" sz="800" spc="-1" strike="noStrike">
-                <a:latin typeface="Arial"/>
+                <a:solidFill>
+                  <a:srgbClr val="000000"/>
+                </a:solidFill>
+                <a:latin typeface="Arial"/>
+                <a:ea typeface="DejaVu Sans"/>
               </a:rPr>
               <a:t>#Leaf_00</a:t>
             </a:r>
@@ -18449,7 +18811,11 @@
             </a:pPr>
             <a:r>
               <a:rPr b="0" lang="en-NZ" sz="800" spc="-1" strike="noStrike">
-                <a:latin typeface="Arial"/>
+                <a:solidFill>
+                  <a:srgbClr val="000000"/>
+                </a:solidFill>
+                <a:latin typeface="Arial"/>
+                <a:ea typeface="DejaVu Sans"/>
               </a:rPr>
               <a:t>Leaf-00#show bgp evpn route-type mac-ip</a:t>
             </a:r>
@@ -18466,7 +18832,11 @@
             </a:pPr>
             <a:r>
               <a:rPr b="0" lang="en-NZ" sz="800" spc="-1" strike="noStrike">
-                <a:latin typeface="Arial"/>
+                <a:solidFill>
+                  <a:srgbClr val="000000"/>
+                </a:solidFill>
+                <a:latin typeface="Arial"/>
+                <a:ea typeface="DejaVu Sans"/>
               </a:rPr>
               <a:t>...</a:t>
             </a:r>
@@ -18483,13 +18853,21 @@
             </a:pPr>
             <a:r>
               <a:rPr b="0" lang="en-NZ" sz="800" spc="-1" strike="noStrike">
-                <a:latin typeface="Arial"/>
+                <a:solidFill>
+                  <a:srgbClr val="000000"/>
+                </a:solidFill>
+                <a:latin typeface="Arial"/>
+                <a:ea typeface="DejaVu Sans"/>
               </a:rPr>
               <a:t>          </a:t>
             </a:r>
             <a:r>
               <a:rPr b="0" lang="en-NZ" sz="800" spc="-1" strike="noStrike">
-                <a:latin typeface="Arial"/>
+                <a:solidFill>
+                  <a:srgbClr val="000000"/>
+                </a:solidFill>
+                <a:latin typeface="Arial"/>
+                <a:ea typeface="DejaVu Sans"/>
               </a:rPr>
               <a:t>Network                Next Hop              Metric  LocPref Weight  Path</a:t>
             </a:r>
@@ -18506,13 +18884,21 @@
             </a:pPr>
             <a:r>
               <a:rPr b="0" lang="en-NZ" sz="800" spc="-1" strike="noStrike">
-                <a:latin typeface="Arial"/>
+                <a:solidFill>
+                  <a:srgbClr val="000000"/>
+                </a:solidFill>
+                <a:latin typeface="Arial"/>
+                <a:ea typeface="DejaVu Sans"/>
               </a:rPr>
               <a:t> </a:t>
             </a:r>
             <a:r>
               <a:rPr b="0" lang="en-NZ" sz="800" spc="-1" strike="noStrike">
-                <a:latin typeface="Arial"/>
+                <a:solidFill>
+                  <a:srgbClr val="000000"/>
+                </a:solidFill>
+                <a:latin typeface="Arial"/>
+                <a:ea typeface="DejaVu Sans"/>
               </a:rPr>
               <a:t>* &gt;      RD: 10.2.1.0:10010 mac-ip 0000.5e00.010a</a:t>
             </a:r>
@@ -18529,13 +18915,21 @@
             </a:pPr>
             <a:r>
               <a:rPr b="0" lang="en-NZ" sz="800" spc="-1" strike="noStrike">
-                <a:latin typeface="Arial"/>
+                <a:solidFill>
+                  <a:srgbClr val="000000"/>
+                </a:solidFill>
+                <a:latin typeface="Arial"/>
+                <a:ea typeface="DejaVu Sans"/>
               </a:rPr>
               <a:t>                                 </a:t>
             </a:r>
             <a:r>
               <a:rPr b="0" lang="en-NZ" sz="800" spc="-1" strike="noStrike">
-                <a:latin typeface="Arial"/>
+                <a:solidFill>
+                  <a:srgbClr val="000000"/>
+                </a:solidFill>
+                <a:latin typeface="Arial"/>
+                <a:ea typeface="DejaVu Sans"/>
               </a:rPr>
               <a:t>10.2.1.0              -       100     0       i</a:t>
             </a:r>
@@ -18552,13 +18946,21 @@
             </a:pPr>
             <a:r>
               <a:rPr b="0" lang="en-NZ" sz="800" spc="-1" strike="noStrike">
-                <a:latin typeface="Arial"/>
+                <a:solidFill>
+                  <a:srgbClr val="000000"/>
+                </a:solidFill>
+                <a:latin typeface="Arial"/>
+                <a:ea typeface="DejaVu Sans"/>
               </a:rPr>
               <a:t> </a:t>
             </a:r>
             <a:r>
               <a:rPr b="0" lang="en-NZ" sz="800" spc="-1" strike="noStrike">
-                <a:latin typeface="Arial"/>
+                <a:solidFill>
+                  <a:srgbClr val="000000"/>
+                </a:solidFill>
+                <a:latin typeface="Arial"/>
+                <a:ea typeface="DejaVu Sans"/>
               </a:rPr>
               <a:t>* &gt;      RD: 10.2.5.0:10010 mac-ip 0000.5e00.010a</a:t>
             </a:r>
@@ -18575,13 +18977,21 @@
             </a:pPr>
             <a:r>
               <a:rPr b="0" lang="en-NZ" sz="800" spc="-1" strike="noStrike">
-                <a:latin typeface="Arial"/>
+                <a:solidFill>
+                  <a:srgbClr val="000000"/>
+                </a:solidFill>
+                <a:latin typeface="Arial"/>
+                <a:ea typeface="DejaVu Sans"/>
               </a:rPr>
               <a:t>                                 </a:t>
             </a:r>
             <a:r>
               <a:rPr b="0" lang="en-NZ" sz="800" spc="-1" strike="noStrike">
-                <a:latin typeface="Arial"/>
+                <a:solidFill>
+                  <a:srgbClr val="000000"/>
+                </a:solidFill>
+                <a:latin typeface="Arial"/>
+                <a:ea typeface="DejaVu Sans"/>
               </a:rPr>
               <a:t>10.2.5.0              -       100     0       i</a:t>
             </a:r>
@@ -18598,13 +19008,21 @@
             </a:pPr>
             <a:r>
               <a:rPr b="0" lang="en-NZ" sz="800" spc="-1" strike="noStrike">
-                <a:latin typeface="Arial"/>
+                <a:solidFill>
+                  <a:srgbClr val="000000"/>
+                </a:solidFill>
+                <a:latin typeface="Arial"/>
+                <a:ea typeface="DejaVu Sans"/>
               </a:rPr>
               <a:t> </a:t>
             </a:r>
             <a:r>
               <a:rPr b="0" lang="en-NZ" sz="800" spc="-1" strike="noStrike">
-                <a:latin typeface="Arial"/>
+                <a:solidFill>
+                  <a:srgbClr val="000000"/>
+                </a:solidFill>
+                <a:latin typeface="Arial"/>
+                <a:ea typeface="DejaVu Sans"/>
               </a:rPr>
               <a:t>* &gt;      RD: 10.2.1.0:10020 mac-ip 0000.5e00.0114</a:t>
             </a:r>
@@ -18621,13 +19039,21 @@
             </a:pPr>
             <a:r>
               <a:rPr b="0" lang="en-NZ" sz="800" spc="-1" strike="noStrike">
-                <a:latin typeface="Arial"/>
+                <a:solidFill>
+                  <a:srgbClr val="000000"/>
+                </a:solidFill>
+                <a:latin typeface="Arial"/>
+                <a:ea typeface="DejaVu Sans"/>
               </a:rPr>
               <a:t>                                 </a:t>
             </a:r>
             <a:r>
               <a:rPr b="0" lang="en-NZ" sz="800" spc="-1" strike="noStrike">
-                <a:latin typeface="Arial"/>
+                <a:solidFill>
+                  <a:srgbClr val="000000"/>
+                </a:solidFill>
+                <a:latin typeface="Arial"/>
+                <a:ea typeface="DejaVu Sans"/>
               </a:rPr>
               <a:t>10.2.1.0              -       100     0       i</a:t>
             </a:r>
@@ -18644,13 +19070,21 @@
             </a:pPr>
             <a:r>
               <a:rPr b="0" lang="en-NZ" sz="800" spc="-1" strike="noStrike">
-                <a:latin typeface="Arial"/>
+                <a:solidFill>
+                  <a:srgbClr val="000000"/>
+                </a:solidFill>
+                <a:latin typeface="Arial"/>
+                <a:ea typeface="DejaVu Sans"/>
               </a:rPr>
               <a:t> </a:t>
             </a:r>
             <a:r>
               <a:rPr b="0" lang="en-NZ" sz="800" spc="-1" strike="noStrike">
-                <a:latin typeface="Arial"/>
+                <a:solidFill>
+                  <a:srgbClr val="000000"/>
+                </a:solidFill>
+                <a:latin typeface="Arial"/>
+                <a:ea typeface="DejaVu Sans"/>
               </a:rPr>
               <a:t>* &gt;      RD: 10.2.5.0:10020 mac-ip 0000.5e00.0114</a:t>
             </a:r>
@@ -18667,13 +19101,21 @@
             </a:pPr>
             <a:r>
               <a:rPr b="0" lang="en-NZ" sz="800" spc="-1" strike="noStrike">
-                <a:latin typeface="Arial"/>
+                <a:solidFill>
+                  <a:srgbClr val="000000"/>
+                </a:solidFill>
+                <a:latin typeface="Arial"/>
+                <a:ea typeface="DejaVu Sans"/>
               </a:rPr>
               <a:t>                                 </a:t>
             </a:r>
             <a:r>
               <a:rPr b="0" lang="en-NZ" sz="800" spc="-1" strike="noStrike">
-                <a:latin typeface="Arial"/>
+                <a:solidFill>
+                  <a:srgbClr val="000000"/>
+                </a:solidFill>
+                <a:latin typeface="Arial"/>
+                <a:ea typeface="DejaVu Sans"/>
               </a:rPr>
               <a:t>10.2.5.0              -       100     0       i</a:t>
             </a:r>
@@ -18690,13 +19132,21 @@
             </a:pPr>
             <a:r>
               <a:rPr b="0" lang="en-NZ" sz="800" spc="-1" strike="noStrike">
-                <a:latin typeface="Arial"/>
+                <a:solidFill>
+                  <a:srgbClr val="000000"/>
+                </a:solidFill>
+                <a:latin typeface="Arial"/>
+                <a:ea typeface="DejaVu Sans"/>
               </a:rPr>
               <a:t> </a:t>
             </a:r>
             <a:r>
               <a:rPr b="0" lang="en-NZ" sz="800" spc="-1" strike="noStrike">
-                <a:latin typeface="Arial"/>
+                <a:solidFill>
+                  <a:srgbClr val="000000"/>
+                </a:solidFill>
+                <a:latin typeface="Arial"/>
+                <a:ea typeface="DejaVu Sans"/>
               </a:rPr>
               <a:t>* &gt;      RD: 10.2.1.0:10030 mac-ip 0000.5e00.011e</a:t>
             </a:r>
@@ -18713,13 +19163,21 @@
             </a:pPr>
             <a:r>
               <a:rPr b="0" lang="en-NZ" sz="800" spc="-1" strike="noStrike">
-                <a:latin typeface="Arial"/>
+                <a:solidFill>
+                  <a:srgbClr val="000000"/>
+                </a:solidFill>
+                <a:latin typeface="Arial"/>
+                <a:ea typeface="DejaVu Sans"/>
               </a:rPr>
               <a:t>                                 </a:t>
             </a:r>
             <a:r>
               <a:rPr b="0" lang="en-NZ" sz="800" spc="-1" strike="noStrike">
-                <a:latin typeface="Arial"/>
+                <a:solidFill>
+                  <a:srgbClr val="000000"/>
+                </a:solidFill>
+                <a:latin typeface="Arial"/>
+                <a:ea typeface="DejaVu Sans"/>
               </a:rPr>
               <a:t>10.2.1.0              -       100     0       i</a:t>
             </a:r>
@@ -18736,13 +19194,21 @@
             </a:pPr>
             <a:r>
               <a:rPr b="0" lang="en-NZ" sz="800" spc="-1" strike="noStrike">
-                <a:latin typeface="Arial"/>
+                <a:solidFill>
+                  <a:srgbClr val="000000"/>
+                </a:solidFill>
+                <a:latin typeface="Arial"/>
+                <a:ea typeface="DejaVu Sans"/>
               </a:rPr>
               <a:t> </a:t>
             </a:r>
             <a:r>
               <a:rPr b="0" lang="en-NZ" sz="800" spc="-1" strike="noStrike">
-                <a:latin typeface="Arial"/>
+                <a:solidFill>
+                  <a:srgbClr val="000000"/>
+                </a:solidFill>
+                <a:latin typeface="Arial"/>
+                <a:ea typeface="DejaVu Sans"/>
               </a:rPr>
               <a:t>* &gt;      RD: 10.2.5.0:10030 mac-ip 0000.5e00.011e</a:t>
             </a:r>
@@ -18759,13 +19225,21 @@
             </a:pPr>
             <a:r>
               <a:rPr b="0" lang="en-NZ" sz="800" spc="-1" strike="noStrike">
-                <a:latin typeface="Arial"/>
+                <a:solidFill>
+                  <a:srgbClr val="000000"/>
+                </a:solidFill>
+                <a:latin typeface="Arial"/>
+                <a:ea typeface="DejaVu Sans"/>
               </a:rPr>
               <a:t>                                 </a:t>
             </a:r>
             <a:r>
               <a:rPr b="0" lang="en-NZ" sz="800" spc="-1" strike="noStrike">
-                <a:latin typeface="Arial"/>
+                <a:solidFill>
+                  <a:srgbClr val="000000"/>
+                </a:solidFill>
+                <a:latin typeface="Arial"/>
+                <a:ea typeface="DejaVu Sans"/>
               </a:rPr>
               <a:t>10.2.5.0              -       100     0       i</a:t>
             </a:r>
@@ -18782,13 +19256,21 @@
             </a:pPr>
             <a:r>
               <a:rPr b="0" lang="en-NZ" sz="800" spc="-1" strike="noStrike">
-                <a:latin typeface="Arial"/>
+                <a:solidFill>
+                  <a:srgbClr val="000000"/>
+                </a:solidFill>
+                <a:latin typeface="Arial"/>
+                <a:ea typeface="DejaVu Sans"/>
               </a:rPr>
               <a:t> </a:t>
             </a:r>
             <a:r>
               <a:rPr b="0" lang="en-NZ" sz="800" spc="-1" strike="noStrike">
-                <a:latin typeface="Arial"/>
+                <a:solidFill>
+                  <a:srgbClr val="000000"/>
+                </a:solidFill>
+                <a:latin typeface="Arial"/>
+                <a:ea typeface="DejaVu Sans"/>
               </a:rPr>
               <a:t>* &gt;      RD: 10.2.5.0:10010 mac-ip 5000.0045.abdf</a:t>
             </a:r>
@@ -18805,13 +19287,21 @@
             </a:pPr>
             <a:r>
               <a:rPr b="0" lang="en-NZ" sz="800" spc="-1" strike="noStrike">
-                <a:latin typeface="Arial"/>
+                <a:solidFill>
+                  <a:srgbClr val="000000"/>
+                </a:solidFill>
+                <a:latin typeface="Arial"/>
+                <a:ea typeface="DejaVu Sans"/>
               </a:rPr>
               <a:t>                                 </a:t>
             </a:r>
             <a:r>
               <a:rPr b="0" lang="en-NZ" sz="800" spc="-1" strike="noStrike">
-                <a:latin typeface="Arial"/>
+                <a:solidFill>
+                  <a:srgbClr val="000000"/>
+                </a:solidFill>
+                <a:latin typeface="Arial"/>
+                <a:ea typeface="DejaVu Sans"/>
               </a:rPr>
               <a:t>10.2.5.0              -       100     0       i</a:t>
             </a:r>
@@ -18828,13 +19318,21 @@
             </a:pPr>
             <a:r>
               <a:rPr b="0" lang="en-NZ" sz="800" spc="-1" strike="noStrike">
-                <a:latin typeface="Arial"/>
+                <a:solidFill>
+                  <a:srgbClr val="000000"/>
+                </a:solidFill>
+                <a:latin typeface="Arial"/>
+                <a:ea typeface="DejaVu Sans"/>
               </a:rPr>
               <a:t> </a:t>
             </a:r>
             <a:r>
               <a:rPr b="0" lang="en-NZ" sz="800" spc="-1" strike="noStrike">
-                <a:latin typeface="Arial"/>
+                <a:solidFill>
+                  <a:srgbClr val="000000"/>
+                </a:solidFill>
+                <a:latin typeface="Arial"/>
+                <a:ea typeface="DejaVu Sans"/>
               </a:rPr>
               <a:t>* &gt;      RD: 10.3.1.0:10010 mac-ip 5000.0072.8b31</a:t>
             </a:r>
@@ -18851,13 +19349,21 @@
             </a:pPr>
             <a:r>
               <a:rPr b="0" lang="en-NZ" sz="800" spc="-1" strike="noStrike">
-                <a:latin typeface="Arial"/>
+                <a:solidFill>
+                  <a:srgbClr val="000000"/>
+                </a:solidFill>
+                <a:latin typeface="Arial"/>
+                <a:ea typeface="DejaVu Sans"/>
               </a:rPr>
               <a:t>                                 </a:t>
             </a:r>
             <a:r>
               <a:rPr b="0" lang="en-NZ" sz="800" spc="-1" strike="noStrike">
-                <a:latin typeface="Arial"/>
+                <a:solidFill>
+                  <a:srgbClr val="000000"/>
+                </a:solidFill>
+                <a:latin typeface="Arial"/>
+                <a:ea typeface="DejaVu Sans"/>
               </a:rPr>
               <a:t>-                     -       -       0       i</a:t>
             </a:r>
@@ -18874,13 +19380,21 @@
             </a:pPr>
             <a:r>
               <a:rPr b="0" lang="en-NZ" sz="800" spc="-1" strike="noStrike">
-                <a:latin typeface="Arial"/>
+                <a:solidFill>
+                  <a:srgbClr val="000000"/>
+                </a:solidFill>
+                <a:latin typeface="Arial"/>
+                <a:ea typeface="DejaVu Sans"/>
               </a:rPr>
               <a:t> </a:t>
             </a:r>
             <a:r>
               <a:rPr b="0" lang="en-NZ" sz="800" spc="-1" strike="noStrike">
-                <a:latin typeface="Arial"/>
+                <a:solidFill>
+                  <a:srgbClr val="000000"/>
+                </a:solidFill>
+                <a:latin typeface="Arial"/>
+                <a:ea typeface="DejaVu Sans"/>
               </a:rPr>
               <a:t>* &gt;      RD: 10.3.1.0:10020 mac-ip 5000.0072.8b31</a:t>
             </a:r>
@@ -18897,13 +19411,21 @@
             </a:pPr>
             <a:r>
               <a:rPr b="0" lang="en-NZ" sz="800" spc="-1" strike="noStrike">
-                <a:latin typeface="Arial"/>
+                <a:solidFill>
+                  <a:srgbClr val="000000"/>
+                </a:solidFill>
+                <a:latin typeface="Arial"/>
+                <a:ea typeface="DejaVu Sans"/>
               </a:rPr>
               <a:t>                                 </a:t>
             </a:r>
             <a:r>
               <a:rPr b="0" lang="en-NZ" sz="800" spc="-1" strike="noStrike">
-                <a:latin typeface="Arial"/>
+                <a:solidFill>
+                  <a:srgbClr val="000000"/>
+                </a:solidFill>
+                <a:latin typeface="Arial"/>
+                <a:ea typeface="DejaVu Sans"/>
               </a:rPr>
               <a:t>-                     -       -       0       i</a:t>
             </a:r>
@@ -18920,13 +19442,21 @@
             </a:pPr>
             <a:r>
               <a:rPr b="0" lang="en-NZ" sz="800" spc="-1" strike="noStrike">
-                <a:latin typeface="Arial"/>
+                <a:solidFill>
+                  <a:srgbClr val="000000"/>
+                </a:solidFill>
+                <a:latin typeface="Arial"/>
+                <a:ea typeface="DejaVu Sans"/>
               </a:rPr>
               <a:t> </a:t>
             </a:r>
             <a:r>
               <a:rPr b="0" lang="en-NZ" sz="800" spc="-1" strike="noStrike">
-                <a:latin typeface="Arial"/>
+                <a:solidFill>
+                  <a:srgbClr val="000000"/>
+                </a:solidFill>
+                <a:latin typeface="Arial"/>
+                <a:ea typeface="DejaVu Sans"/>
               </a:rPr>
               <a:t>* &gt;Ec    RD: 10.3.5.0:10010 mac-ip 5000.00af.d3f6</a:t>
             </a:r>
@@ -18943,13 +19473,21 @@
             </a:pPr>
             <a:r>
               <a:rPr b="0" lang="en-NZ" sz="800" spc="-1" strike="noStrike">
-                <a:latin typeface="Arial"/>
+                <a:solidFill>
+                  <a:srgbClr val="000000"/>
+                </a:solidFill>
+                <a:latin typeface="Arial"/>
+                <a:ea typeface="DejaVu Sans"/>
               </a:rPr>
               <a:t>                                 </a:t>
             </a:r>
             <a:r>
               <a:rPr b="0" lang="en-NZ" sz="800" spc="-1" strike="noStrike">
-                <a:latin typeface="Arial"/>
+                <a:solidFill>
+                  <a:srgbClr val="000000"/>
+                </a:solidFill>
+                <a:latin typeface="Arial"/>
+                <a:ea typeface="DejaVu Sans"/>
               </a:rPr>
               <a:t>10.3.5.0              -       100     0       i Or-ID: 10.3.4.0 C-LST: 10.2.0.0 </a:t>
             </a:r>
@@ -18966,13 +19504,21 @@
             </a:pPr>
             <a:r>
               <a:rPr b="0" lang="en-NZ" sz="800" spc="-1" strike="noStrike">
-                <a:latin typeface="Arial"/>
+                <a:solidFill>
+                  <a:srgbClr val="000000"/>
+                </a:solidFill>
+                <a:latin typeface="Arial"/>
+                <a:ea typeface="DejaVu Sans"/>
               </a:rPr>
               <a:t> </a:t>
             </a:r>
             <a:r>
               <a:rPr b="0" lang="en-NZ" sz="800" spc="-1" strike="noStrike">
-                <a:latin typeface="Arial"/>
+                <a:solidFill>
+                  <a:srgbClr val="000000"/>
+                </a:solidFill>
+                <a:latin typeface="Arial"/>
+                <a:ea typeface="DejaVu Sans"/>
               </a:rPr>
               <a:t>*  ec    RD: 10.3.5.0:10010 mac-ip 5000.00af.d3f6</a:t>
             </a:r>
@@ -18989,13 +19535,21 @@
             </a:pPr>
             <a:r>
               <a:rPr b="0" lang="en-NZ" sz="800" spc="-1" strike="noStrike">
-                <a:latin typeface="Arial"/>
+                <a:solidFill>
+                  <a:srgbClr val="000000"/>
+                </a:solidFill>
+                <a:latin typeface="Arial"/>
+                <a:ea typeface="DejaVu Sans"/>
               </a:rPr>
               <a:t>                                 </a:t>
             </a:r>
             <a:r>
               <a:rPr b="0" lang="en-NZ" sz="800" spc="-1" strike="noStrike">
-                <a:latin typeface="Arial"/>
+                <a:solidFill>
+                  <a:srgbClr val="000000"/>
+                </a:solidFill>
+                <a:latin typeface="Arial"/>
+                <a:ea typeface="DejaVu Sans"/>
               </a:rPr>
               <a:t>10.3.5.0              -       100     0       i Or-ID: 10.3.4.0 C-LST: 10.2.4.0 </a:t>
             </a:r>
@@ -19012,13 +19566,21 @@
             </a:pPr>
             <a:r>
               <a:rPr b="0" lang="en-NZ" sz="800" spc="-1" strike="noStrike">
-                <a:latin typeface="Arial"/>
+                <a:solidFill>
+                  <a:srgbClr val="000000"/>
+                </a:solidFill>
+                <a:latin typeface="Arial"/>
+                <a:ea typeface="DejaVu Sans"/>
               </a:rPr>
               <a:t> </a:t>
             </a:r>
             <a:r>
               <a:rPr b="0" lang="en-NZ" sz="800" spc="-1" strike="noStrike">
-                <a:latin typeface="Arial"/>
+                <a:solidFill>
+                  <a:srgbClr val="000000"/>
+                </a:solidFill>
+                <a:latin typeface="Arial"/>
+                <a:ea typeface="DejaVu Sans"/>
               </a:rPr>
               <a:t>* &gt;Ec    RD: 10.3.5.0:10020 mac-ip 5000.00af.d3f6</a:t>
             </a:r>
@@ -19035,13 +19597,21 @@
             </a:pPr>
             <a:r>
               <a:rPr b="0" lang="en-NZ" sz="800" spc="-1" strike="noStrike">
-                <a:latin typeface="Arial"/>
+                <a:solidFill>
+                  <a:srgbClr val="000000"/>
+                </a:solidFill>
+                <a:latin typeface="Arial"/>
+                <a:ea typeface="DejaVu Sans"/>
               </a:rPr>
               <a:t>                                 </a:t>
             </a:r>
             <a:r>
               <a:rPr b="0" lang="en-NZ" sz="800" spc="-1" strike="noStrike">
-                <a:latin typeface="Arial"/>
+                <a:solidFill>
+                  <a:srgbClr val="000000"/>
+                </a:solidFill>
+                <a:latin typeface="Arial"/>
+                <a:ea typeface="DejaVu Sans"/>
               </a:rPr>
               <a:t>10.3.5.0              -       100     0       i Or-ID: 10.3.4.1 C-LST: 10.2.0.0 </a:t>
             </a:r>
@@ -19058,13 +19628,21 @@
             </a:pPr>
             <a:r>
               <a:rPr b="0" lang="en-NZ" sz="800" spc="-1" strike="noStrike">
-                <a:latin typeface="Arial"/>
+                <a:solidFill>
+                  <a:srgbClr val="000000"/>
+                </a:solidFill>
+                <a:latin typeface="Arial"/>
+                <a:ea typeface="DejaVu Sans"/>
               </a:rPr>
               <a:t> </a:t>
             </a:r>
             <a:r>
               <a:rPr b="0" lang="en-NZ" sz="800" spc="-1" strike="noStrike">
-                <a:latin typeface="Arial"/>
+                <a:solidFill>
+                  <a:srgbClr val="000000"/>
+                </a:solidFill>
+                <a:latin typeface="Arial"/>
+                <a:ea typeface="DejaVu Sans"/>
               </a:rPr>
               <a:t>*  ec    RD: 10.3.5.0:10020 mac-ip 5000.00af.d3f6</a:t>
             </a:r>
@@ -19081,13 +19659,21 @@
             </a:pPr>
             <a:r>
               <a:rPr b="0" lang="en-NZ" sz="800" spc="-1" strike="noStrike">
-                <a:latin typeface="Arial"/>
+                <a:solidFill>
+                  <a:srgbClr val="000000"/>
+                </a:solidFill>
+                <a:latin typeface="Arial"/>
+                <a:ea typeface="DejaVu Sans"/>
               </a:rPr>
               <a:t>                                 </a:t>
             </a:r>
             <a:r>
               <a:rPr b="0" lang="en-NZ" sz="800" spc="-1" strike="noStrike">
-                <a:latin typeface="Arial"/>
+                <a:solidFill>
+                  <a:srgbClr val="000000"/>
+                </a:solidFill>
+                <a:latin typeface="Arial"/>
+                <a:ea typeface="DejaVu Sans"/>
               </a:rPr>
               <a:t>10.3.5.0              -       100     0       i Or-ID: 10.3.4.1 C-LST: 10.2.4.0 </a:t>
             </a:r>
@@ -19104,13 +19690,21 @@
             </a:pPr>
             <a:r>
               <a:rPr b="0" lang="en-NZ" sz="800" spc="-1" strike="noStrike">
-                <a:latin typeface="Arial"/>
+                <a:solidFill>
+                  <a:srgbClr val="000000"/>
+                </a:solidFill>
+                <a:latin typeface="Arial"/>
+                <a:ea typeface="DejaVu Sans"/>
               </a:rPr>
               <a:t> </a:t>
             </a:r>
             <a:r>
               <a:rPr b="0" lang="en-NZ" sz="800" spc="-1" strike="noStrike">
-                <a:latin typeface="Arial"/>
+                <a:solidFill>
+                  <a:srgbClr val="000000"/>
+                </a:solidFill>
+                <a:latin typeface="Arial"/>
+                <a:ea typeface="DejaVu Sans"/>
               </a:rPr>
               <a:t>* &gt;Ec    RD: 10.3.5.0:10030 mac-ip 5000.00af.d3f6</a:t>
             </a:r>
@@ -19127,13 +19721,21 @@
             </a:pPr>
             <a:r>
               <a:rPr b="0" lang="en-NZ" sz="800" spc="-1" strike="noStrike">
-                <a:latin typeface="Arial"/>
+                <a:solidFill>
+                  <a:srgbClr val="000000"/>
+                </a:solidFill>
+                <a:latin typeface="Arial"/>
+                <a:ea typeface="DejaVu Sans"/>
               </a:rPr>
               <a:t>                                 </a:t>
             </a:r>
             <a:r>
               <a:rPr b="0" lang="en-NZ" sz="800" spc="-1" strike="noStrike">
-                <a:latin typeface="Arial"/>
+                <a:solidFill>
+                  <a:srgbClr val="000000"/>
+                </a:solidFill>
+                <a:latin typeface="Arial"/>
+                <a:ea typeface="DejaVu Sans"/>
               </a:rPr>
               <a:t>10.3.5.0              -       100     0       i Or-ID: 10.3.4.1 C-LST: 10.2.0.0 </a:t>
             </a:r>
@@ -19150,13 +19752,21 @@
             </a:pPr>
             <a:r>
               <a:rPr b="0" lang="en-NZ" sz="800" spc="-1" strike="noStrike">
-                <a:latin typeface="Arial"/>
+                <a:solidFill>
+                  <a:srgbClr val="000000"/>
+                </a:solidFill>
+                <a:latin typeface="Arial"/>
+                <a:ea typeface="DejaVu Sans"/>
               </a:rPr>
               <a:t> </a:t>
             </a:r>
             <a:r>
               <a:rPr b="0" lang="en-NZ" sz="800" spc="-1" strike="noStrike">
-                <a:latin typeface="Arial"/>
+                <a:solidFill>
+                  <a:srgbClr val="000000"/>
+                </a:solidFill>
+                <a:latin typeface="Arial"/>
+                <a:ea typeface="DejaVu Sans"/>
               </a:rPr>
               <a:t>*  ec    RD: 10.3.5.0:10030 mac-ip 5000.00af.d3f6</a:t>
             </a:r>
@@ -19173,13 +19783,21 @@
             </a:pPr>
             <a:r>
               <a:rPr b="0" lang="en-NZ" sz="800" spc="-1" strike="noStrike">
-                <a:latin typeface="Arial"/>
+                <a:solidFill>
+                  <a:srgbClr val="000000"/>
+                </a:solidFill>
+                <a:latin typeface="Arial"/>
+                <a:ea typeface="DejaVu Sans"/>
               </a:rPr>
               <a:t>                                 </a:t>
             </a:r>
             <a:r>
               <a:rPr b="0" lang="en-NZ" sz="800" spc="-1" strike="noStrike">
-                <a:latin typeface="Arial"/>
+                <a:solidFill>
+                  <a:srgbClr val="000000"/>
+                </a:solidFill>
+                <a:latin typeface="Arial"/>
+                <a:ea typeface="DejaVu Sans"/>
               </a:rPr>
               <a:t>10.3.5.0              -       100     0       i Or-ID: 10.3.4.1 C-LST: 10.2.4.0 </a:t>
             </a:r>
@@ -19209,7 +19827,7 @@
         <p:spPr>
           <a:xfrm>
             <a:off x="5580000" y="684000"/>
-            <a:ext cx="2915640" cy="3636000"/>
+            <a:ext cx="2915280" cy="3635640"/>
           </a:xfrm>
           <a:prstGeom prst="rect">
             <a:avLst/>
@@ -19238,7 +19856,11 @@
             </a:pPr>
             <a:r>
               <a:rPr b="1" lang="en-NZ" sz="800" spc="-1" strike="noStrike">
-                <a:latin typeface="Arial"/>
+                <a:solidFill>
+                  <a:srgbClr val="000000"/>
+                </a:solidFill>
+                <a:latin typeface="Arial"/>
+                <a:ea typeface="DejaVu Sans"/>
               </a:rPr>
               <a:t>#Spine_0</a:t>
             </a:r>
@@ -19277,7 +19899,11 @@
             </a:pPr>
             <a:r>
               <a:rPr b="0" lang="en-NZ" sz="800" spc="-1" strike="noStrike">
-                <a:latin typeface="Arial"/>
+                <a:solidFill>
+                  <a:srgbClr val="000000"/>
+                </a:solidFill>
+                <a:latin typeface="Arial"/>
+                <a:ea typeface="DejaVu Sans"/>
               </a:rPr>
               <a:t>Spine_0(config-router-bgp)#show bgp evpn route-type mac-ip </a:t>
             </a:r>
@@ -19294,7 +19920,11 @@
             </a:pPr>
             <a:r>
               <a:rPr b="0" lang="en-NZ" sz="800" spc="-1" strike="noStrike">
-                <a:latin typeface="Arial"/>
+                <a:solidFill>
+                  <a:srgbClr val="000000"/>
+                </a:solidFill>
+                <a:latin typeface="Arial"/>
+                <a:ea typeface="DejaVu Sans"/>
               </a:rPr>
               <a:t>...</a:t>
             </a:r>
@@ -19311,13 +19941,21 @@
             </a:pPr>
             <a:r>
               <a:rPr b="0" lang="en-NZ" sz="800" spc="-1" strike="noStrike">
-                <a:latin typeface="Arial"/>
+                <a:solidFill>
+                  <a:srgbClr val="000000"/>
+                </a:solidFill>
+                <a:latin typeface="Arial"/>
+                <a:ea typeface="DejaVu Sans"/>
               </a:rPr>
               <a:t>          </a:t>
             </a:r>
             <a:r>
               <a:rPr b="0" lang="en-NZ" sz="800" spc="-1" strike="noStrike">
-                <a:latin typeface="Arial"/>
+                <a:solidFill>
+                  <a:srgbClr val="000000"/>
+                </a:solidFill>
+                <a:latin typeface="Arial"/>
+                <a:ea typeface="DejaVu Sans"/>
               </a:rPr>
               <a:t>Network                Next Hop              Metric  LocPref Weight  Path</a:t>
             </a:r>
@@ -19334,13 +19972,21 @@
             </a:pPr>
             <a:r>
               <a:rPr b="0" lang="en-NZ" sz="800" spc="-1" strike="noStrike">
-                <a:latin typeface="Arial"/>
+                <a:solidFill>
+                  <a:srgbClr val="000000"/>
+                </a:solidFill>
+                <a:latin typeface="Arial"/>
+                <a:ea typeface="DejaVu Sans"/>
               </a:rPr>
               <a:t> </a:t>
             </a:r>
             <a:r>
               <a:rPr b="0" lang="en-NZ" sz="800" spc="-1" strike="noStrike">
-                <a:latin typeface="Arial"/>
+                <a:solidFill>
+                  <a:srgbClr val="000000"/>
+                </a:solidFill>
+                <a:latin typeface="Arial"/>
+                <a:ea typeface="DejaVu Sans"/>
               </a:rPr>
               <a:t>* &gt;      RD: 10.2.1.0:10010 mac-ip 0000.5e00.010a</a:t>
             </a:r>
@@ -19357,13 +20003,21 @@
             </a:pPr>
             <a:r>
               <a:rPr b="0" lang="en-NZ" sz="800" spc="-1" strike="noStrike">
-                <a:latin typeface="Arial"/>
+                <a:solidFill>
+                  <a:srgbClr val="000000"/>
+                </a:solidFill>
+                <a:latin typeface="Arial"/>
+                <a:ea typeface="DejaVu Sans"/>
               </a:rPr>
               <a:t>                                 </a:t>
             </a:r>
             <a:r>
               <a:rPr b="0" lang="en-NZ" sz="800" spc="-1" strike="noStrike">
-                <a:latin typeface="Arial"/>
+                <a:solidFill>
+                  <a:srgbClr val="000000"/>
+                </a:solidFill>
+                <a:latin typeface="Arial"/>
+                <a:ea typeface="DejaVu Sans"/>
               </a:rPr>
               <a:t>-                     -       -       0       i</a:t>
             </a:r>
@@ -19380,13 +20034,21 @@
             </a:pPr>
             <a:r>
               <a:rPr b="0" lang="en-NZ" sz="800" spc="-1" strike="noStrike">
-                <a:latin typeface="Arial"/>
+                <a:solidFill>
+                  <a:srgbClr val="000000"/>
+                </a:solidFill>
+                <a:latin typeface="Arial"/>
+                <a:ea typeface="DejaVu Sans"/>
               </a:rPr>
               <a:t> </a:t>
             </a:r>
             <a:r>
               <a:rPr b="0" lang="en-NZ" sz="800" spc="-1" strike="noStrike">
-                <a:latin typeface="Arial"/>
+                <a:solidFill>
+                  <a:srgbClr val="000000"/>
+                </a:solidFill>
+                <a:latin typeface="Arial"/>
+                <a:ea typeface="DejaVu Sans"/>
               </a:rPr>
               <a:t>* &gt;      RD: 10.2.1.0:10020 mac-ip 0000.5e00.0114</a:t>
             </a:r>
@@ -19403,13 +20065,21 @@
             </a:pPr>
             <a:r>
               <a:rPr b="0" lang="en-NZ" sz="800" spc="-1" strike="noStrike">
-                <a:latin typeface="Arial"/>
+                <a:solidFill>
+                  <a:srgbClr val="000000"/>
+                </a:solidFill>
+                <a:latin typeface="Arial"/>
+                <a:ea typeface="DejaVu Sans"/>
               </a:rPr>
               <a:t>                                 </a:t>
             </a:r>
             <a:r>
               <a:rPr b="0" lang="en-NZ" sz="800" spc="-1" strike="noStrike">
-                <a:latin typeface="Arial"/>
+                <a:solidFill>
+                  <a:srgbClr val="000000"/>
+                </a:solidFill>
+                <a:latin typeface="Arial"/>
+                <a:ea typeface="DejaVu Sans"/>
               </a:rPr>
               <a:t>-                     -       -       0       i</a:t>
             </a:r>
@@ -19426,13 +20096,21 @@
             </a:pPr>
             <a:r>
               <a:rPr b="0" lang="en-NZ" sz="800" spc="-1" strike="noStrike">
-                <a:latin typeface="Arial"/>
+                <a:solidFill>
+                  <a:srgbClr val="000000"/>
+                </a:solidFill>
+                <a:latin typeface="Arial"/>
+                <a:ea typeface="DejaVu Sans"/>
               </a:rPr>
               <a:t> </a:t>
             </a:r>
             <a:r>
               <a:rPr b="0" lang="en-NZ" sz="800" spc="-1" strike="noStrike">
-                <a:latin typeface="Arial"/>
+                <a:solidFill>
+                  <a:srgbClr val="000000"/>
+                </a:solidFill>
+                <a:latin typeface="Arial"/>
+                <a:ea typeface="DejaVu Sans"/>
               </a:rPr>
               <a:t>* &gt;      RD: 10.2.1.0:10030 mac-ip 0000.5e00.011e</a:t>
             </a:r>
@@ -19449,13 +20127,21 @@
             </a:pPr>
             <a:r>
               <a:rPr b="0" lang="en-NZ" sz="800" spc="-1" strike="noStrike">
-                <a:latin typeface="Arial"/>
+                <a:solidFill>
+                  <a:srgbClr val="000000"/>
+                </a:solidFill>
+                <a:latin typeface="Arial"/>
+                <a:ea typeface="DejaVu Sans"/>
               </a:rPr>
               <a:t>                                 </a:t>
             </a:r>
             <a:r>
               <a:rPr b="0" lang="en-NZ" sz="800" spc="-1" strike="noStrike">
-                <a:latin typeface="Arial"/>
+                <a:solidFill>
+                  <a:srgbClr val="000000"/>
+                </a:solidFill>
+                <a:latin typeface="Arial"/>
+                <a:ea typeface="DejaVu Sans"/>
               </a:rPr>
               <a:t>-                     -       -       0       i</a:t>
             </a:r>
@@ -19472,13 +20158,21 @@
             </a:pPr>
             <a:r>
               <a:rPr b="0" lang="en-NZ" sz="800" spc="-1" strike="noStrike">
-                <a:latin typeface="Arial"/>
+                <a:solidFill>
+                  <a:srgbClr val="000000"/>
+                </a:solidFill>
+                <a:latin typeface="Arial"/>
+                <a:ea typeface="DejaVu Sans"/>
               </a:rPr>
               <a:t> </a:t>
             </a:r>
             <a:r>
               <a:rPr b="0" lang="en-NZ" sz="800" spc="-1" strike="noStrike">
-                <a:latin typeface="Arial"/>
+                <a:solidFill>
+                  <a:srgbClr val="000000"/>
+                </a:solidFill>
+                <a:latin typeface="Arial"/>
+                <a:ea typeface="DejaVu Sans"/>
               </a:rPr>
               <a:t>* &gt;Ec    RD: 10.3.1.0:10010 mac-ip 5000.0072.8b31</a:t>
             </a:r>
@@ -19495,13 +20189,21 @@
             </a:pPr>
             <a:r>
               <a:rPr b="0" lang="en-NZ" sz="800" spc="-1" strike="noStrike">
-                <a:latin typeface="Arial"/>
+                <a:solidFill>
+                  <a:srgbClr val="000000"/>
+                </a:solidFill>
+                <a:latin typeface="Arial"/>
+                <a:ea typeface="DejaVu Sans"/>
               </a:rPr>
               <a:t>                                 </a:t>
             </a:r>
             <a:r>
               <a:rPr b="0" lang="en-NZ" sz="800" spc="-1" strike="noStrike">
-                <a:latin typeface="Arial"/>
+                <a:solidFill>
+                  <a:srgbClr val="000000"/>
+                </a:solidFill>
+                <a:latin typeface="Arial"/>
+                <a:ea typeface="DejaVu Sans"/>
               </a:rPr>
               <a:t>10.3.1.0              -       100     0       i</a:t>
             </a:r>
@@ -19518,13 +20220,21 @@
             </a:pPr>
             <a:r>
               <a:rPr b="0" lang="en-NZ" sz="800" spc="-1" strike="noStrike">
-                <a:latin typeface="Arial"/>
+                <a:solidFill>
+                  <a:srgbClr val="000000"/>
+                </a:solidFill>
+                <a:latin typeface="Arial"/>
+                <a:ea typeface="DejaVu Sans"/>
               </a:rPr>
               <a:t> </a:t>
             </a:r>
             <a:r>
               <a:rPr b="0" lang="en-NZ" sz="800" spc="-1" strike="noStrike">
-                <a:latin typeface="Arial"/>
+                <a:solidFill>
+                  <a:srgbClr val="000000"/>
+                </a:solidFill>
+                <a:latin typeface="Arial"/>
+                <a:ea typeface="DejaVu Sans"/>
               </a:rPr>
               <a:t>*  ec    RD: 10.3.1.0:10010 mac-ip 5000.0072.8b31</a:t>
             </a:r>
@@ -19541,13 +20251,21 @@
             </a:pPr>
             <a:r>
               <a:rPr b="0" lang="en-NZ" sz="800" spc="-1" strike="noStrike">
-                <a:latin typeface="Arial"/>
+                <a:solidFill>
+                  <a:srgbClr val="000000"/>
+                </a:solidFill>
+                <a:latin typeface="Arial"/>
+                <a:ea typeface="DejaVu Sans"/>
               </a:rPr>
               <a:t>                                 </a:t>
             </a:r>
             <a:r>
               <a:rPr b="0" lang="en-NZ" sz="800" spc="-1" strike="noStrike">
-                <a:latin typeface="Arial"/>
+                <a:solidFill>
+                  <a:srgbClr val="000000"/>
+                </a:solidFill>
+                <a:latin typeface="Arial"/>
+                <a:ea typeface="DejaVu Sans"/>
               </a:rPr>
               <a:t>10.3.1.0              -       100     0       i</a:t>
             </a:r>
@@ -19564,13 +20282,21 @@
             </a:pPr>
             <a:r>
               <a:rPr b="0" lang="en-NZ" sz="800" spc="-1" strike="noStrike">
-                <a:latin typeface="Arial"/>
+                <a:solidFill>
+                  <a:srgbClr val="000000"/>
+                </a:solidFill>
+                <a:latin typeface="Arial"/>
+                <a:ea typeface="DejaVu Sans"/>
               </a:rPr>
               <a:t> </a:t>
             </a:r>
             <a:r>
               <a:rPr b="0" lang="en-NZ" sz="800" spc="-1" strike="noStrike">
-                <a:latin typeface="Arial"/>
+                <a:solidFill>
+                  <a:srgbClr val="000000"/>
+                </a:solidFill>
+                <a:latin typeface="Arial"/>
+                <a:ea typeface="DejaVu Sans"/>
               </a:rPr>
               <a:t>* &gt;      RD: 10.3.1.0:10020 mac-ip 5000.0072.8b31</a:t>
             </a:r>
@@ -19587,13 +20313,21 @@
             </a:pPr>
             <a:r>
               <a:rPr b="0" lang="en-NZ" sz="800" spc="-1" strike="noStrike">
-                <a:latin typeface="Arial"/>
+                <a:solidFill>
+                  <a:srgbClr val="000000"/>
+                </a:solidFill>
+                <a:latin typeface="Arial"/>
+                <a:ea typeface="DejaVu Sans"/>
               </a:rPr>
               <a:t>                                 </a:t>
             </a:r>
             <a:r>
               <a:rPr b="0" lang="en-NZ" sz="800" spc="-1" strike="noStrike">
-                <a:latin typeface="Arial"/>
+                <a:solidFill>
+                  <a:srgbClr val="000000"/>
+                </a:solidFill>
+                <a:latin typeface="Arial"/>
+                <a:ea typeface="DejaVu Sans"/>
               </a:rPr>
               <a:t>10.3.1.0              -       100     0       i</a:t>
             </a:r>
@@ -19610,13 +20344,21 @@
             </a:pPr>
             <a:r>
               <a:rPr b="0" lang="en-NZ" sz="800" spc="-1" strike="noStrike">
-                <a:latin typeface="Arial"/>
+                <a:solidFill>
+                  <a:srgbClr val="000000"/>
+                </a:solidFill>
+                <a:latin typeface="Arial"/>
+                <a:ea typeface="DejaVu Sans"/>
               </a:rPr>
               <a:t> </a:t>
             </a:r>
             <a:r>
               <a:rPr b="0" lang="en-NZ" sz="800" spc="-1" strike="noStrike">
-                <a:latin typeface="Arial"/>
+                <a:solidFill>
+                  <a:srgbClr val="000000"/>
+                </a:solidFill>
+                <a:latin typeface="Arial"/>
+                <a:ea typeface="DejaVu Sans"/>
               </a:rPr>
               <a:t>* &gt;      RD: 10.3.5.0:10010 mac-ip 5000.00af.d3f6</a:t>
             </a:r>
@@ -19633,13 +20375,21 @@
             </a:pPr>
             <a:r>
               <a:rPr b="0" lang="en-NZ" sz="800" spc="-1" strike="noStrike">
-                <a:latin typeface="Arial"/>
+                <a:solidFill>
+                  <a:srgbClr val="000000"/>
+                </a:solidFill>
+                <a:latin typeface="Arial"/>
+                <a:ea typeface="DejaVu Sans"/>
               </a:rPr>
               <a:t>                                 </a:t>
             </a:r>
             <a:r>
               <a:rPr b="0" lang="en-NZ" sz="800" spc="-1" strike="noStrike">
-                <a:latin typeface="Arial"/>
+                <a:solidFill>
+                  <a:srgbClr val="000000"/>
+                </a:solidFill>
+                <a:latin typeface="Arial"/>
+                <a:ea typeface="DejaVu Sans"/>
               </a:rPr>
               <a:t>10.3.5.0              -       100     0       i</a:t>
             </a:r>
@@ -19656,13 +20406,21 @@
             </a:pPr>
             <a:r>
               <a:rPr b="0" lang="en-NZ" sz="800" spc="-1" strike="noStrike">
-                <a:latin typeface="Arial"/>
+                <a:solidFill>
+                  <a:srgbClr val="000000"/>
+                </a:solidFill>
+                <a:latin typeface="Arial"/>
+                <a:ea typeface="DejaVu Sans"/>
               </a:rPr>
               <a:t> </a:t>
             </a:r>
             <a:r>
               <a:rPr b="0" lang="en-NZ" sz="800" spc="-1" strike="noStrike">
-                <a:latin typeface="Arial"/>
+                <a:solidFill>
+                  <a:srgbClr val="000000"/>
+                </a:solidFill>
+                <a:latin typeface="Arial"/>
+                <a:ea typeface="DejaVu Sans"/>
               </a:rPr>
               <a:t>* &gt;      RD: 10.3.5.0:10020 mac-ip 5000.00af.d3f6</a:t>
             </a:r>
@@ -19679,13 +20437,21 @@
             </a:pPr>
             <a:r>
               <a:rPr b="0" lang="en-NZ" sz="800" spc="-1" strike="noStrike">
-                <a:latin typeface="Arial"/>
+                <a:solidFill>
+                  <a:srgbClr val="000000"/>
+                </a:solidFill>
+                <a:latin typeface="Arial"/>
+                <a:ea typeface="DejaVu Sans"/>
               </a:rPr>
               <a:t>                                 </a:t>
             </a:r>
             <a:r>
               <a:rPr b="0" lang="en-NZ" sz="800" spc="-1" strike="noStrike">
-                <a:latin typeface="Arial"/>
+                <a:solidFill>
+                  <a:srgbClr val="000000"/>
+                </a:solidFill>
+                <a:latin typeface="Arial"/>
+                <a:ea typeface="DejaVu Sans"/>
               </a:rPr>
               <a:t>10.3.5.0              -       100     0       i</a:t>
             </a:r>
@@ -19702,13 +20468,21 @@
             </a:pPr>
             <a:r>
               <a:rPr b="0" lang="en-NZ" sz="800" spc="-1" strike="noStrike">
-                <a:latin typeface="Arial"/>
+                <a:solidFill>
+                  <a:srgbClr val="000000"/>
+                </a:solidFill>
+                <a:latin typeface="Arial"/>
+                <a:ea typeface="DejaVu Sans"/>
               </a:rPr>
               <a:t> </a:t>
             </a:r>
             <a:r>
               <a:rPr b="0" lang="en-NZ" sz="800" spc="-1" strike="noStrike">
-                <a:latin typeface="Arial"/>
+                <a:solidFill>
+                  <a:srgbClr val="000000"/>
+                </a:solidFill>
+                <a:latin typeface="Arial"/>
+                <a:ea typeface="DejaVu Sans"/>
               </a:rPr>
               <a:t>* &gt;      RD: 10.3.5.0:10030 mac-ip 5000.00af.d3f6</a:t>
             </a:r>
@@ -19725,13 +20499,21 @@
             </a:pPr>
             <a:r>
               <a:rPr b="0" lang="en-NZ" sz="800" spc="-1" strike="noStrike">
-                <a:latin typeface="Arial"/>
+                <a:solidFill>
+                  <a:srgbClr val="000000"/>
+                </a:solidFill>
+                <a:latin typeface="Arial"/>
+                <a:ea typeface="DejaVu Sans"/>
               </a:rPr>
               <a:t>                                 </a:t>
             </a:r>
             <a:r>
               <a:rPr b="0" lang="en-NZ" sz="800" spc="-1" strike="noStrike">
-                <a:latin typeface="Arial"/>
+                <a:solidFill>
+                  <a:srgbClr val="000000"/>
+                </a:solidFill>
+                <a:latin typeface="Arial"/>
+                <a:ea typeface="DejaVu Sans"/>
               </a:rPr>
               <a:t>10.3.5.0              -       100     0       i</a:t>
             </a:r>
@@ -19748,7 +20530,11 @@
             </a:pPr>
             <a:r>
               <a:rPr b="0" lang="en-NZ" sz="800" spc="-1" strike="noStrike">
-                <a:latin typeface="Arial"/>
+                <a:solidFill>
+                  <a:srgbClr val="000000"/>
+                </a:solidFill>
+                <a:latin typeface="Arial"/>
+                <a:ea typeface="DejaVu Sans"/>
               </a:rPr>
               <a:t>!</a:t>
             </a:r>
@@ -19801,7 +20587,7 @@
         <p:spPr>
           <a:xfrm>
             <a:off x="500400" y="36000"/>
-            <a:ext cx="8519040" cy="568440"/>
+            <a:ext cx="8518680" cy="568080"/>
           </a:xfrm>
           <a:prstGeom prst="rect">
             <a:avLst/>
@@ -19850,7 +20636,7 @@
         <p:spPr>
           <a:xfrm>
             <a:off x="360000" y="926280"/>
-            <a:ext cx="8458920" cy="3956760"/>
+            <a:ext cx="8458560" cy="3956400"/>
           </a:xfrm>
           <a:prstGeom prst="rect">
             <a:avLst/>
@@ -19876,7 +20662,7 @@
         <p:spPr>
           <a:xfrm>
             <a:off x="496440" y="720000"/>
-            <a:ext cx="5983560" cy="4208400"/>
+            <a:ext cx="5983200" cy="4208040"/>
           </a:xfrm>
           <a:prstGeom prst="rect">
             <a:avLst/>
@@ -19905,7 +20691,11 @@
             </a:pPr>
             <a:r>
               <a:rPr b="1" lang="en-NZ" sz="1200" spc="-1" strike="noStrike">
-                <a:latin typeface="Arial"/>
+                <a:solidFill>
+                  <a:srgbClr val="000000"/>
+                </a:solidFill>
+                <a:latin typeface="Arial"/>
+                <a:ea typeface="DejaVu Sans"/>
               </a:rPr>
               <a:t>#Leaf_00</a:t>
             </a:r>
@@ -19933,7 +20723,11 @@
             </a:pPr>
             <a:r>
               <a:rPr b="0" lang="en-NZ" sz="1200" spc="-1" strike="noStrike">
-                <a:latin typeface="Arial"/>
+                <a:solidFill>
+                  <a:srgbClr val="000000"/>
+                </a:solidFill>
+                <a:latin typeface="Arial"/>
+                <a:ea typeface="DejaVu Sans"/>
               </a:rPr>
               <a:t>Leaf-00#show interfaces vxlan1</a:t>
             </a:r>
@@ -19950,7 +20744,11 @@
             </a:pPr>
             <a:r>
               <a:rPr b="0" lang="en-NZ" sz="1200" spc="-1" strike="noStrike">
-                <a:latin typeface="Arial"/>
+                <a:solidFill>
+                  <a:srgbClr val="000000"/>
+                </a:solidFill>
+                <a:latin typeface="Arial"/>
+                <a:ea typeface="DejaVu Sans"/>
               </a:rPr>
               <a:t>Vxlan1 is up, line protocol is up (connected)</a:t>
             </a:r>
@@ -19967,13 +20765,21 @@
             </a:pPr>
             <a:r>
               <a:rPr b="0" lang="en-NZ" sz="1200" spc="-1" strike="noStrike">
-                <a:latin typeface="Arial"/>
+                <a:solidFill>
+                  <a:srgbClr val="000000"/>
+                </a:solidFill>
+                <a:latin typeface="Arial"/>
+                <a:ea typeface="DejaVu Sans"/>
               </a:rPr>
               <a:t>  </a:t>
             </a:r>
             <a:r>
               <a:rPr b="0" lang="en-NZ" sz="1200" spc="-1" strike="noStrike">
-                <a:latin typeface="Arial"/>
+                <a:solidFill>
+                  <a:srgbClr val="000000"/>
+                </a:solidFill>
+                <a:latin typeface="Arial"/>
+                <a:ea typeface="DejaVu Sans"/>
               </a:rPr>
               <a:t>Hardware is Vxlan</a:t>
             </a:r>
@@ -19990,13 +20796,21 @@
             </a:pPr>
             <a:r>
               <a:rPr b="0" lang="en-NZ" sz="1200" spc="-1" strike="noStrike">
-                <a:latin typeface="Arial"/>
+                <a:solidFill>
+                  <a:srgbClr val="000000"/>
+                </a:solidFill>
+                <a:latin typeface="Arial"/>
+                <a:ea typeface="DejaVu Sans"/>
               </a:rPr>
               <a:t>  </a:t>
             </a:r>
             <a:r>
               <a:rPr b="0" lang="en-NZ" sz="1200" spc="-1" strike="noStrike">
-                <a:latin typeface="Arial"/>
+                <a:solidFill>
+                  <a:srgbClr val="000000"/>
+                </a:solidFill>
+                <a:latin typeface="Arial"/>
+                <a:ea typeface="DejaVu Sans"/>
               </a:rPr>
               <a:t>Source interface is Loopback100 and is active with 10.3.1.0</a:t>
             </a:r>
@@ -20013,13 +20827,21 @@
             </a:pPr>
             <a:r>
               <a:rPr b="0" lang="en-NZ" sz="1200" spc="-1" strike="noStrike">
-                <a:latin typeface="Arial"/>
+                <a:solidFill>
+                  <a:srgbClr val="000000"/>
+                </a:solidFill>
+                <a:latin typeface="Arial"/>
+                <a:ea typeface="DejaVu Sans"/>
               </a:rPr>
               <a:t>  </a:t>
             </a:r>
             <a:r>
               <a:rPr b="0" lang="en-NZ" sz="1200" spc="-1" strike="noStrike">
-                <a:latin typeface="Arial"/>
+                <a:solidFill>
+                  <a:srgbClr val="000000"/>
+                </a:solidFill>
+                <a:latin typeface="Arial"/>
+                <a:ea typeface="DejaVu Sans"/>
               </a:rPr>
               <a:t>Listening on UDP port 4789</a:t>
             </a:r>
@@ -20036,13 +20858,21 @@
             </a:pPr>
             <a:r>
               <a:rPr b="0" lang="en-NZ" sz="1200" spc="-1" strike="noStrike">
-                <a:latin typeface="Arial"/>
+                <a:solidFill>
+                  <a:srgbClr val="000000"/>
+                </a:solidFill>
+                <a:latin typeface="Arial"/>
+                <a:ea typeface="DejaVu Sans"/>
               </a:rPr>
               <a:t>  </a:t>
             </a:r>
             <a:r>
               <a:rPr b="0" lang="en-NZ" sz="1200" spc="-1" strike="noStrike">
-                <a:latin typeface="Arial"/>
+                <a:solidFill>
+                  <a:srgbClr val="000000"/>
+                </a:solidFill>
+                <a:latin typeface="Arial"/>
+                <a:ea typeface="DejaVu Sans"/>
               </a:rPr>
               <a:t>Replication/Flood Mode is headend with Flood List Source: EVPN</a:t>
             </a:r>
@@ -20059,13 +20889,21 @@
             </a:pPr>
             <a:r>
               <a:rPr b="0" lang="en-NZ" sz="1200" spc="-1" strike="noStrike">
-                <a:latin typeface="Arial"/>
+                <a:solidFill>
+                  <a:srgbClr val="000000"/>
+                </a:solidFill>
+                <a:latin typeface="Arial"/>
+                <a:ea typeface="DejaVu Sans"/>
               </a:rPr>
               <a:t>  </a:t>
             </a:r>
             <a:r>
               <a:rPr b="0" lang="en-NZ" sz="1200" spc="-1" strike="noStrike">
-                <a:latin typeface="Arial"/>
+                <a:solidFill>
+                  <a:srgbClr val="000000"/>
+                </a:solidFill>
+                <a:latin typeface="Arial"/>
+                <a:ea typeface="DejaVu Sans"/>
               </a:rPr>
               <a:t>Remote MAC learning via EVPN</a:t>
             </a:r>
@@ -20082,13 +20920,21 @@
             </a:pPr>
             <a:r>
               <a:rPr b="0" lang="en-NZ" sz="1200" spc="-1" strike="noStrike">
-                <a:latin typeface="Arial"/>
+                <a:solidFill>
+                  <a:srgbClr val="000000"/>
+                </a:solidFill>
+                <a:latin typeface="Arial"/>
+                <a:ea typeface="DejaVu Sans"/>
               </a:rPr>
               <a:t>  </a:t>
             </a:r>
             <a:r>
               <a:rPr b="0" lang="en-NZ" sz="1200" spc="-1" strike="noStrike">
-                <a:latin typeface="Arial"/>
+                <a:solidFill>
+                  <a:srgbClr val="000000"/>
+                </a:solidFill>
+                <a:latin typeface="Arial"/>
+                <a:ea typeface="DejaVu Sans"/>
               </a:rPr>
               <a:t>VNI mapping to VLANs</a:t>
             </a:r>
@@ -20105,13 +20951,21 @@
             </a:pPr>
             <a:r>
               <a:rPr b="0" lang="en-NZ" sz="1200" spc="-1" strike="noStrike">
-                <a:latin typeface="Arial"/>
+                <a:solidFill>
+                  <a:srgbClr val="000000"/>
+                </a:solidFill>
+                <a:latin typeface="Arial"/>
+                <a:ea typeface="DejaVu Sans"/>
               </a:rPr>
               <a:t>  </a:t>
             </a:r>
             <a:r>
               <a:rPr b="0" lang="en-NZ" sz="1200" spc="-1" strike="noStrike">
-                <a:latin typeface="Arial"/>
+                <a:solidFill>
+                  <a:srgbClr val="000000"/>
+                </a:solidFill>
+                <a:latin typeface="Arial"/>
+                <a:ea typeface="DejaVu Sans"/>
               </a:rPr>
               <a:t>Static VLAN to VNI mapping is </a:t>
             </a:r>
@@ -20128,13 +20982,21 @@
             </a:pPr>
             <a:r>
               <a:rPr b="0" lang="en-NZ" sz="1200" spc="-1" strike="noStrike">
-                <a:latin typeface="Arial"/>
+                <a:solidFill>
+                  <a:srgbClr val="000000"/>
+                </a:solidFill>
+                <a:latin typeface="Arial"/>
+                <a:ea typeface="DejaVu Sans"/>
               </a:rPr>
               <a:t>    </a:t>
             </a:r>
             <a:r>
               <a:rPr b="0" lang="en-NZ" sz="1200" spc="-1" strike="noStrike">
-                <a:latin typeface="Arial"/>
+                <a:solidFill>
+                  <a:srgbClr val="000000"/>
+                </a:solidFill>
+                <a:latin typeface="Arial"/>
+                <a:ea typeface="DejaVu Sans"/>
               </a:rPr>
               <a:t>[10, 10010]       [20, 10020]       [30, 10030]      </a:t>
             </a:r>
@@ -20151,13 +21013,21 @@
             </a:pPr>
             <a:r>
               <a:rPr b="0" lang="en-NZ" sz="1200" spc="-1" strike="noStrike">
-                <a:latin typeface="Arial"/>
+                <a:solidFill>
+                  <a:srgbClr val="000000"/>
+                </a:solidFill>
+                <a:latin typeface="Arial"/>
+                <a:ea typeface="DejaVu Sans"/>
               </a:rPr>
               <a:t>  </a:t>
             </a:r>
             <a:r>
               <a:rPr b="0" lang="en-NZ" sz="1200" spc="-1" strike="noStrike">
-                <a:latin typeface="Arial"/>
+                <a:solidFill>
+                  <a:srgbClr val="000000"/>
+                </a:solidFill>
+                <a:latin typeface="Arial"/>
+                <a:ea typeface="DejaVu Sans"/>
               </a:rPr>
               <a:t>Note: All Dynamic VLANs used by VCS are internal VLANs.</a:t>
             </a:r>
@@ -20174,13 +21044,21 @@
             </a:pPr>
             <a:r>
               <a:rPr b="0" lang="en-NZ" sz="1200" spc="-1" strike="noStrike">
-                <a:latin typeface="Arial"/>
+                <a:solidFill>
+                  <a:srgbClr val="000000"/>
+                </a:solidFill>
+                <a:latin typeface="Arial"/>
+                <a:ea typeface="DejaVu Sans"/>
               </a:rPr>
               <a:t>        </a:t>
             </a:r>
             <a:r>
               <a:rPr b="0" lang="en-NZ" sz="1200" spc="-1" strike="noStrike">
-                <a:latin typeface="Arial"/>
+                <a:solidFill>
+                  <a:srgbClr val="000000"/>
+                </a:solidFill>
+                <a:latin typeface="Arial"/>
+                <a:ea typeface="DejaVu Sans"/>
               </a:rPr>
               <a:t>Use 'show vxlan vni' for details.</a:t>
             </a:r>
@@ -20197,13 +21075,21 @@
             </a:pPr>
             <a:r>
               <a:rPr b="0" lang="en-NZ" sz="1200" spc="-1" strike="noStrike">
-                <a:latin typeface="Arial"/>
+                <a:solidFill>
+                  <a:srgbClr val="000000"/>
+                </a:solidFill>
+                <a:latin typeface="Arial"/>
+                <a:ea typeface="DejaVu Sans"/>
               </a:rPr>
               <a:t>  </a:t>
             </a:r>
             <a:r>
               <a:rPr b="0" lang="en-NZ" sz="1200" spc="-1" strike="noStrike">
-                <a:latin typeface="Arial"/>
+                <a:solidFill>
+                  <a:srgbClr val="000000"/>
+                </a:solidFill>
+                <a:latin typeface="Arial"/>
+                <a:ea typeface="DejaVu Sans"/>
               </a:rPr>
               <a:t>Static VRF to VNI mapping is not configured</a:t>
             </a:r>
@@ -20220,13 +21106,21 @@
             </a:pPr>
             <a:r>
               <a:rPr b="0" lang="en-NZ" sz="1200" spc="-1" strike="noStrike">
-                <a:latin typeface="Arial"/>
+                <a:solidFill>
+                  <a:srgbClr val="000000"/>
+                </a:solidFill>
+                <a:latin typeface="Arial"/>
+                <a:ea typeface="DejaVu Sans"/>
               </a:rPr>
               <a:t>  </a:t>
             </a:r>
             <a:r>
               <a:rPr b="0" lang="en-NZ" sz="1200" spc="-1" strike="noStrike">
-                <a:latin typeface="Arial"/>
+                <a:solidFill>
+                  <a:srgbClr val="000000"/>
+                </a:solidFill>
+                <a:latin typeface="Arial"/>
+                <a:ea typeface="DejaVu Sans"/>
               </a:rPr>
               <a:t>Headend replication flood vtep list is:</a:t>
             </a:r>
@@ -20243,13 +21137,21 @@
             </a:pPr>
             <a:r>
               <a:rPr b="0" lang="en-NZ" sz="1200" spc="-1" strike="noStrike">
-                <a:latin typeface="Arial"/>
+                <a:solidFill>
+                  <a:srgbClr val="000000"/>
+                </a:solidFill>
+                <a:latin typeface="Arial"/>
+                <a:ea typeface="DejaVu Sans"/>
               </a:rPr>
               <a:t>    </a:t>
             </a:r>
             <a:r>
               <a:rPr b="0" lang="en-NZ" sz="1200" spc="-1" strike="noStrike">
-                <a:latin typeface="Arial"/>
+                <a:solidFill>
+                  <a:srgbClr val="000000"/>
+                </a:solidFill>
+                <a:latin typeface="Arial"/>
+                <a:ea typeface="DejaVu Sans"/>
               </a:rPr>
               <a:t>10 10.2.5.0        10.2.1.0        10.3.5.0       </a:t>
             </a:r>
@@ -20266,13 +21168,21 @@
             </a:pPr>
             <a:r>
               <a:rPr b="0" lang="en-NZ" sz="1200" spc="-1" strike="noStrike">
-                <a:latin typeface="Arial"/>
+                <a:solidFill>
+                  <a:srgbClr val="000000"/>
+                </a:solidFill>
+                <a:latin typeface="Arial"/>
+                <a:ea typeface="DejaVu Sans"/>
               </a:rPr>
               <a:t>    </a:t>
             </a:r>
             <a:r>
               <a:rPr b="0" lang="en-NZ" sz="1200" spc="-1" strike="noStrike">
-                <a:latin typeface="Arial"/>
+                <a:solidFill>
+                  <a:srgbClr val="000000"/>
+                </a:solidFill>
+                <a:latin typeface="Arial"/>
+                <a:ea typeface="DejaVu Sans"/>
               </a:rPr>
               <a:t>20 10.2.5.0        10.2.1.0       </a:t>
             </a:r>
@@ -20289,13 +21199,21 @@
             </a:pPr>
             <a:r>
               <a:rPr b="0" lang="en-NZ" sz="1200" spc="-1" strike="noStrike">
-                <a:latin typeface="Arial"/>
+                <a:solidFill>
+                  <a:srgbClr val="000000"/>
+                </a:solidFill>
+                <a:latin typeface="Arial"/>
+                <a:ea typeface="DejaVu Sans"/>
               </a:rPr>
               <a:t>    </a:t>
             </a:r>
             <a:r>
               <a:rPr b="0" lang="en-NZ" sz="1200" spc="-1" strike="noStrike">
-                <a:latin typeface="Arial"/>
+                <a:solidFill>
+                  <a:srgbClr val="000000"/>
+                </a:solidFill>
+                <a:latin typeface="Arial"/>
+                <a:ea typeface="DejaVu Sans"/>
               </a:rPr>
               <a:t>30 10.2.5.0        10.2.1.0       </a:t>
             </a:r>
@@ -20312,13 +21230,21 @@
             </a:pPr>
             <a:r>
               <a:rPr b="0" lang="en-NZ" sz="1200" spc="-1" strike="noStrike">
-                <a:latin typeface="Arial"/>
+                <a:solidFill>
+                  <a:srgbClr val="000000"/>
+                </a:solidFill>
+                <a:latin typeface="Arial"/>
+                <a:ea typeface="DejaVu Sans"/>
               </a:rPr>
               <a:t>  </a:t>
             </a:r>
             <a:r>
               <a:rPr b="0" lang="en-NZ" sz="1200" spc="-1" strike="noStrike">
-                <a:latin typeface="Arial"/>
+                <a:solidFill>
+                  <a:srgbClr val="000000"/>
+                </a:solidFill>
+                <a:latin typeface="Arial"/>
+                <a:ea typeface="DejaVu Sans"/>
               </a:rPr>
               <a:t>MLAG Shared Router MAC is 0000.0000.0000</a:t>
             </a:r>
@@ -20393,7 +21319,7 @@
         <p:spPr>
           <a:xfrm>
             <a:off x="500400" y="36000"/>
-            <a:ext cx="8519040" cy="568440"/>
+            <a:ext cx="8518680" cy="568080"/>
           </a:xfrm>
           <a:prstGeom prst="rect">
             <a:avLst/>
@@ -20442,7 +21368,7 @@
         <p:spPr>
           <a:xfrm>
             <a:off x="360000" y="926280"/>
-            <a:ext cx="8458920" cy="3956760"/>
+            <a:ext cx="8458560" cy="3956400"/>
           </a:xfrm>
           <a:prstGeom prst="rect">
             <a:avLst/>
@@ -20468,7 +21394,7 @@
         <p:spPr>
           <a:xfrm>
             <a:off x="216000" y="590400"/>
-            <a:ext cx="4211640" cy="3777840"/>
+            <a:ext cx="4211280" cy="3777480"/>
           </a:xfrm>
           <a:prstGeom prst="rect">
             <a:avLst/>
@@ -20497,7 +21423,11 @@
             </a:pPr>
             <a:r>
               <a:rPr b="1" lang="en-NZ" sz="1000" spc="-1" strike="noStrike">
-                <a:latin typeface="Arial"/>
+                <a:solidFill>
+                  <a:srgbClr val="000000"/>
+                </a:solidFill>
+                <a:latin typeface="Arial"/>
+                <a:ea typeface="DejaVu Sans"/>
               </a:rPr>
               <a:t>#Пинг до VRRP IP</a:t>
             </a:r>
@@ -20525,7 +21455,11 @@
             </a:pPr>
             <a:r>
               <a:rPr b="0" lang="en-NZ" sz="1000" spc="-1" strike="noStrike">
-                <a:latin typeface="Arial"/>
+                <a:solidFill>
+                  <a:srgbClr val="000000"/>
+                </a:solidFill>
+                <a:latin typeface="Arial"/>
+                <a:ea typeface="DejaVu Sans"/>
               </a:rPr>
               <a:t>Node-0-00#ping 172.16.10.254</a:t>
             </a:r>
@@ -20542,7 +21476,11 @@
             </a:pPr>
             <a:r>
               <a:rPr b="0" lang="en-NZ" sz="1000" spc="-1" strike="noStrike">
-                <a:latin typeface="Arial"/>
+                <a:solidFill>
+                  <a:srgbClr val="000000"/>
+                </a:solidFill>
+                <a:latin typeface="Arial"/>
+                <a:ea typeface="DejaVu Sans"/>
               </a:rPr>
               <a:t>PING 172.16.10.254 (172.16.10.254) 72(100) bytes of data.</a:t>
             </a:r>
@@ -20559,7 +21497,11 @@
             </a:pPr>
             <a:r>
               <a:rPr b="0" lang="en-NZ" sz="1000" spc="-1" strike="noStrike">
-                <a:latin typeface="Arial"/>
+                <a:solidFill>
+                  <a:srgbClr val="000000"/>
+                </a:solidFill>
+                <a:latin typeface="Arial"/>
+                <a:ea typeface="DejaVu Sans"/>
               </a:rPr>
               <a:t>80 bytes from 172.16.10.254: icmp_seq=1 ttl=64 time=1484 ms</a:t>
             </a:r>
@@ -20576,7 +21518,11 @@
             </a:pPr>
             <a:r>
               <a:rPr b="0" lang="en-NZ" sz="1000" spc="-1" strike="noStrike">
-                <a:latin typeface="Arial"/>
+                <a:solidFill>
+                  <a:srgbClr val="000000"/>
+                </a:solidFill>
+                <a:latin typeface="Arial"/>
+                <a:ea typeface="DejaVu Sans"/>
               </a:rPr>
               <a:t>80 bytes from 172.16.10.254: icmp_seq=2 ttl=64 time=1458 ms</a:t>
             </a:r>
@@ -20593,7 +21539,11 @@
             </a:pPr>
             <a:r>
               <a:rPr b="0" lang="en-NZ" sz="1000" spc="-1" strike="noStrike">
-                <a:latin typeface="Arial"/>
+                <a:solidFill>
+                  <a:srgbClr val="000000"/>
+                </a:solidFill>
+                <a:latin typeface="Arial"/>
+                <a:ea typeface="DejaVu Sans"/>
               </a:rPr>
               <a:t>80 bytes from 172.16.10.254: icmp_seq=3 ttl=64 time=1524 ms</a:t>
             </a:r>
@@ -20610,7 +21560,11 @@
             </a:pPr>
             <a:r>
               <a:rPr b="0" lang="en-NZ" sz="1000" spc="-1" strike="noStrike">
-                <a:latin typeface="Arial"/>
+                <a:solidFill>
+                  <a:srgbClr val="000000"/>
+                </a:solidFill>
+                <a:latin typeface="Arial"/>
+                <a:ea typeface="DejaVu Sans"/>
               </a:rPr>
               <a:t>80 bytes from 172.16.10.254: icmp_seq=4 ttl=64 time=1549 ms</a:t>
             </a:r>
@@ -20627,7 +21581,11 @@
             </a:pPr>
             <a:r>
               <a:rPr b="0" lang="en-NZ" sz="1000" spc="-1" strike="noStrike">
-                <a:latin typeface="Arial"/>
+                <a:solidFill>
+                  <a:srgbClr val="000000"/>
+                </a:solidFill>
+                <a:latin typeface="Arial"/>
+                <a:ea typeface="DejaVu Sans"/>
               </a:rPr>
               <a:t>80 bytes from 172.16.10.254: icmp_seq=5 ttl=64 time=1618 ms</a:t>
             </a:r>
@@ -20666,7 +21624,11 @@
             </a:pPr>
             <a:r>
               <a:rPr b="1" lang="en-NZ" sz="1000" spc="-1" strike="noStrike">
-                <a:latin typeface="Arial"/>
+                <a:solidFill>
+                  <a:srgbClr val="000000"/>
+                </a:solidFill>
+                <a:latin typeface="Arial"/>
+                <a:ea typeface="DejaVu Sans"/>
               </a:rPr>
               <a:t>#Пинг до соседей в mgmt (vlan 10)</a:t>
             </a:r>
@@ -20694,7 +21656,11 @@
             </a:pPr>
             <a:r>
               <a:rPr b="0" lang="en-NZ" sz="1000" spc="-1" strike="noStrike">
-                <a:latin typeface="Arial"/>
+                <a:solidFill>
+                  <a:srgbClr val="000000"/>
+                </a:solidFill>
+                <a:latin typeface="Arial"/>
+                <a:ea typeface="DejaVu Sans"/>
               </a:rPr>
               <a:t>Node-0-00#ping 172.16.10.2</a:t>
             </a:r>
@@ -20711,7 +21677,11 @@
             </a:pPr>
             <a:r>
               <a:rPr b="0" lang="en-NZ" sz="1000" spc="-1" strike="noStrike">
-                <a:latin typeface="Arial"/>
+                <a:solidFill>
+                  <a:srgbClr val="000000"/>
+                </a:solidFill>
+                <a:latin typeface="Arial"/>
+                <a:ea typeface="DejaVu Sans"/>
               </a:rPr>
               <a:t>PING 172.16.10.2 (172.16.10.2) 72(100) bytes of data.</a:t>
             </a:r>
@@ -20728,7 +21698,11 @@
             </a:pPr>
             <a:r>
               <a:rPr b="0" lang="en-NZ" sz="1000" spc="-1" strike="noStrike">
-                <a:latin typeface="Arial"/>
+                <a:solidFill>
+                  <a:srgbClr val="000000"/>
+                </a:solidFill>
+                <a:latin typeface="Arial"/>
+                <a:ea typeface="DejaVu Sans"/>
               </a:rPr>
               <a:t>80 bytes from 172.16.10.2: icmp_seq=1 ttl=64 time=550 ms</a:t>
             </a:r>
@@ -20745,7 +21719,11 @@
             </a:pPr>
             <a:r>
               <a:rPr b="0" lang="en-NZ" sz="1000" spc="-1" strike="noStrike">
-                <a:latin typeface="Arial"/>
+                <a:solidFill>
+                  <a:srgbClr val="000000"/>
+                </a:solidFill>
+                <a:latin typeface="Arial"/>
+                <a:ea typeface="DejaVu Sans"/>
               </a:rPr>
               <a:t>80 bytes from 172.16.10.2: icmp_seq=2 ttl=64 time=555 ms</a:t>
             </a:r>
@@ -20762,7 +21740,11 @@
             </a:pPr>
             <a:r>
               <a:rPr b="0" lang="en-NZ" sz="1000" spc="-1" strike="noStrike">
-                <a:latin typeface="Arial"/>
+                <a:solidFill>
+                  <a:srgbClr val="000000"/>
+                </a:solidFill>
+                <a:latin typeface="Arial"/>
+                <a:ea typeface="DejaVu Sans"/>
               </a:rPr>
               <a:t>80 bytes from 172.16.10.2: icmp_seq=3 ttl=64 time=705 ms</a:t>
             </a:r>
@@ -20779,7 +21761,11 @@
             </a:pPr>
             <a:r>
               <a:rPr b="0" lang="en-NZ" sz="1000" spc="-1" strike="noStrike">
-                <a:latin typeface="Arial"/>
+                <a:solidFill>
+                  <a:srgbClr val="000000"/>
+                </a:solidFill>
+                <a:latin typeface="Arial"/>
+                <a:ea typeface="DejaVu Sans"/>
               </a:rPr>
               <a:t>80 bytes from 172.16.10.2: icmp_seq=4 ttl=64 time=705 ms</a:t>
             </a:r>
@@ -20796,7 +21782,11 @@
             </a:pPr>
             <a:r>
               <a:rPr b="0" lang="en-NZ" sz="1000" spc="-1" strike="noStrike">
-                <a:latin typeface="Arial"/>
+                <a:solidFill>
+                  <a:srgbClr val="000000"/>
+                </a:solidFill>
+                <a:latin typeface="Arial"/>
+                <a:ea typeface="DejaVu Sans"/>
               </a:rPr>
               <a:t>80 bytes from 172.16.10.2: icmp_seq=5 ttl=64 time=772 ms</a:t>
             </a:r>
@@ -20824,7 +21814,11 @@
             </a:pPr>
             <a:r>
               <a:rPr b="0" lang="en-NZ" sz="1000" spc="-1" strike="noStrike">
-                <a:latin typeface="Arial"/>
+                <a:solidFill>
+                  <a:srgbClr val="000000"/>
+                </a:solidFill>
+                <a:latin typeface="Arial"/>
+                <a:ea typeface="DejaVu Sans"/>
               </a:rPr>
               <a:t>--- 172.16.10.2 ping statistics ---</a:t>
             </a:r>
@@ -20841,7 +21835,11 @@
             </a:pPr>
             <a:r>
               <a:rPr b="0" lang="en-NZ" sz="1000" spc="-1" strike="noStrike">
-                <a:latin typeface="Arial"/>
+                <a:solidFill>
+                  <a:srgbClr val="000000"/>
+                </a:solidFill>
+                <a:latin typeface="Arial"/>
+                <a:ea typeface="DejaVu Sans"/>
               </a:rPr>
               <a:t>5 packets transmitted, 5 received, 0% packet loss, time 101ms</a:t>
             </a:r>
@@ -20858,7 +21856,11 @@
             </a:pPr>
             <a:r>
               <a:rPr b="0" lang="en-NZ" sz="1000" spc="-1" strike="noStrike">
-                <a:latin typeface="Arial"/>
+                <a:solidFill>
+                  <a:srgbClr val="000000"/>
+                </a:solidFill>
+                <a:latin typeface="Arial"/>
+                <a:ea typeface="DejaVu Sans"/>
               </a:rPr>
               <a:t>rtt min/avg/max/mdev = 550.458/658.009/772.340/89.020 ms, pipe 5, ipg/ewma 25.309/610.483 ms</a:t>
             </a:r>
@@ -20888,7 +21890,7 @@
         <p:spPr>
           <a:xfrm>
             <a:off x="4996440" y="604800"/>
-            <a:ext cx="3823200" cy="2217600"/>
+            <a:ext cx="3822840" cy="2217240"/>
           </a:xfrm>
           <a:prstGeom prst="rect">
             <a:avLst/>
@@ -20917,7 +21919,11 @@
             </a:pPr>
             <a:r>
               <a:rPr b="1" lang="en-NZ" sz="1000" spc="-1" strike="noStrike">
-                <a:latin typeface="Arial"/>
+                <a:solidFill>
+                  <a:srgbClr val="000000"/>
+                </a:solidFill>
+                <a:latin typeface="Arial"/>
+                <a:ea typeface="DejaVu Sans"/>
               </a:rPr>
               <a:t>#Ping до соседей в VLAN 20 (Internal) VLAN 30 (DMZ)</a:t>
             </a:r>
@@ -20945,7 +21951,11 @@
             </a:pPr>
             <a:r>
               <a:rPr b="0" lang="en-NZ" sz="1000" spc="-1" strike="noStrike">
-                <a:latin typeface="Arial"/>
+                <a:solidFill>
+                  <a:srgbClr val="000000"/>
+                </a:solidFill>
+                <a:latin typeface="Arial"/>
+                <a:ea typeface="DejaVu Sans"/>
               </a:rPr>
               <a:t>Node-0-00#ping 172.16.20.2</a:t>
             </a:r>
@@ -20962,7 +21972,11 @@
             </a:pPr>
             <a:r>
               <a:rPr b="0" lang="en-NZ" sz="1000" spc="-1" strike="noStrike">
-                <a:latin typeface="Arial"/>
+                <a:solidFill>
+                  <a:srgbClr val="000000"/>
+                </a:solidFill>
+                <a:latin typeface="Arial"/>
+                <a:ea typeface="DejaVu Sans"/>
               </a:rPr>
               <a:t>PING 172.16.20.2 (172.16.20.2) 72(100) bytes of data.</a:t>
             </a:r>
@@ -20990,7 +22004,11 @@
             </a:pPr>
             <a:r>
               <a:rPr b="0" lang="en-NZ" sz="1000" spc="-1" strike="noStrike">
-                <a:latin typeface="Arial"/>
+                <a:solidFill>
+                  <a:srgbClr val="000000"/>
+                </a:solidFill>
+                <a:latin typeface="Arial"/>
+                <a:ea typeface="DejaVu Sans"/>
               </a:rPr>
               <a:t>--- 172.16.20.2 ping statistics ---</a:t>
             </a:r>
@@ -21007,7 +22025,11 @@
             </a:pPr>
             <a:r>
               <a:rPr b="0" lang="en-NZ" sz="1000" spc="-1" strike="noStrike">
-                <a:latin typeface="Arial"/>
+                <a:solidFill>
+                  <a:srgbClr val="000000"/>
+                </a:solidFill>
+                <a:latin typeface="Arial"/>
+                <a:ea typeface="DejaVu Sans"/>
               </a:rPr>
               <a:t>5 packets transmitted, 0 received, 100% packet loss, time 66ms</a:t>
             </a:r>
@@ -21035,7 +22057,11 @@
             </a:pPr>
             <a:r>
               <a:rPr b="0" lang="en-NZ" sz="1000" spc="-1" strike="noStrike">
-                <a:latin typeface="Arial"/>
+                <a:solidFill>
+                  <a:srgbClr val="000000"/>
+                </a:solidFill>
+                <a:latin typeface="Arial"/>
+                <a:ea typeface="DejaVu Sans"/>
               </a:rPr>
               <a:t>Node-0-00#ping 172.16.30.2</a:t>
             </a:r>
@@ -21052,7 +22078,11 @@
             </a:pPr>
             <a:r>
               <a:rPr b="0" lang="en-NZ" sz="1000" spc="-1" strike="noStrike">
-                <a:latin typeface="Arial"/>
+                <a:solidFill>
+                  <a:srgbClr val="000000"/>
+                </a:solidFill>
+                <a:latin typeface="Arial"/>
+                <a:ea typeface="DejaVu Sans"/>
               </a:rPr>
               <a:t>PING 172.16.30.2 (172.16.30.2) 72(100) bytes of data.</a:t>
             </a:r>
@@ -21080,7 +22110,11 @@
             </a:pPr>
             <a:r>
               <a:rPr b="0" lang="en-NZ" sz="1000" spc="-1" strike="noStrike">
-                <a:latin typeface="Arial"/>
+                <a:solidFill>
+                  <a:srgbClr val="000000"/>
+                </a:solidFill>
+                <a:latin typeface="Arial"/>
+                <a:ea typeface="DejaVu Sans"/>
               </a:rPr>
               <a:t>--- 172.16.30.2 ping statistics ---</a:t>
             </a:r>
@@ -21097,7 +22131,11 @@
             </a:pPr>
             <a:r>
               <a:rPr b="0" lang="en-NZ" sz="1000" spc="-1" strike="noStrike">
-                <a:latin typeface="Arial"/>
+                <a:solidFill>
+                  <a:srgbClr val="000000"/>
+                </a:solidFill>
+                <a:latin typeface="Arial"/>
+                <a:ea typeface="DejaVu Sans"/>
               </a:rPr>
               <a:t>5 packets transmitted, 0 received, 100% packet loss, time 69ms</a:t>
             </a:r>
@@ -21125,7 +22163,11 @@
             </a:pPr>
             <a:r>
               <a:rPr b="0" lang="en-NZ" sz="1000" spc="-1" strike="noStrike">
-                <a:latin typeface="Arial"/>
+                <a:solidFill>
+                  <a:srgbClr val="000000"/>
+                </a:solidFill>
+                <a:latin typeface="Arial"/>
+                <a:ea typeface="DejaVu Sans"/>
               </a:rPr>
               <a:t>Node-0-00#</a:t>
             </a:r>
@@ -21178,7 +22220,7 @@
         <p:spPr>
           <a:xfrm>
             <a:off x="480600" y="330840"/>
-            <a:ext cx="8519040" cy="748800"/>
+            <a:ext cx="8518680" cy="748440"/>
           </a:xfrm>
           <a:prstGeom prst="rect">
             <a:avLst/>
@@ -21227,7 +22269,7 @@
         <p:spPr>
           <a:xfrm>
             <a:off x="180000" y="1225440"/>
-            <a:ext cx="8819640" cy="3377520"/>
+            <a:ext cx="8819280" cy="3377160"/>
           </a:xfrm>
           <a:prstGeom prst="rect">
             <a:avLst/>
@@ -21256,147 +22298,119 @@
             </a:pPr>
             <a:r>
               <a:rPr b="0" lang="en-NZ" sz="1800" spc="-1" strike="noStrike">
-                <a:latin typeface="Arial"/>
+                <a:solidFill>
+                  <a:srgbClr val="000000"/>
+                </a:solidFill>
+                <a:latin typeface="Arial"/>
+                <a:ea typeface="DejaVu Sans"/>
               </a:rPr>
               <a:t> </a:t>
             </a:r>
             <a:r>
               <a:rPr b="0" lang="en-NZ" sz="1800" spc="-1" strike="noStrike">
-                <a:latin typeface="Arial"/>
-              </a:rPr>
-              <a:t>1. Выяснилось, что OSPF в связи с меньшей гибкость, по </a:t>
-            </a:r>
+                <a:solidFill>
+                  <a:srgbClr val="000000"/>
+                </a:solidFill>
+                <a:latin typeface="Arial"/>
+                <a:ea typeface="DejaVu Sans"/>
+              </a:rPr>
+              <a:t>1. Выяснилось, что OSPF в связи с меньшей гибкость, по сравнению с BGP меньше подходит для крупных ЦОД в связи с большой   таблицей маршрутизацией и риском израсходования TCAM</a:t>
+            </a:r>
+            <a:endParaRPr b="0" lang="en-NZ" sz="1800" spc="-1" strike="noStrike">
+              <a:latin typeface="Arial"/>
+            </a:endParaRPr>
+          </a:p>
+          <a:p>
+            <a:pPr>
+              <a:lnSpc>
+                <a:spcPct val="100000"/>
+              </a:lnSpc>
+              <a:buNone/>
+            </a:pPr>
+            <a:endParaRPr b="0" lang="en-NZ" sz="1800" spc="-1" strike="noStrike">
+              <a:latin typeface="Arial"/>
+            </a:endParaRPr>
+          </a:p>
+          <a:p>
+            <a:pPr>
+              <a:lnSpc>
+                <a:spcPct val="100000"/>
+              </a:lnSpc>
+              <a:buNone/>
+            </a:pPr>
             <a:r>
               <a:rPr b="0" lang="en-NZ" sz="1800" spc="-1" strike="noStrike">
-                <a:latin typeface="Arial"/>
-              </a:rPr>
-              <a:t>сравнению с BGP меньше подходит для крупных ЦОД в </a:t>
-            </a:r>
+                <a:solidFill>
+                  <a:srgbClr val="000000"/>
+                </a:solidFill>
+                <a:latin typeface="Arial"/>
+                <a:ea typeface="DejaVu Sans"/>
+              </a:rPr>
+              <a:t>2. Проект занял несколько недель. Пытался его как можно сильнее адаптировать к реальным задачам</a:t>
+            </a:r>
+            <a:endParaRPr b="0" lang="en-NZ" sz="1800" spc="-1" strike="noStrike">
+              <a:latin typeface="Arial"/>
+            </a:endParaRPr>
+          </a:p>
+          <a:p>
+            <a:pPr>
+              <a:lnSpc>
+                <a:spcPct val="100000"/>
+              </a:lnSpc>
+              <a:buNone/>
+            </a:pPr>
+            <a:endParaRPr b="0" lang="en-NZ" sz="1800" spc="-1" strike="noStrike">
+              <a:latin typeface="Arial"/>
+            </a:endParaRPr>
+          </a:p>
+          <a:p>
+            <a:pPr>
+              <a:lnSpc>
+                <a:spcPct val="100000"/>
+              </a:lnSpc>
+              <a:buNone/>
+            </a:pPr>
             <a:r>
               <a:rPr b="0" lang="en-NZ" sz="1800" spc="-1" strike="noStrike">
-                <a:latin typeface="Arial"/>
-              </a:rPr>
-              <a:t>связи с большой   таблицей маршрутизацией и риском </a:t>
-            </a:r>
+                <a:solidFill>
+                  <a:srgbClr val="000000"/>
+                </a:solidFill>
+                <a:latin typeface="Arial"/>
+                <a:ea typeface="DejaVu Sans"/>
+              </a:rPr>
+              <a:t>3. Полезными оказался ня 10 из 10, много чего нового узнал</a:t>
+            </a:r>
+            <a:endParaRPr b="0" lang="en-NZ" sz="1800" spc="-1" strike="noStrike">
+              <a:latin typeface="Arial"/>
+            </a:endParaRPr>
+          </a:p>
+          <a:p>
+            <a:pPr>
+              <a:lnSpc>
+                <a:spcPct val="100000"/>
+              </a:lnSpc>
+              <a:buNone/>
+            </a:pPr>
+            <a:endParaRPr b="0" lang="en-NZ" sz="1800" spc="-1" strike="noStrike">
+              <a:latin typeface="Arial"/>
+            </a:endParaRPr>
+          </a:p>
+          <a:p>
+            <a:pPr>
+              <a:lnSpc>
+                <a:spcPct val="100000"/>
+              </a:lnSpc>
+              <a:buNone/>
+            </a:pPr>
             <a:r>
               <a:rPr b="0" lang="en-NZ" sz="1800" spc="-1" strike="noStrike">
-                <a:latin typeface="Arial"/>
-              </a:rPr>
-              <a:t>израсходования TCAM</a:t>
-            </a:r>
-            <a:endParaRPr b="0" lang="en-NZ" sz="1800" spc="-1" strike="noStrike">
-              <a:latin typeface="Arial"/>
-            </a:endParaRPr>
-          </a:p>
-          <a:p>
-            <a:pPr>
-              <a:lnSpc>
-                <a:spcPct val="100000"/>
-              </a:lnSpc>
-              <a:buNone/>
-            </a:pPr>
-            <a:endParaRPr b="0" lang="en-NZ" sz="1800" spc="-1" strike="noStrike">
-              <a:latin typeface="Arial"/>
-            </a:endParaRPr>
-          </a:p>
-          <a:p>
-            <a:pPr>
-              <a:lnSpc>
-                <a:spcPct val="100000"/>
-              </a:lnSpc>
-              <a:buNone/>
-            </a:pPr>
-            <a:r>
-              <a:rPr b="0" lang="en-NZ" sz="1800" spc="-1" strike="noStrike">
-                <a:latin typeface="Arial"/>
-              </a:rPr>
-              <a:t>2. </a:t>
-            </a:r>
-            <a:r>
-              <a:rPr b="0" lang="en-NZ" sz="1800" spc="-1" strike="noStrike">
-                <a:latin typeface="Arial"/>
-              </a:rPr>
-              <a:t>Проект занял несколько недель. Пытался его как можно </a:t>
-            </a:r>
-            <a:r>
-              <a:rPr b="0" lang="en-NZ" sz="1800" spc="-1" strike="noStrike">
-                <a:latin typeface="Arial"/>
-              </a:rPr>
-              <a:t>сильнее адаптировать к реальным задачам</a:t>
-            </a:r>
-            <a:endParaRPr b="0" lang="en-NZ" sz="1800" spc="-1" strike="noStrike">
-              <a:latin typeface="Arial"/>
-            </a:endParaRPr>
-          </a:p>
-          <a:p>
-            <a:pPr>
-              <a:lnSpc>
-                <a:spcPct val="100000"/>
-              </a:lnSpc>
-              <a:buNone/>
-            </a:pPr>
-            <a:endParaRPr b="0" lang="en-NZ" sz="1800" spc="-1" strike="noStrike">
-              <a:latin typeface="Arial"/>
-            </a:endParaRPr>
-          </a:p>
-          <a:p>
-            <a:pPr>
-              <a:lnSpc>
-                <a:spcPct val="100000"/>
-              </a:lnSpc>
-              <a:buNone/>
-            </a:pPr>
-            <a:r>
-              <a:rPr b="0" lang="en-NZ" sz="1800" spc="-1" strike="noStrike">
-                <a:latin typeface="Arial"/>
-              </a:rPr>
-              <a:t>3. Полезными оказался ня </a:t>
-            </a:r>
-            <a:r>
-              <a:rPr b="0" lang="en-NZ" sz="1800" spc="-1" strike="noStrike">
-                <a:latin typeface="Arial"/>
-              </a:rPr>
-              <a:t>10 из 10, много чего нового узнал</a:t>
-            </a:r>
-            <a:endParaRPr b="0" lang="en-NZ" sz="1800" spc="-1" strike="noStrike">
-              <a:latin typeface="Arial"/>
-            </a:endParaRPr>
-          </a:p>
-          <a:p>
-            <a:pPr>
-              <a:lnSpc>
-                <a:spcPct val="100000"/>
-              </a:lnSpc>
-              <a:buNone/>
-            </a:pPr>
-            <a:endParaRPr b="0" lang="en-NZ" sz="1800" spc="-1" strike="noStrike">
-              <a:latin typeface="Arial"/>
-            </a:endParaRPr>
-          </a:p>
-          <a:p>
-            <a:pPr>
-              <a:lnSpc>
-                <a:spcPct val="100000"/>
-              </a:lnSpc>
-              <a:buNone/>
-            </a:pPr>
-            <a:r>
-              <a:rPr b="0" lang="en-NZ" sz="1800" spc="-1" strike="noStrike">
-                <a:latin typeface="Arial"/>
-              </a:rPr>
-              <a:t>4. </a:t>
-            </a:r>
-            <a:r>
-              <a:rPr b="0" lang="en-NZ" sz="1800" spc="-1" strike="noStrike">
-                <a:latin typeface="Arial"/>
-              </a:rPr>
-              <a:t>На ближаешее время буду собирать новый ЦОД а также </a:t>
-            </a:r>
-            <a:r>
-              <a:rPr b="0" lang="en-NZ" sz="1800" spc="-1" strike="noStrike">
-                <a:latin typeface="Arial"/>
-              </a:rPr>
-              <a:t>расширять применение VxLAN в сети провайдера</a:t>
+                <a:solidFill>
+                  <a:srgbClr val="000000"/>
+                </a:solidFill>
+                <a:latin typeface="Arial"/>
+                <a:ea typeface="DejaVu Sans"/>
+              </a:rPr>
+              <a:t>4. На ближаешее время буду собирать новый ЦОД а также расширять применение VxLAN в сети провайдера</a:t>
             </a:r>
             <a:endParaRPr b="0" lang="en-NZ" sz="1800" spc="-1" strike="noStrike">
               <a:latin typeface="Arial"/>
@@ -21448,7 +22462,7 @@
         <p:spPr>
           <a:xfrm>
             <a:off x="-75960" y="0"/>
-            <a:ext cx="9407160" cy="5142240"/>
+            <a:ext cx="9406800" cy="5141880"/>
           </a:xfrm>
           <a:prstGeom prst="rect">
             <a:avLst/>
@@ -21467,7 +22481,7 @@
         <p:spPr>
           <a:xfrm>
             <a:off x="387000" y="1844640"/>
-            <a:ext cx="7583040" cy="1279080"/>
+            <a:ext cx="7582680" cy="1279080"/>
           </a:xfrm>
           <a:prstGeom prst="rect">
             <a:avLst/>
@@ -21522,7 +22536,7 @@
         <p:spPr>
           <a:xfrm>
             <a:off x="1214640" y="3061800"/>
-            <a:ext cx="1926000" cy="639000"/>
+            <a:ext cx="1925640" cy="639000"/>
           </a:xfrm>
           <a:prstGeom prst="rect">
             <a:avLst/>
@@ -21577,7 +22591,7 @@
         <p:spPr>
           <a:xfrm>
             <a:off x="4934880" y="3061800"/>
-            <a:ext cx="2144520" cy="410760"/>
+            <a:ext cx="2144160" cy="410760"/>
           </a:xfrm>
           <a:prstGeom prst="rect">
             <a:avLst/>
@@ -21632,7 +22646,7 @@
         <p:spPr>
           <a:xfrm>
             <a:off x="722880" y="2846520"/>
-            <a:ext cx="490320" cy="837720"/>
+            <a:ext cx="489960" cy="837720"/>
           </a:xfrm>
           <a:prstGeom prst="rect">
             <a:avLst/>
@@ -21687,7 +22701,7 @@
         <p:spPr>
           <a:xfrm>
             <a:off x="4443480" y="2846520"/>
-            <a:ext cx="490320" cy="837720"/>
+            <a:ext cx="489960" cy="837720"/>
           </a:xfrm>
           <a:prstGeom prst="rect">
             <a:avLst/>
@@ -21742,9 +22756,9 @@
         <p:grpSpPr>
           <a:xfrm>
             <a:off x="5573520" y="528480"/>
-            <a:ext cx="3354840" cy="1251720"/>
+            <a:ext cx="3354480" cy="1251720"/>
             <a:chOff x="5573520" y="528480"/>
-            <a:chExt cx="3354840" cy="1251720"/>
+            <a:chExt cx="3354480" cy="1251720"/>
           </a:xfrm>
         </p:grpSpPr>
         <p:pic>
@@ -21760,7 +22774,7 @@
           <p:spPr>
             <a:xfrm>
               <a:off x="5573520" y="528480"/>
-              <a:ext cx="3354840" cy="1235160"/>
+              <a:ext cx="3354480" cy="1234800"/>
             </a:xfrm>
             <a:prstGeom prst="rect">
               <a:avLst/>
@@ -21786,7 +22800,7 @@
           <p:spPr>
             <a:xfrm>
               <a:off x="6077880" y="685080"/>
-              <a:ext cx="2678040" cy="1095120"/>
+              <a:ext cx="2677680" cy="1095120"/>
             </a:xfrm>
             <a:prstGeom prst="rect">
               <a:avLst/>
@@ -21880,7 +22894,7 @@
         <p:spPr>
           <a:xfrm>
             <a:off x="-75960" y="0"/>
-            <a:ext cx="9218520" cy="5142240"/>
+            <a:ext cx="9218160" cy="5141880"/>
           </a:xfrm>
           <a:prstGeom prst="rect">
             <a:avLst/>
@@ -21903,7 +22917,7 @@
         <p:spPr>
           <a:xfrm>
             <a:off x="628920" y="1932480"/>
-            <a:ext cx="7293600" cy="1954800"/>
+            <a:ext cx="7293240" cy="1954440"/>
           </a:xfrm>
           <a:prstGeom prst="rect">
             <a:avLst/>
@@ -21956,7 +22970,7 @@
         <p:spPr>
           <a:xfrm>
             <a:off x="7328160" y="1616760"/>
-            <a:ext cx="594720" cy="594720"/>
+            <a:ext cx="594360" cy="594360"/>
           </a:xfrm>
           <a:prstGeom prst="rect">
             <a:avLst/>
@@ -22009,7 +23023,7 @@
         <p:spPr>
           <a:xfrm>
             <a:off x="744120" y="1422720"/>
-            <a:ext cx="7934040" cy="1401120"/>
+            <a:ext cx="7933680" cy="1400760"/>
           </a:xfrm>
           <a:prstGeom prst="rect">
             <a:avLst/>
@@ -22086,7 +23100,7 @@
         <p:spPr>
           <a:xfrm>
             <a:off x="1544040" y="3841200"/>
-            <a:ext cx="544320" cy="544320"/>
+            <a:ext cx="543960" cy="543960"/>
           </a:xfrm>
           <a:prstGeom prst="rect">
             <a:avLst/>
@@ -22109,7 +23123,7 @@
         <p:spPr>
           <a:xfrm>
             <a:off x="825480" y="3890880"/>
-            <a:ext cx="535680" cy="535680"/>
+            <a:ext cx="535320" cy="535320"/>
           </a:xfrm>
           <a:prstGeom prst="rect">
             <a:avLst/>
@@ -22162,7 +23176,7 @@
         <p:spPr>
           <a:xfrm>
             <a:off x="360000" y="180000"/>
-            <a:ext cx="8519040" cy="1840320"/>
+            <a:ext cx="8518680" cy="1839960"/>
           </a:xfrm>
           <a:prstGeom prst="rect">
             <a:avLst/>
@@ -22246,7 +23260,7 @@
         <p:spPr>
           <a:xfrm>
             <a:off x="4743720" y="3780000"/>
-            <a:ext cx="3700440" cy="374400"/>
+            <a:ext cx="3700080" cy="374040"/>
           </a:xfrm>
           <a:prstGeom prst="rect">
             <a:avLst/>
@@ -22284,7 +23298,7 @@
                 <a:latin typeface="Roboto"/>
                 <a:ea typeface="Roboto"/>
               </a:rPr>
-              <a:t>Еналиев Камиль</a:t>
+              <a:t>Николай </a:t>
             </a:r>
             <a:endParaRPr b="0" lang="en-NZ" sz="2300" spc="-1" strike="noStrike">
               <a:latin typeface="Arial"/>
@@ -22301,7 +23315,7 @@
         <p:spPr>
           <a:xfrm>
             <a:off x="4779720" y="4154400"/>
-            <a:ext cx="2096280" cy="420120"/>
+            <a:ext cx="2095920" cy="420120"/>
           </a:xfrm>
           <a:prstGeom prst="rect">
             <a:avLst/>
@@ -22390,7 +23404,7 @@
         <p:spPr>
           <a:xfrm>
             <a:off x="538560" y="348840"/>
-            <a:ext cx="8519040" cy="1040760"/>
+            <a:ext cx="8518680" cy="1040400"/>
           </a:xfrm>
           <a:prstGeom prst="rect">
             <a:avLst/>
@@ -22439,7 +23453,7 @@
         <p:spPr>
           <a:xfrm>
             <a:off x="1137960" y="1491480"/>
-            <a:ext cx="3383640" cy="374760"/>
+            <a:ext cx="3383280" cy="374400"/>
           </a:xfrm>
           <a:prstGeom prst="roundRect">
             <a:avLst>
@@ -22467,7 +23481,7 @@
           <a:fontRef idx="minor"/>
         </p:style>
         <p:txBody>
-          <a:bodyPr lIns="162000" rIns="162000" tIns="339120" bIns="339120" anchor="ctr">
+          <a:bodyPr lIns="162000" rIns="162000" tIns="338400" bIns="338400" anchor="ctr">
             <a:noAutofit/>
           </a:bodyPr>
           <a:p>
@@ -22505,7 +23519,7 @@
         <p:spPr>
           <a:xfrm>
             <a:off x="1137960" y="2071440"/>
-            <a:ext cx="3383640" cy="374760"/>
+            <a:ext cx="3383280" cy="374400"/>
           </a:xfrm>
           <a:prstGeom prst="roundRect">
             <a:avLst>
@@ -22533,7 +23547,7 @@
           <a:fontRef idx="minor"/>
         </p:style>
         <p:txBody>
-          <a:bodyPr lIns="162000" rIns="162000" tIns="339120" bIns="339120" anchor="ctr">
+          <a:bodyPr lIns="162000" rIns="162000" tIns="338400" bIns="338400" anchor="ctr">
             <a:noAutofit/>
           </a:bodyPr>
           <a:p>
@@ -22571,7 +23585,7 @@
         <p:spPr>
           <a:xfrm>
             <a:off x="1137960" y="2651760"/>
-            <a:ext cx="3383640" cy="374760"/>
+            <a:ext cx="3383280" cy="374400"/>
           </a:xfrm>
           <a:prstGeom prst="roundRect">
             <a:avLst>
@@ -22599,7 +23613,7 @@
           <a:fontRef idx="minor"/>
         </p:style>
         <p:txBody>
-          <a:bodyPr lIns="162000" rIns="162000" tIns="339120" bIns="339120" anchor="ctr">
+          <a:bodyPr lIns="162000" rIns="162000" tIns="338400" bIns="338400" anchor="ctr">
             <a:noAutofit/>
           </a:bodyPr>
           <a:p>
@@ -22637,7 +23651,7 @@
         <p:spPr>
           <a:xfrm>
             <a:off x="1137960" y="3246120"/>
-            <a:ext cx="3383640" cy="374760"/>
+            <a:ext cx="3383280" cy="374400"/>
           </a:xfrm>
           <a:prstGeom prst="roundRect">
             <a:avLst>
@@ -22665,7 +23679,7 @@
           <a:fontRef idx="minor"/>
         </p:style>
         <p:txBody>
-          <a:bodyPr lIns="162000" rIns="162000" tIns="339120" bIns="339120" anchor="ctr">
+          <a:bodyPr lIns="162000" rIns="162000" tIns="338400" bIns="338400" anchor="ctr">
             <a:noAutofit/>
           </a:bodyPr>
           <a:p>
@@ -22703,7 +23717,7 @@
         <p:spPr>
           <a:xfrm>
             <a:off x="1137960" y="1679400"/>
-            <a:ext cx="360" cy="578880"/>
+            <a:ext cx="360" cy="578520"/>
           </a:xfrm>
           <a:prstGeom prst="bentConnector3">
             <a:avLst>
@@ -22735,7 +23749,7 @@
         <p:spPr>
           <a:xfrm>
             <a:off x="1137960" y="2259720"/>
-            <a:ext cx="360" cy="578880"/>
+            <a:ext cx="360" cy="578520"/>
           </a:xfrm>
           <a:prstGeom prst="bentConnector3">
             <a:avLst>
@@ -22767,7 +23781,7 @@
         <p:spPr>
           <a:xfrm>
             <a:off x="1137960" y="2839680"/>
-            <a:ext cx="360" cy="593280"/>
+            <a:ext cx="360" cy="592920"/>
           </a:xfrm>
           <a:prstGeom prst="bentConnector3">
             <a:avLst>
@@ -22799,7 +23813,7 @@
         <p:spPr>
           <a:xfrm>
             <a:off x="1137960" y="3434400"/>
-            <a:ext cx="360" cy="525240"/>
+            <a:ext cx="360" cy="524880"/>
           </a:xfrm>
           <a:prstGeom prst="bentConnector3">
             <a:avLst>
@@ -22831,7 +23845,7 @@
         <p:spPr>
           <a:xfrm>
             <a:off x="1137960" y="3772800"/>
-            <a:ext cx="3383640" cy="374760"/>
+            <a:ext cx="3383280" cy="374400"/>
           </a:xfrm>
           <a:prstGeom prst="roundRect">
             <a:avLst>
@@ -22859,7 +23873,7 @@
           <a:fontRef idx="minor"/>
         </p:style>
         <p:txBody>
-          <a:bodyPr lIns="162000" rIns="162000" tIns="339120" bIns="339120" anchor="ctr">
+          <a:bodyPr lIns="162000" rIns="162000" tIns="338400" bIns="338400" anchor="ctr">
             <a:noAutofit/>
           </a:bodyPr>
           <a:p>
@@ -22927,7 +23941,7 @@
         <p:spPr>
           <a:xfrm>
             <a:off x="560520" y="324720"/>
-            <a:ext cx="8519040" cy="1304640"/>
+            <a:ext cx="8518680" cy="1304280"/>
           </a:xfrm>
           <a:prstGeom prst="rect">
             <a:avLst/>
@@ -22982,7 +23996,7 @@
         <p:spPr>
           <a:xfrm>
             <a:off x="360720" y="1766880"/>
-            <a:ext cx="8458920" cy="2012760"/>
+            <a:ext cx="8458560" cy="2012400"/>
           </a:xfrm>
           <a:prstGeom prst="rect">
             <a:avLst/>
@@ -23221,7 +24235,7 @@
         <p:spPr>
           <a:xfrm>
             <a:off x="500400" y="330840"/>
-            <a:ext cx="8519040" cy="1094400"/>
+            <a:ext cx="8518680" cy="1094040"/>
           </a:xfrm>
           <a:prstGeom prst="rect">
             <a:avLst/>
@@ -23284,7 +24298,7 @@
         <p:spPr>
           <a:xfrm>
             <a:off x="360720" y="1826280"/>
-            <a:ext cx="8278920" cy="2133360"/>
+            <a:ext cx="8278560" cy="2133000"/>
           </a:xfrm>
           <a:prstGeom prst="rect">
             <a:avLst/>
@@ -23533,7 +24547,7 @@
         <p:spPr>
           <a:xfrm>
             <a:off x="500400" y="6840"/>
-            <a:ext cx="8519040" cy="568440"/>
+            <a:ext cx="8518680" cy="568080"/>
           </a:xfrm>
           <a:prstGeom prst="rect">
             <a:avLst/>
@@ -23582,7 +24596,7 @@
         <p:spPr>
           <a:xfrm>
             <a:off x="3060000" y="720000"/>
-            <a:ext cx="2699640" cy="719640"/>
+            <a:ext cx="2699280" cy="719280"/>
           </a:xfrm>
           <a:prstGeom prst="rect">
             <a:avLst/>
@@ -23637,7 +24651,7 @@
         <p:spPr>
           <a:xfrm>
             <a:off x="4980240" y="900000"/>
-            <a:ext cx="3119040" cy="359280"/>
+            <a:ext cx="3118680" cy="358920"/>
           </a:xfrm>
           <a:prstGeom prst="rect">
             <a:avLst/>
@@ -23654,7 +24668,7 @@
           <a:fontRef idx="minor"/>
         </p:style>
         <p:txBody>
-          <a:bodyPr lIns="0" rIns="0" tIns="360000" bIns="360000" anchor="t">
+          <a:bodyPr lIns="0" rIns="0" tIns="359280" bIns="359280" anchor="t">
             <a:noAutofit/>
           </a:bodyPr>
           <a:p>
@@ -23696,7 +24710,7 @@
         <p:spPr>
           <a:xfrm>
             <a:off x="1368000" y="1116000"/>
-            <a:ext cx="5904000" cy="3917880"/>
+            <a:ext cx="5903640" cy="3917520"/>
           </a:xfrm>
           <a:prstGeom prst="rect">
             <a:avLst/>
@@ -23749,7 +24763,7 @@
         <p:spPr>
           <a:xfrm>
             <a:off x="500400" y="6840"/>
-            <a:ext cx="8519040" cy="568440"/>
+            <a:ext cx="8518680" cy="568080"/>
           </a:xfrm>
           <a:prstGeom prst="rect">
             <a:avLst/>
@@ -23802,7 +24816,7 @@
         <p:spPr>
           <a:xfrm>
             <a:off x="900000" y="1134360"/>
-            <a:ext cx="7174800" cy="3905640"/>
+            <a:ext cx="7174440" cy="3905280"/>
           </a:xfrm>
           <a:prstGeom prst="rect">
             <a:avLst/>
@@ -23821,7 +24835,7 @@
         <p:spPr>
           <a:xfrm>
             <a:off x="2820240" y="612000"/>
-            <a:ext cx="3119040" cy="359280"/>
+            <a:ext cx="3118680" cy="358920"/>
           </a:xfrm>
           <a:prstGeom prst="rect">
             <a:avLst/>
@@ -23838,7 +24852,7 @@
           <a:fontRef idx="minor"/>
         </p:style>
         <p:txBody>
-          <a:bodyPr lIns="0" rIns="0" tIns="360000" bIns="360000" anchor="t">
+          <a:bodyPr lIns="0" rIns="0" tIns="359280" bIns="359280" anchor="t">
             <a:noAutofit/>
           </a:bodyPr>
           <a:p>
@@ -23910,7 +24924,7 @@
         <p:spPr>
           <a:xfrm>
             <a:off x="500400" y="36000"/>
-            <a:ext cx="8519040" cy="568440"/>
+            <a:ext cx="8518680" cy="568080"/>
           </a:xfrm>
           <a:prstGeom prst="rect">
             <a:avLst/>
@@ -23959,7 +24973,7 @@
         <p:spPr>
           <a:xfrm>
             <a:off x="972000" y="926280"/>
-            <a:ext cx="3060000" cy="3213720"/>
+            <a:ext cx="3059640" cy="3213360"/>
           </a:xfrm>
           <a:prstGeom prst="rect">
             <a:avLst/>
@@ -23985,7 +24999,7 @@
         <p:spPr>
           <a:xfrm>
             <a:off x="720000" y="791640"/>
-            <a:ext cx="3420000" cy="4366800"/>
+            <a:ext cx="3419640" cy="4366440"/>
           </a:xfrm>
           <a:prstGeom prst="rect">
             <a:avLst/>
@@ -24014,7 +25028,11 @@
             </a:pPr>
             <a:r>
               <a:rPr b="1" lang="en-NZ" sz="1200" spc="-1" strike="noStrike">
-                <a:latin typeface="Arial"/>
+                <a:solidFill>
+                  <a:srgbClr val="000000"/>
+                </a:solidFill>
+                <a:latin typeface="Arial"/>
+                <a:ea typeface="DejaVu Sans"/>
               </a:rPr>
               <a:t>#Spine</a:t>
             </a:r>
@@ -24042,7 +25060,11 @@
             </a:pPr>
             <a:r>
               <a:rPr b="0" lang="en-NZ" sz="1200" spc="-1" strike="noStrike">
-                <a:latin typeface="Arial"/>
+                <a:solidFill>
+                  <a:srgbClr val="000000"/>
+                </a:solidFill>
+                <a:latin typeface="Arial"/>
+                <a:ea typeface="DejaVu Sans"/>
               </a:rPr>
               <a:t>irouter ospf 1</a:t>
             </a:r>
@@ -24059,13 +25081,21 @@
             </a:pPr>
             <a:r>
               <a:rPr b="0" lang="en-NZ" sz="1200" spc="-1" strike="noStrike">
-                <a:latin typeface="Arial"/>
+                <a:solidFill>
+                  <a:srgbClr val="000000"/>
+                </a:solidFill>
+                <a:latin typeface="Arial"/>
+                <a:ea typeface="DejaVu Sans"/>
               </a:rPr>
               <a:t>   </a:t>
             </a:r>
             <a:r>
               <a:rPr b="0" lang="en-NZ" sz="1200" spc="-1" strike="noStrike">
-                <a:latin typeface="Arial"/>
+                <a:solidFill>
+                  <a:srgbClr val="000000"/>
+                </a:solidFill>
+                <a:latin typeface="Arial"/>
+                <a:ea typeface="DejaVu Sans"/>
               </a:rPr>
               <a:t>router-id &lt;Loopback0&gt;</a:t>
             </a:r>
@@ -24082,13 +25112,21 @@
             </a:pPr>
             <a:r>
               <a:rPr b="0" lang="en-NZ" sz="1200" spc="-1" strike="noStrike">
-                <a:latin typeface="Arial"/>
+                <a:solidFill>
+                  <a:srgbClr val="000000"/>
+                </a:solidFill>
+                <a:latin typeface="Arial"/>
+                <a:ea typeface="DejaVu Sans"/>
               </a:rPr>
               <a:t>   </a:t>
             </a:r>
             <a:r>
               <a:rPr b="0" lang="en-NZ" sz="1200" spc="-1" strike="noStrike">
-                <a:latin typeface="Arial"/>
+                <a:solidFill>
+                  <a:srgbClr val="000000"/>
+                </a:solidFill>
+                <a:latin typeface="Arial"/>
+                <a:ea typeface="DejaVu Sans"/>
               </a:rPr>
               <a:t>passive-interface default</a:t>
             </a:r>
@@ -24105,13 +25143,21 @@
             </a:pPr>
             <a:r>
               <a:rPr b="0" lang="en-NZ" sz="1200" spc="-1" strike="noStrike">
-                <a:latin typeface="Arial"/>
+                <a:solidFill>
+                  <a:srgbClr val="000000"/>
+                </a:solidFill>
+                <a:latin typeface="Arial"/>
+                <a:ea typeface="DejaVu Sans"/>
               </a:rPr>
               <a:t>   </a:t>
             </a:r>
             <a:r>
               <a:rPr b="0" lang="en-NZ" sz="1200" spc="-1" strike="noStrike">
-                <a:latin typeface="Arial"/>
+                <a:solidFill>
+                  <a:srgbClr val="000000"/>
+                </a:solidFill>
+                <a:latin typeface="Arial"/>
+                <a:ea typeface="DejaVu Sans"/>
               </a:rPr>
               <a:t>no passive-interface &lt;ports_to_leaf&gt;</a:t>
             </a:r>
@@ -24128,7 +25174,11 @@
             </a:pPr>
             <a:r>
               <a:rPr b="0" lang="en-NZ" sz="1200" spc="-1" strike="noStrike">
-                <a:latin typeface="Arial"/>
+                <a:solidFill>
+                  <a:srgbClr val="000000"/>
+                </a:solidFill>
+                <a:latin typeface="Arial"/>
+                <a:ea typeface="DejaVu Sans"/>
               </a:rPr>
               <a:t>!</a:t>
             </a:r>
@@ -24145,7 +25195,11 @@
             </a:pPr>
             <a:r>
               <a:rPr b="0" lang="en-NZ" sz="1200" spc="-1" strike="noStrike">
-                <a:latin typeface="Arial"/>
+                <a:solidFill>
+                  <a:srgbClr val="000000"/>
+                </a:solidFill>
+                <a:latin typeface="Arial"/>
+                <a:ea typeface="DejaVu Sans"/>
               </a:rPr>
               <a:t>interface Loopback0</a:t>
             </a:r>
@@ -24162,13 +25216,21 @@
             </a:pPr>
             <a:r>
               <a:rPr b="0" lang="en-NZ" sz="1200" spc="-1" strike="noStrike">
-                <a:latin typeface="Arial"/>
+                <a:solidFill>
+                  <a:srgbClr val="000000"/>
+                </a:solidFill>
+                <a:latin typeface="Arial"/>
+                <a:ea typeface="DejaVu Sans"/>
               </a:rPr>
               <a:t>   </a:t>
             </a:r>
             <a:r>
               <a:rPr b="0" lang="en-NZ" sz="1200" spc="-1" strike="noStrike">
-                <a:latin typeface="Arial"/>
+                <a:solidFill>
+                  <a:srgbClr val="000000"/>
+                </a:solidFill>
+                <a:latin typeface="Arial"/>
+                <a:ea typeface="DejaVu Sans"/>
               </a:rPr>
               <a:t>ip ospf area 0.0.0.0</a:t>
             </a:r>
@@ -24185,7 +25247,11 @@
             </a:pPr>
             <a:r>
               <a:rPr b="0" lang="en-NZ" sz="1200" spc="-1" strike="noStrike">
-                <a:latin typeface="Arial"/>
+                <a:solidFill>
+                  <a:srgbClr val="000000"/>
+                </a:solidFill>
+                <a:latin typeface="Arial"/>
+                <a:ea typeface="DejaVu Sans"/>
               </a:rPr>
               <a:t>!</a:t>
             </a:r>
@@ -24202,7 +25268,11 @@
             </a:pPr>
             <a:r>
               <a:rPr b="0" lang="en-NZ" sz="1200" spc="-1" strike="noStrike">
-                <a:latin typeface="Arial"/>
+                <a:solidFill>
+                  <a:srgbClr val="000000"/>
+                </a:solidFill>
+                <a:latin typeface="Arial"/>
+                <a:ea typeface="DejaVu Sans"/>
               </a:rPr>
               <a:t>interface Loopback100</a:t>
             </a:r>
@@ -24219,13 +25289,21 @@
             </a:pPr>
             <a:r>
               <a:rPr b="0" lang="en-NZ" sz="1200" spc="-1" strike="noStrike">
-                <a:latin typeface="Arial"/>
+                <a:solidFill>
+                  <a:srgbClr val="000000"/>
+                </a:solidFill>
+                <a:latin typeface="Arial"/>
+                <a:ea typeface="DejaVu Sans"/>
               </a:rPr>
               <a:t>   </a:t>
             </a:r>
             <a:r>
               <a:rPr b="0" lang="en-NZ" sz="1200" spc="-1" strike="noStrike">
-                <a:latin typeface="Arial"/>
+                <a:solidFill>
+                  <a:srgbClr val="000000"/>
+                </a:solidFill>
+                <a:latin typeface="Arial"/>
+                <a:ea typeface="DejaVu Sans"/>
               </a:rPr>
               <a:t>ip ospf area 0.0.0.0</a:t>
             </a:r>
@@ -24242,7 +25320,11 @@
             </a:pPr>
             <a:r>
               <a:rPr b="0" lang="en-NZ" sz="1200" spc="-1" strike="noStrike">
-                <a:latin typeface="Arial"/>
+                <a:solidFill>
+                  <a:srgbClr val="000000"/>
+                </a:solidFill>
+                <a:latin typeface="Arial"/>
+                <a:ea typeface="DejaVu Sans"/>
               </a:rPr>
               <a:t>!</a:t>
             </a:r>
@@ -24259,7 +25341,11 @@
             </a:pPr>
             <a:r>
               <a:rPr b="0" lang="en-NZ" sz="1200" spc="-1" strike="noStrike">
-                <a:latin typeface="Arial"/>
+                <a:solidFill>
+                  <a:srgbClr val="000000"/>
+                </a:solidFill>
+                <a:latin typeface="Arial"/>
+                <a:ea typeface="DejaVu Sans"/>
               </a:rPr>
               <a:t>interface &lt;port_to_leaf&gt;</a:t>
             </a:r>
@@ -24276,13 +25362,21 @@
             </a:pPr>
             <a:r>
               <a:rPr b="0" lang="en-NZ" sz="1200" spc="-1" strike="noStrike">
-                <a:latin typeface="Arial"/>
+                <a:solidFill>
+                  <a:srgbClr val="000000"/>
+                </a:solidFill>
+                <a:latin typeface="Arial"/>
+                <a:ea typeface="DejaVu Sans"/>
               </a:rPr>
               <a:t>   </a:t>
             </a:r>
             <a:r>
               <a:rPr b="0" lang="en-NZ" sz="1200" spc="-1" strike="noStrike">
-                <a:latin typeface="Arial"/>
+                <a:solidFill>
+                  <a:srgbClr val="000000"/>
+                </a:solidFill>
+                <a:latin typeface="Arial"/>
+                <a:ea typeface="DejaVu Sans"/>
               </a:rPr>
               <a:t>ip ospf area 0.0.0.0</a:t>
             </a:r>
@@ -24301,7 +25395,7 @@
         <p:spPr>
           <a:xfrm>
             <a:off x="4780440" y="810360"/>
-            <a:ext cx="3643560" cy="4049640"/>
+            <a:ext cx="3643200" cy="4049280"/>
           </a:xfrm>
           <a:prstGeom prst="rect">
             <a:avLst/>
@@ -24330,7 +25424,11 @@
             </a:pPr>
             <a:r>
               <a:rPr b="1" lang="en-NZ" sz="1200" spc="-1" strike="noStrike">
-                <a:latin typeface="Arial"/>
+                <a:solidFill>
+                  <a:srgbClr val="000000"/>
+                </a:solidFill>
+                <a:latin typeface="Arial"/>
+                <a:ea typeface="DejaVu Sans"/>
               </a:rPr>
               <a:t>#Leaf</a:t>
             </a:r>
@@ -24358,7 +25456,11 @@
             </a:pPr>
             <a:r>
               <a:rPr b="0" lang="en-NZ" sz="1200" spc="-1" strike="noStrike">
-                <a:latin typeface="Arial"/>
+                <a:solidFill>
+                  <a:srgbClr val="000000"/>
+                </a:solidFill>
+                <a:latin typeface="Arial"/>
+                <a:ea typeface="DejaVu Sans"/>
               </a:rPr>
               <a:t>router ospf 1</a:t>
             </a:r>
@@ -24375,13 +25477,21 @@
             </a:pPr>
             <a:r>
               <a:rPr b="0" lang="en-NZ" sz="1200" spc="-1" strike="noStrike">
-                <a:latin typeface="Arial"/>
+                <a:solidFill>
+                  <a:srgbClr val="000000"/>
+                </a:solidFill>
+                <a:latin typeface="Arial"/>
+                <a:ea typeface="DejaVu Sans"/>
               </a:rPr>
               <a:t>   </a:t>
             </a:r>
             <a:r>
               <a:rPr b="0" lang="en-NZ" sz="1200" spc="-1" strike="noStrike">
-                <a:latin typeface="Arial"/>
+                <a:solidFill>
+                  <a:srgbClr val="000000"/>
+                </a:solidFill>
+                <a:latin typeface="Arial"/>
+                <a:ea typeface="DejaVu Sans"/>
               </a:rPr>
               <a:t>router-id &lt;Loopback0&gt;</a:t>
             </a:r>
@@ -24398,13 +25508,21 @@
             </a:pPr>
             <a:r>
               <a:rPr b="0" lang="en-NZ" sz="1200" spc="-1" strike="noStrike">
-                <a:latin typeface="Arial"/>
+                <a:solidFill>
+                  <a:srgbClr val="000000"/>
+                </a:solidFill>
+                <a:latin typeface="Arial"/>
+                <a:ea typeface="DejaVu Sans"/>
               </a:rPr>
               <a:t>   </a:t>
             </a:r>
             <a:r>
               <a:rPr b="0" lang="en-NZ" sz="1200" spc="-1" strike="noStrike">
-                <a:latin typeface="Arial"/>
+                <a:solidFill>
+                  <a:srgbClr val="000000"/>
+                </a:solidFill>
+                <a:latin typeface="Arial"/>
+                <a:ea typeface="DejaVu Sans"/>
               </a:rPr>
               <a:t>passive-interface default</a:t>
             </a:r>
@@ -24421,13 +25539,21 @@
             </a:pPr>
             <a:r>
               <a:rPr b="0" lang="en-NZ" sz="1200" spc="-1" strike="noStrike">
-                <a:latin typeface="Arial"/>
+                <a:solidFill>
+                  <a:srgbClr val="000000"/>
+                </a:solidFill>
+                <a:latin typeface="Arial"/>
+                <a:ea typeface="DejaVu Sans"/>
               </a:rPr>
               <a:t>   </a:t>
             </a:r>
             <a:r>
               <a:rPr b="0" lang="en-NZ" sz="1200" spc="-1" strike="noStrike">
-                <a:latin typeface="Arial"/>
+                <a:solidFill>
+                  <a:srgbClr val="000000"/>
+                </a:solidFill>
+                <a:latin typeface="Arial"/>
+                <a:ea typeface="DejaVu Sans"/>
               </a:rPr>
               <a:t>no passive-interface &lt;ports_to_spines&gt;</a:t>
             </a:r>
@@ -24444,13 +25570,21 @@
             </a:pPr>
             <a:r>
               <a:rPr b="0" lang="en-NZ" sz="1200" spc="-1" strike="noStrike">
-                <a:latin typeface="Arial"/>
+                <a:solidFill>
+                  <a:srgbClr val="000000"/>
+                </a:solidFill>
+                <a:latin typeface="Arial"/>
+                <a:ea typeface="DejaVu Sans"/>
               </a:rPr>
               <a:t>   </a:t>
             </a:r>
             <a:r>
               <a:rPr b="0" lang="en-NZ" sz="1200" spc="-1" strike="noStrike">
-                <a:latin typeface="Arial"/>
+                <a:solidFill>
+                  <a:srgbClr val="000000"/>
+                </a:solidFill>
+                <a:latin typeface="Arial"/>
+                <a:ea typeface="DejaVu Sans"/>
               </a:rPr>
               <a:t>area &lt;Loopback100&gt; nssa no-summary</a:t>
             </a:r>
@@ -24467,13 +25601,21 @@
             </a:pPr>
             <a:r>
               <a:rPr b="0" lang="en-NZ" sz="1200" spc="-1" strike="noStrike">
-                <a:latin typeface="Arial"/>
+                <a:solidFill>
+                  <a:srgbClr val="000000"/>
+                </a:solidFill>
+                <a:latin typeface="Arial"/>
+                <a:ea typeface="DejaVu Sans"/>
               </a:rPr>
               <a:t>   </a:t>
             </a:r>
             <a:r>
               <a:rPr b="0" lang="en-NZ" sz="1200" spc="-1" strike="noStrike">
-                <a:latin typeface="Arial"/>
+                <a:solidFill>
+                  <a:srgbClr val="000000"/>
+                </a:solidFill>
+                <a:latin typeface="Arial"/>
+                <a:ea typeface="DejaVu Sans"/>
               </a:rPr>
               <a:t>area &lt;Loopback100&gt; range &lt;area subnet&gt;</a:t>
             </a:r>
@@ -24490,13 +25632,21 @@
             </a:pPr>
             <a:r>
               <a:rPr b="0" lang="en-NZ" sz="1200" spc="-1" strike="noStrike">
-                <a:latin typeface="Arial"/>
+                <a:solidFill>
+                  <a:srgbClr val="000000"/>
+                </a:solidFill>
+                <a:latin typeface="Arial"/>
+                <a:ea typeface="DejaVu Sans"/>
               </a:rPr>
               <a:t>   </a:t>
             </a:r>
             <a:r>
               <a:rPr b="0" lang="en-NZ" sz="1200" spc="-1" strike="noStrike">
-                <a:latin typeface="Arial"/>
+                <a:solidFill>
+                  <a:srgbClr val="000000"/>
+                </a:solidFill>
+                <a:latin typeface="Arial"/>
+                <a:ea typeface="DejaVu Sans"/>
               </a:rPr>
               <a:t>max-lsa 12000</a:t>
             </a:r>
@@ -24513,7 +25663,11 @@
             </a:pPr>
             <a:r>
               <a:rPr b="0" lang="en-NZ" sz="1200" spc="-1" strike="noStrike">
-                <a:latin typeface="Arial"/>
+                <a:solidFill>
+                  <a:srgbClr val="000000"/>
+                </a:solidFill>
+                <a:latin typeface="Arial"/>
+                <a:ea typeface="DejaVu Sans"/>
               </a:rPr>
               <a:t>!</a:t>
             </a:r>
@@ -24530,7 +25684,11 @@
             </a:pPr>
             <a:r>
               <a:rPr b="0" lang="en-NZ" sz="1200" spc="-1" strike="noStrike">
-                <a:latin typeface="Arial"/>
+                <a:solidFill>
+                  <a:srgbClr val="000000"/>
+                </a:solidFill>
+                <a:latin typeface="Arial"/>
+                <a:ea typeface="DejaVu Sans"/>
               </a:rPr>
               <a:t>interface Loopback0</a:t>
             </a:r>
@@ -24547,13 +25705,21 @@
             </a:pPr>
             <a:r>
               <a:rPr b="0" lang="en-NZ" sz="1200" spc="-1" strike="noStrike">
-                <a:latin typeface="Arial"/>
+                <a:solidFill>
+                  <a:srgbClr val="000000"/>
+                </a:solidFill>
+                <a:latin typeface="Arial"/>
+                <a:ea typeface="DejaVu Sans"/>
               </a:rPr>
               <a:t>   </a:t>
             </a:r>
             <a:r>
               <a:rPr b="0" lang="en-NZ" sz="1200" spc="-1" strike="noStrike">
-                <a:latin typeface="Arial"/>
+                <a:solidFill>
+                  <a:srgbClr val="000000"/>
+                </a:solidFill>
+                <a:latin typeface="Arial"/>
+                <a:ea typeface="DejaVu Sans"/>
               </a:rPr>
               <a:t>ip ospf area &lt;Loopback100&gt;</a:t>
             </a:r>
@@ -24570,7 +25736,11 @@
             </a:pPr>
             <a:r>
               <a:rPr b="0" lang="en-NZ" sz="1200" spc="-1" strike="noStrike">
-                <a:latin typeface="Arial"/>
+                <a:solidFill>
+                  <a:srgbClr val="000000"/>
+                </a:solidFill>
+                <a:latin typeface="Arial"/>
+                <a:ea typeface="DejaVu Sans"/>
               </a:rPr>
               <a:t>!</a:t>
             </a:r>
@@ -24587,7 +25757,11 @@
             </a:pPr>
             <a:r>
               <a:rPr b="0" lang="en-NZ" sz="1200" spc="-1" strike="noStrike">
-                <a:latin typeface="Arial"/>
+                <a:solidFill>
+                  <a:srgbClr val="000000"/>
+                </a:solidFill>
+                <a:latin typeface="Arial"/>
+                <a:ea typeface="DejaVu Sans"/>
               </a:rPr>
               <a:t>interface Loopback100</a:t>
             </a:r>
@@ -24604,13 +25778,21 @@
             </a:pPr>
             <a:r>
               <a:rPr b="0" lang="en-NZ" sz="1200" spc="-1" strike="noStrike">
-                <a:latin typeface="Arial"/>
+                <a:solidFill>
+                  <a:srgbClr val="000000"/>
+                </a:solidFill>
+                <a:latin typeface="Arial"/>
+                <a:ea typeface="DejaVu Sans"/>
               </a:rPr>
               <a:t>   </a:t>
             </a:r>
             <a:r>
               <a:rPr b="0" lang="en-NZ" sz="1200" spc="-1" strike="noStrike">
-                <a:latin typeface="Arial"/>
+                <a:solidFill>
+                  <a:srgbClr val="000000"/>
+                </a:solidFill>
+                <a:latin typeface="Arial"/>
+                <a:ea typeface="DejaVu Sans"/>
               </a:rPr>
               <a:t>ip ospf area &lt;Loopback100&gt;</a:t>
             </a:r>
@@ -24627,7 +25809,11 @@
             </a:pPr>
             <a:r>
               <a:rPr b="0" lang="en-NZ" sz="1200" spc="-1" strike="noStrike">
-                <a:latin typeface="Arial"/>
+                <a:solidFill>
+                  <a:srgbClr val="000000"/>
+                </a:solidFill>
+                <a:latin typeface="Arial"/>
+                <a:ea typeface="DejaVu Sans"/>
               </a:rPr>
               <a:t>!</a:t>
             </a:r>
@@ -24644,7 +25830,11 @@
             </a:pPr>
             <a:r>
               <a:rPr b="0" lang="en-NZ" sz="1200" spc="-1" strike="noStrike">
-                <a:latin typeface="Arial"/>
+                <a:solidFill>
+                  <a:srgbClr val="000000"/>
+                </a:solidFill>
+                <a:latin typeface="Arial"/>
+                <a:ea typeface="DejaVu Sans"/>
               </a:rPr>
               <a:t>interface &lt;port_to_spine&gt;</a:t>
             </a:r>
@@ -24661,13 +25851,21 @@
             </a:pPr>
             <a:r>
               <a:rPr b="0" lang="en-NZ" sz="1200" spc="-1" strike="noStrike">
-                <a:latin typeface="Arial"/>
+                <a:solidFill>
+                  <a:srgbClr val="000000"/>
+                </a:solidFill>
+                <a:latin typeface="Arial"/>
+                <a:ea typeface="DejaVu Sans"/>
               </a:rPr>
               <a:t>   </a:t>
             </a:r>
             <a:r>
               <a:rPr b="0" lang="en-NZ" sz="1200" spc="-1" strike="noStrike">
-                <a:latin typeface="Arial"/>
+                <a:solidFill>
+                  <a:srgbClr val="000000"/>
+                </a:solidFill>
+                <a:latin typeface="Arial"/>
+                <a:ea typeface="DejaVu Sans"/>
               </a:rPr>
               <a:t>ip ospf area 0.0.0.0</a:t>
             </a:r>
@@ -24684,7 +25882,11 @@
             </a:pPr>
             <a:r>
               <a:rPr b="0" lang="en-NZ" sz="1200" spc="-1" strike="noStrike">
-                <a:latin typeface="Arial"/>
+                <a:solidFill>
+                  <a:srgbClr val="000000"/>
+                </a:solidFill>
+                <a:latin typeface="Arial"/>
+                <a:ea typeface="DejaVu Sans"/>
               </a:rPr>
               <a:t>!</a:t>
             </a:r>
@@ -24701,7 +25903,11 @@
             </a:pPr>
             <a:r>
               <a:rPr b="0" lang="en-NZ" sz="1200" spc="-1" strike="noStrike">
-                <a:latin typeface="Arial"/>
+                <a:solidFill>
+                  <a:srgbClr val="000000"/>
+                </a:solidFill>
+                <a:latin typeface="Arial"/>
+                <a:ea typeface="DejaVu Sans"/>
               </a:rPr>
               <a:t>interface 4093</a:t>
             </a:r>
@@ -24718,13 +25924,21 @@
             </a:pPr>
             <a:r>
               <a:rPr b="0" lang="en-NZ" sz="1200" spc="-1" strike="noStrike">
-                <a:latin typeface="Arial"/>
+                <a:solidFill>
+                  <a:srgbClr val="000000"/>
+                </a:solidFill>
+                <a:latin typeface="Arial"/>
+                <a:ea typeface="DejaVu Sans"/>
               </a:rPr>
               <a:t>   </a:t>
             </a:r>
             <a:r>
               <a:rPr b="0" lang="en-NZ" sz="1200" spc="-1" strike="noStrike">
-                <a:latin typeface="Arial"/>
+                <a:solidFill>
+                  <a:srgbClr val="000000"/>
+                </a:solidFill>
+                <a:latin typeface="Arial"/>
+                <a:ea typeface="DejaVu Sans"/>
               </a:rPr>
               <a:t>ip ospf area &lt;Loopback100&gt;</a:t>
             </a:r>
